--- a/기획문서/보보 (가칭)_v1.pptx
+++ b/기획문서/보보 (가칭)_v1.pptx
@@ -216,7 +216,7 @@
             <a:fld id="{368C27B5-1C5B-4F09-A7C0-020D61B79805}" type="datetimeFigureOut">
               <a:rPr lang="ko-KR" altLang="en-US" smtClean="0"/>
               <a:pPr/>
-              <a:t>2023-11-14</a:t>
+              <a:t>2023-11-15</a:t>
             </a:fld>
             <a:endParaRPr lang="ko-KR" altLang="en-US"/>
           </a:p>
@@ -8365,7 +8365,21 @@
           <a:bodyPr/>
           <a:lstStyle/>
           <a:p>
-            <a:endParaRPr lang="ko-KR" altLang="en-US"/>
+            <a:r>
+              <a:rPr lang="ko-KR" altLang="en-US" dirty="0"/>
+              <a:t>입양의 리스트 페이지 참조 입니다</a:t>
+            </a:r>
+            <a:r>
+              <a:rPr lang="en-US" altLang="ko-KR" dirty="0"/>
+              <a:t>. </a:t>
+            </a:r>
+          </a:p>
+          <a:p>
+            <a:r>
+              <a:rPr lang="ko-KR" altLang="en-US"/>
+              <a:t>필터링 적용</a:t>
+            </a:r>
+            <a:endParaRPr lang="ko-KR" altLang="en-US" dirty="0"/>
           </a:p>
         </p:txBody>
       </p:sp>
@@ -8392,13 +8406,8 @@
           <a:p>
             <a:r>
               <a:rPr lang="ko-KR" altLang="en-US" dirty="0"/>
-              <a:t>입양부분의 참고 부분입니다</a:t>
-            </a:r>
-            <a:r>
-              <a:rPr lang="en-US" altLang="ko-KR" dirty="0"/>
-              <a:t>. </a:t>
-            </a:r>
-            <a:endParaRPr lang="ko-KR" altLang="en-US" dirty="0"/>
+              <a:t>입양부분의 참고</a:t>
+            </a:r>
           </a:p>
         </p:txBody>
       </p:sp>

--- a/기획문서/보보 (가칭)_v1.pptx
+++ b/기획문서/보보 (가칭)_v1.pptx
@@ -5652,6 +5652,76 @@
                 <a:latin typeface="+mn-ea"/>
               </a:rPr>
               <a:t>비밀번호 수정</a:t>
+            </a:r>
+          </a:p>
+        </p:txBody>
+      </p:sp>
+      <p:sp>
+        <p:nvSpPr>
+          <p:cNvPr id="2" name="TextBox 1">
+            <a:extLst>
+              <a:ext uri="{FF2B5EF4-FFF2-40B4-BE49-F238E27FC236}">
+                <a16:creationId xmlns:a16="http://schemas.microsoft.com/office/drawing/2014/main" id="{C9373301-AF0B-A37C-AC78-350D6FAD43F8}"/>
+              </a:ext>
+            </a:extLst>
+          </p:cNvPr>
+          <p:cNvSpPr txBox="1"/>
+          <p:nvPr/>
+        </p:nvSpPr>
+        <p:spPr>
+          <a:xfrm>
+            <a:off x="2513831" y="2931791"/>
+            <a:ext cx="1179054" cy="215444"/>
+          </a:xfrm>
+          <a:prstGeom prst="rect">
+            <a:avLst/>
+          </a:prstGeom>
+          <a:noFill/>
+        </p:spPr>
+        <p:txBody>
+          <a:bodyPr wrap="square" rtlCol="0">
+            <a:spAutoFit/>
+          </a:bodyPr>
+          <a:lstStyle/>
+          <a:p>
+            <a:r>
+              <a:rPr lang="ko-KR" altLang="en-US" sz="800" dirty="0"/>
+              <a:t>회원 작성 가능</a:t>
+            </a:r>
+          </a:p>
+        </p:txBody>
+      </p:sp>
+      <p:sp>
+        <p:nvSpPr>
+          <p:cNvPr id="3" name="TextBox 2">
+            <a:extLst>
+              <a:ext uri="{FF2B5EF4-FFF2-40B4-BE49-F238E27FC236}">
+                <a16:creationId xmlns:a16="http://schemas.microsoft.com/office/drawing/2014/main" id="{E034CD9C-2AA3-43C1-3A54-D53EF08613D0}"/>
+              </a:ext>
+            </a:extLst>
+          </p:cNvPr>
+          <p:cNvSpPr txBox="1"/>
+          <p:nvPr/>
+        </p:nvSpPr>
+        <p:spPr>
+          <a:xfrm>
+            <a:off x="3902460" y="3270975"/>
+            <a:ext cx="1179054" cy="215444"/>
+          </a:xfrm>
+          <a:prstGeom prst="rect">
+            <a:avLst/>
+          </a:prstGeom>
+          <a:noFill/>
+        </p:spPr>
+        <p:txBody>
+          <a:bodyPr wrap="square" rtlCol="0">
+            <a:spAutoFit/>
+          </a:bodyPr>
+          <a:lstStyle/>
+          <a:p>
+            <a:r>
+              <a:rPr lang="ko-KR" altLang="en-US" sz="800" dirty="0"/>
+              <a:t>회원 작성 가능</a:t>
             </a:r>
           </a:p>
         </p:txBody>

--- a/기획문서/보보 (가칭)_v1.pptx
+++ b/기획문서/보보 (가칭)_v1.pptx
@@ -7,7 +7,7 @@
     <p:sldMasterId id="2147483678" r:id="rId3"/>
   </p:sldMasterIdLst>
   <p:notesMasterIdLst>
-    <p:notesMasterId r:id="rId10"/>
+    <p:notesMasterId r:id="rId12"/>
   </p:notesMasterIdLst>
   <p:sldIdLst>
     <p:sldId id="256" r:id="rId4"/>
@@ -16,6 +16,8 @@
     <p:sldId id="264" r:id="rId7"/>
     <p:sldId id="265" r:id="rId8"/>
     <p:sldId id="266" r:id="rId9"/>
+    <p:sldId id="267" r:id="rId10"/>
+    <p:sldId id="268" r:id="rId11"/>
   </p:sldIdLst>
   <p:sldSz cx="9144000" cy="5143500" type="screen16x9"/>
   <p:notesSz cx="6858000" cy="9144000"/>
@@ -216,7 +218,7 @@
             <a:fld id="{368C27B5-1C5B-4F09-A7C0-020D61B79805}" type="datetimeFigureOut">
               <a:rPr lang="ko-KR" altLang="en-US" smtClean="0"/>
               <a:pPr/>
-              <a:t>2023-11-15</a:t>
+              <a:t>2023-11-21</a:t>
             </a:fld>
             <a:endParaRPr lang="ko-KR" altLang="en-US"/>
           </a:p>
@@ -8806,6 +8808,3831 @@
     <p:extLst>
       <p:ext uri="{BB962C8B-B14F-4D97-AF65-F5344CB8AC3E}">
         <p14:creationId xmlns:p14="http://schemas.microsoft.com/office/powerpoint/2010/main" val="3589723056"/>
+      </p:ext>
+    </p:extLst>
+  </p:cSld>
+  <p:clrMapOvr>
+    <a:masterClrMapping/>
+  </p:clrMapOvr>
+</p:sld>
+</file>
+
+<file path=ppt/slides/slide7.xml><?xml version="1.0" encoding="utf-8"?>
+<p:sld xmlns:a="http://schemas.openxmlformats.org/drawingml/2006/main" xmlns:r="http://schemas.openxmlformats.org/officeDocument/2006/relationships" xmlns:p="http://schemas.openxmlformats.org/presentationml/2006/main">
+  <p:cSld>
+    <p:spTree>
+      <p:nvGrpSpPr>
+        <p:cNvPr id="1" name=""/>
+        <p:cNvGrpSpPr/>
+        <p:nvPr/>
+      </p:nvGrpSpPr>
+      <p:grpSpPr>
+        <a:xfrm>
+          <a:off x="0" y="0"/>
+          <a:ext cx="0" cy="0"/>
+          <a:chOff x="0" y="0"/>
+          <a:chExt cx="0" cy="0"/>
+        </a:xfrm>
+      </p:grpSpPr>
+      <p:sp>
+        <p:nvSpPr>
+          <p:cNvPr id="2" name="텍스트 개체 틀 1">
+            <a:extLst>
+              <a:ext uri="{FF2B5EF4-FFF2-40B4-BE49-F238E27FC236}">
+                <a16:creationId xmlns:a16="http://schemas.microsoft.com/office/drawing/2014/main" id="{5A878F3E-7091-1DFC-457A-4FDBC4C14059}"/>
+              </a:ext>
+            </a:extLst>
+          </p:cNvPr>
+          <p:cNvSpPr>
+            <a:spLocks noGrp="1"/>
+          </p:cNvSpPr>
+          <p:nvPr>
+            <p:ph type="body" sz="quarter" idx="10"/>
+          </p:nvPr>
+        </p:nvSpPr>
+        <p:spPr/>
+        <p:txBody>
+          <a:bodyPr/>
+          <a:lstStyle/>
+          <a:p>
+            <a:r>
+              <a:rPr lang="ko-KR" altLang="en-US" dirty="0"/>
+              <a:t>상단 메뉴</a:t>
+            </a:r>
+            <a:r>
+              <a:rPr lang="en-US" altLang="ko-KR" dirty="0"/>
+              <a:t>, </a:t>
+            </a:r>
+            <a:r>
+              <a:rPr lang="ko-KR" altLang="en-US" dirty="0"/>
+              <a:t>하단</a:t>
+            </a:r>
+            <a:r>
+              <a:rPr lang="en-US" altLang="ko-KR" dirty="0"/>
+              <a:t>(copy) </a:t>
+            </a:r>
+            <a:r>
+              <a:rPr lang="ko-KR" altLang="en-US" dirty="0"/>
+              <a:t>배제</a:t>
+            </a:r>
+            <a:endParaRPr lang="en-US" altLang="ko-KR" dirty="0"/>
+          </a:p>
+          <a:p>
+            <a:r>
+              <a:rPr lang="ko-KR" altLang="en-US" dirty="0"/>
+              <a:t>화면에 표현되는 개수는 </a:t>
+            </a:r>
+            <a:br>
+              <a:rPr lang="en-US" altLang="ko-KR" dirty="0"/>
+            </a:br>
+            <a:r>
+              <a:rPr lang="en-US" altLang="ko-KR" dirty="0"/>
+              <a:t> 4</a:t>
+            </a:r>
+            <a:r>
+              <a:rPr lang="ko-KR" altLang="en-US" dirty="0"/>
+              <a:t> </a:t>
+            </a:r>
+            <a:r>
+              <a:rPr lang="en-US" altLang="ko-KR" dirty="0"/>
+              <a:t>*</a:t>
+            </a:r>
+            <a:r>
+              <a:rPr lang="ko-KR" altLang="en-US" dirty="0"/>
+              <a:t> </a:t>
+            </a:r>
+            <a:r>
+              <a:rPr lang="en-US" altLang="ko-KR" dirty="0"/>
+              <a:t>4</a:t>
+            </a:r>
+            <a:r>
+              <a:rPr lang="ko-KR" altLang="en-US" dirty="0"/>
+              <a:t> </a:t>
+            </a:r>
+            <a:r>
+              <a:rPr lang="en-US" altLang="ko-KR" dirty="0"/>
+              <a:t>(</a:t>
+            </a:r>
+            <a:r>
+              <a:rPr lang="ko-KR" altLang="en-US" dirty="0"/>
+              <a:t>가로 </a:t>
+            </a:r>
+            <a:r>
+              <a:rPr lang="en-US" altLang="ko-KR" dirty="0"/>
+              <a:t>* </a:t>
+            </a:r>
+            <a:r>
+              <a:rPr lang="ko-KR" altLang="en-US" dirty="0"/>
+              <a:t>세로</a:t>
+            </a:r>
+            <a:r>
+              <a:rPr lang="en-US" altLang="ko-KR" dirty="0"/>
+              <a:t>) </a:t>
+            </a:r>
+          </a:p>
+          <a:p>
+            <a:r>
+              <a:rPr lang="ko-KR" altLang="en-US" dirty="0"/>
+              <a:t>각 이미지를 박스의 내용을 클릭하면</a:t>
+            </a:r>
+            <a:br>
+              <a:rPr lang="en-US" altLang="ko-KR" dirty="0"/>
+            </a:br>
+            <a:r>
+              <a:rPr lang="ko-KR" altLang="en-US" dirty="0"/>
+              <a:t>상세 페이지로 이동</a:t>
+            </a:r>
+            <a:endParaRPr lang="en-US" altLang="ko-KR" dirty="0"/>
+          </a:p>
+          <a:p>
+            <a:pPr marL="0" indent="0">
+              <a:buNone/>
+            </a:pPr>
+            <a:r>
+              <a:rPr lang="en-US" altLang="ko-KR" dirty="0"/>
+              <a:t> </a:t>
+            </a:r>
+          </a:p>
+          <a:p>
+            <a:endParaRPr lang="ko-KR" altLang="en-US" dirty="0"/>
+          </a:p>
+        </p:txBody>
+      </p:sp>
+      <p:sp>
+        <p:nvSpPr>
+          <p:cNvPr id="3" name="제목 2">
+            <a:extLst>
+              <a:ext uri="{FF2B5EF4-FFF2-40B4-BE49-F238E27FC236}">
+                <a16:creationId xmlns:a16="http://schemas.microsoft.com/office/drawing/2014/main" id="{941CFB71-A9C3-86E4-6143-3C84675403A1}"/>
+              </a:ext>
+            </a:extLst>
+          </p:cNvPr>
+          <p:cNvSpPr>
+            <a:spLocks noGrp="1"/>
+          </p:cNvSpPr>
+          <p:nvPr>
+            <p:ph type="title"/>
+          </p:nvPr>
+        </p:nvSpPr>
+        <p:spPr/>
+        <p:txBody>
+          <a:bodyPr/>
+          <a:lstStyle/>
+          <a:p>
+            <a:r>
+              <a:rPr lang="ko-KR" altLang="en-US" dirty="0"/>
+              <a:t>입양페이지의 리스트</a:t>
+            </a:r>
+          </a:p>
+        </p:txBody>
+      </p:sp>
+      <p:sp>
+        <p:nvSpPr>
+          <p:cNvPr id="4" name="텍스트 개체 틀 3">
+            <a:extLst>
+              <a:ext uri="{FF2B5EF4-FFF2-40B4-BE49-F238E27FC236}">
+                <a16:creationId xmlns:a16="http://schemas.microsoft.com/office/drawing/2014/main" id="{84D847BA-16F5-C33C-7CA5-C4AEB0C5AC82}"/>
+              </a:ext>
+            </a:extLst>
+          </p:cNvPr>
+          <p:cNvSpPr>
+            <a:spLocks noGrp="1"/>
+          </p:cNvSpPr>
+          <p:nvPr>
+            <p:ph type="body" sz="quarter" idx="11"/>
+          </p:nvPr>
+        </p:nvSpPr>
+        <p:spPr/>
+        <p:txBody>
+          <a:bodyPr/>
+          <a:lstStyle/>
+          <a:p>
+            <a:r>
+              <a:rPr lang="ko-KR" altLang="en-US" dirty="0"/>
+              <a:t>참고내용</a:t>
+            </a:r>
+          </a:p>
+        </p:txBody>
+      </p:sp>
+      <p:sp>
+        <p:nvSpPr>
+          <p:cNvPr id="16" name="부제목 2">
+            <a:extLst>
+              <a:ext uri="{FF2B5EF4-FFF2-40B4-BE49-F238E27FC236}">
+                <a16:creationId xmlns:a16="http://schemas.microsoft.com/office/drawing/2014/main" id="{A71469BF-64D0-B2BF-7490-35A6F0093AB1}"/>
+              </a:ext>
+            </a:extLst>
+          </p:cNvPr>
+          <p:cNvSpPr txBox="1">
+            <a:spLocks/>
+          </p:cNvSpPr>
+          <p:nvPr/>
+        </p:nvSpPr>
+        <p:spPr>
+          <a:xfrm>
+            <a:off x="251520" y="405877"/>
+            <a:ext cx="5220951" cy="231191"/>
+          </a:xfrm>
+          <a:prstGeom prst="rect">
+            <a:avLst/>
+          </a:prstGeom>
+        </p:spPr>
+        <p:txBody>
+          <a:bodyPr vert="horz" lIns="91440" tIns="45720" rIns="91440" bIns="45720" rtlCol="0">
+            <a:normAutofit fontScale="92500" lnSpcReduction="10000"/>
+          </a:bodyPr>
+          <a:lstStyle>
+            <a:lvl1pPr marL="0" indent="0" algn="ctr" defTabSz="914400" rtl="0" eaLnBrk="1" latinLnBrk="1" hangingPunct="1">
+              <a:lnSpc>
+                <a:spcPct val="90000"/>
+              </a:lnSpc>
+              <a:spcBef>
+                <a:spcPts val="1000"/>
+              </a:spcBef>
+              <a:buFont typeface="Arial" panose="020B0604020202020204" pitchFamily="34" charset="0"/>
+              <a:buNone/>
+              <a:defRPr sz="2400" kern="1200">
+                <a:solidFill>
+                  <a:schemeClr val="tx1"/>
+                </a:solidFill>
+                <a:latin typeface="+mn-lt"/>
+                <a:ea typeface="+mn-ea"/>
+                <a:cs typeface="+mn-cs"/>
+              </a:defRPr>
+            </a:lvl1pPr>
+            <a:lvl2pPr marL="457200" indent="0" algn="ctr" defTabSz="914400" rtl="0" eaLnBrk="1" latinLnBrk="1" hangingPunct="1">
+              <a:lnSpc>
+                <a:spcPct val="90000"/>
+              </a:lnSpc>
+              <a:spcBef>
+                <a:spcPts val="500"/>
+              </a:spcBef>
+              <a:buFont typeface="Arial" panose="020B0604020202020204" pitchFamily="34" charset="0"/>
+              <a:buNone/>
+              <a:defRPr sz="2000" kern="1200">
+                <a:solidFill>
+                  <a:schemeClr val="tx1"/>
+                </a:solidFill>
+                <a:latin typeface="+mn-lt"/>
+                <a:ea typeface="+mn-ea"/>
+                <a:cs typeface="+mn-cs"/>
+              </a:defRPr>
+            </a:lvl2pPr>
+            <a:lvl3pPr marL="914400" indent="0" algn="ctr" defTabSz="914400" rtl="0" eaLnBrk="1" latinLnBrk="1" hangingPunct="1">
+              <a:lnSpc>
+                <a:spcPct val="90000"/>
+              </a:lnSpc>
+              <a:spcBef>
+                <a:spcPts val="500"/>
+              </a:spcBef>
+              <a:buFont typeface="Arial" panose="020B0604020202020204" pitchFamily="34" charset="0"/>
+              <a:buNone/>
+              <a:defRPr sz="1800" kern="1200">
+                <a:solidFill>
+                  <a:schemeClr val="tx1"/>
+                </a:solidFill>
+                <a:latin typeface="+mn-lt"/>
+                <a:ea typeface="+mn-ea"/>
+                <a:cs typeface="+mn-cs"/>
+              </a:defRPr>
+            </a:lvl3pPr>
+            <a:lvl4pPr marL="1371600" indent="0" algn="ctr" defTabSz="914400" rtl="0" eaLnBrk="1" latinLnBrk="1" hangingPunct="1">
+              <a:lnSpc>
+                <a:spcPct val="90000"/>
+              </a:lnSpc>
+              <a:spcBef>
+                <a:spcPts val="500"/>
+              </a:spcBef>
+              <a:buFont typeface="Arial" panose="020B0604020202020204" pitchFamily="34" charset="0"/>
+              <a:buNone/>
+              <a:defRPr sz="1600" kern="1200">
+                <a:solidFill>
+                  <a:schemeClr val="tx1"/>
+                </a:solidFill>
+                <a:latin typeface="+mn-lt"/>
+                <a:ea typeface="+mn-ea"/>
+                <a:cs typeface="+mn-cs"/>
+              </a:defRPr>
+            </a:lvl4pPr>
+            <a:lvl5pPr marL="1828800" indent="0" algn="ctr" defTabSz="914400" rtl="0" eaLnBrk="1" latinLnBrk="1" hangingPunct="1">
+              <a:lnSpc>
+                <a:spcPct val="90000"/>
+              </a:lnSpc>
+              <a:spcBef>
+                <a:spcPts val="500"/>
+              </a:spcBef>
+              <a:buFont typeface="Arial" panose="020B0604020202020204" pitchFamily="34" charset="0"/>
+              <a:buNone/>
+              <a:defRPr sz="1600" kern="1200">
+                <a:solidFill>
+                  <a:schemeClr val="tx1"/>
+                </a:solidFill>
+                <a:latin typeface="+mn-lt"/>
+                <a:ea typeface="+mn-ea"/>
+                <a:cs typeface="+mn-cs"/>
+              </a:defRPr>
+            </a:lvl5pPr>
+            <a:lvl6pPr marL="2286000" indent="0" algn="ctr" defTabSz="914400" rtl="0" eaLnBrk="1" latinLnBrk="1" hangingPunct="1">
+              <a:lnSpc>
+                <a:spcPct val="90000"/>
+              </a:lnSpc>
+              <a:spcBef>
+                <a:spcPts val="500"/>
+              </a:spcBef>
+              <a:buFont typeface="Arial" panose="020B0604020202020204" pitchFamily="34" charset="0"/>
+              <a:buNone/>
+              <a:defRPr sz="1600" kern="1200">
+                <a:solidFill>
+                  <a:schemeClr val="tx1"/>
+                </a:solidFill>
+                <a:latin typeface="+mn-lt"/>
+                <a:ea typeface="+mn-ea"/>
+                <a:cs typeface="+mn-cs"/>
+              </a:defRPr>
+            </a:lvl6pPr>
+            <a:lvl7pPr marL="2743200" indent="0" algn="ctr" defTabSz="914400" rtl="0" eaLnBrk="1" latinLnBrk="1" hangingPunct="1">
+              <a:lnSpc>
+                <a:spcPct val="90000"/>
+              </a:lnSpc>
+              <a:spcBef>
+                <a:spcPts val="500"/>
+              </a:spcBef>
+              <a:buFont typeface="Arial" panose="020B0604020202020204" pitchFamily="34" charset="0"/>
+              <a:buNone/>
+              <a:defRPr sz="1600" kern="1200">
+                <a:solidFill>
+                  <a:schemeClr val="tx1"/>
+                </a:solidFill>
+                <a:latin typeface="+mn-lt"/>
+                <a:ea typeface="+mn-ea"/>
+                <a:cs typeface="+mn-cs"/>
+              </a:defRPr>
+            </a:lvl7pPr>
+            <a:lvl8pPr marL="3200400" indent="0" algn="ctr" defTabSz="914400" rtl="0" eaLnBrk="1" latinLnBrk="1" hangingPunct="1">
+              <a:lnSpc>
+                <a:spcPct val="90000"/>
+              </a:lnSpc>
+              <a:spcBef>
+                <a:spcPts val="500"/>
+              </a:spcBef>
+              <a:buFont typeface="Arial" panose="020B0604020202020204" pitchFamily="34" charset="0"/>
+              <a:buNone/>
+              <a:defRPr sz="1600" kern="1200">
+                <a:solidFill>
+                  <a:schemeClr val="tx1"/>
+                </a:solidFill>
+                <a:latin typeface="+mn-lt"/>
+                <a:ea typeface="+mn-ea"/>
+                <a:cs typeface="+mn-cs"/>
+              </a:defRPr>
+            </a:lvl8pPr>
+            <a:lvl9pPr marL="3657600" indent="0" algn="ctr" defTabSz="914400" rtl="0" eaLnBrk="1" latinLnBrk="1" hangingPunct="1">
+              <a:lnSpc>
+                <a:spcPct val="90000"/>
+              </a:lnSpc>
+              <a:spcBef>
+                <a:spcPts val="500"/>
+              </a:spcBef>
+              <a:buFont typeface="Arial" panose="020B0604020202020204" pitchFamily="34" charset="0"/>
+              <a:buNone/>
+              <a:defRPr sz="1600" kern="1200">
+                <a:solidFill>
+                  <a:schemeClr val="tx1"/>
+                </a:solidFill>
+                <a:latin typeface="+mn-lt"/>
+                <a:ea typeface="+mn-ea"/>
+                <a:cs typeface="+mn-cs"/>
+              </a:defRPr>
+            </a:lvl9pPr>
+          </a:lstStyle>
+          <a:p>
+            <a:pPr algn="l"/>
+            <a:r>
+              <a:rPr lang="ko-KR" altLang="en-US" sz="1200" b="1" dirty="0"/>
+              <a:t> 종류                </a:t>
+            </a:r>
+            <a:r>
+              <a:rPr lang="en-US" altLang="ko-KR" sz="1200" b="1" dirty="0"/>
+              <a:t>  </a:t>
+            </a:r>
+            <a:r>
+              <a:rPr lang="ko-KR" altLang="en-US" sz="1200" b="1" dirty="0"/>
+              <a:t>성별                 </a:t>
+            </a:r>
+            <a:r>
+              <a:rPr lang="en-US" altLang="ko-KR" sz="1200" b="1" dirty="0"/>
+              <a:t> </a:t>
+            </a:r>
+            <a:r>
+              <a:rPr lang="ko-KR" altLang="en-US" sz="1200" b="1" dirty="0"/>
+              <a:t>보호소 이름</a:t>
+            </a:r>
+            <a:endParaRPr lang="en-US" altLang="ko-KR" sz="1200" b="1" dirty="0"/>
+          </a:p>
+        </p:txBody>
+      </p:sp>
+      <p:grpSp>
+        <p:nvGrpSpPr>
+          <p:cNvPr id="22" name="그룹 21">
+            <a:extLst>
+              <a:ext uri="{FF2B5EF4-FFF2-40B4-BE49-F238E27FC236}">
+                <a16:creationId xmlns:a16="http://schemas.microsoft.com/office/drawing/2014/main" id="{68A7BB29-5E89-834B-9CBC-08D3F0A0ECEA}"/>
+              </a:ext>
+            </a:extLst>
+          </p:cNvPr>
+          <p:cNvGrpSpPr/>
+          <p:nvPr/>
+        </p:nvGrpSpPr>
+        <p:grpSpPr>
+          <a:xfrm>
+            <a:off x="376307" y="628964"/>
+            <a:ext cx="1081062" cy="188789"/>
+            <a:chOff x="539552" y="720166"/>
+            <a:chExt cx="864096" cy="188789"/>
+          </a:xfrm>
+        </p:grpSpPr>
+        <p:sp>
+          <p:nvSpPr>
+            <p:cNvPr id="17" name="직사각형 16">
+              <a:extLst>
+                <a:ext uri="{FF2B5EF4-FFF2-40B4-BE49-F238E27FC236}">
+                  <a16:creationId xmlns:a16="http://schemas.microsoft.com/office/drawing/2014/main" id="{3613F0BA-4CDF-640D-1AED-EF0A81A246AE}"/>
+                </a:ext>
+              </a:extLst>
+            </p:cNvPr>
+            <p:cNvSpPr/>
+            <p:nvPr/>
+          </p:nvSpPr>
+          <p:spPr>
+            <a:xfrm>
+              <a:off x="539552" y="720166"/>
+              <a:ext cx="864096" cy="188789"/>
+            </a:xfrm>
+            <a:prstGeom prst="rect">
+              <a:avLst/>
+            </a:prstGeom>
+            <a:solidFill>
+              <a:schemeClr val="bg1"/>
+            </a:solidFill>
+            <a:ln w="6350">
+              <a:solidFill>
+                <a:schemeClr val="bg1">
+                  <a:lumMod val="75000"/>
+                </a:schemeClr>
+              </a:solidFill>
+            </a:ln>
+          </p:spPr>
+          <p:style>
+            <a:lnRef idx="2">
+              <a:schemeClr val="accent1">
+                <a:shade val="15000"/>
+              </a:schemeClr>
+            </a:lnRef>
+            <a:fillRef idx="1">
+              <a:schemeClr val="accent1"/>
+            </a:fillRef>
+            <a:effectRef idx="0">
+              <a:schemeClr val="accent1"/>
+            </a:effectRef>
+            <a:fontRef idx="minor">
+              <a:schemeClr val="lt1"/>
+            </a:fontRef>
+          </p:style>
+          <p:txBody>
+            <a:bodyPr rtlCol="0" anchor="ctr"/>
+            <a:lstStyle/>
+            <a:p>
+              <a:pPr algn="ctr"/>
+              <a:endParaRPr lang="ko-KR" altLang="en-US" dirty="0"/>
+            </a:p>
+          </p:txBody>
+        </p:sp>
+        <p:pic>
+          <p:nvPicPr>
+            <p:cNvPr id="21" name="그림 20">
+              <a:extLst>
+                <a:ext uri="{FF2B5EF4-FFF2-40B4-BE49-F238E27FC236}">
+                  <a16:creationId xmlns:a16="http://schemas.microsoft.com/office/drawing/2014/main" id="{49B3D215-8A75-8347-C754-F5C49D76C49F}"/>
+                </a:ext>
+              </a:extLst>
+            </p:cNvPr>
+            <p:cNvPicPr>
+              <a:picLocks noChangeAspect="1"/>
+            </p:cNvPicPr>
+            <p:nvPr/>
+          </p:nvPicPr>
+          <p:blipFill>
+            <a:blip r:embed="rId2"/>
+            <a:stretch>
+              <a:fillRect/>
+            </a:stretch>
+          </p:blipFill>
+          <p:spPr>
+            <a:xfrm>
+              <a:off x="1259632" y="758122"/>
+              <a:ext cx="59408" cy="112875"/>
+            </a:xfrm>
+            <a:prstGeom prst="rect">
+              <a:avLst/>
+            </a:prstGeom>
+          </p:spPr>
+        </p:pic>
+      </p:grpSp>
+      <p:sp>
+        <p:nvSpPr>
+          <p:cNvPr id="27" name="직사각형 26">
+            <a:extLst>
+              <a:ext uri="{FF2B5EF4-FFF2-40B4-BE49-F238E27FC236}">
+                <a16:creationId xmlns:a16="http://schemas.microsoft.com/office/drawing/2014/main" id="{FB01B69B-108F-0416-B3AF-BB1C981A2A6F}"/>
+              </a:ext>
+            </a:extLst>
+          </p:cNvPr>
+          <p:cNvSpPr/>
+          <p:nvPr/>
+        </p:nvSpPr>
+        <p:spPr>
+          <a:xfrm>
+            <a:off x="2699792" y="628964"/>
+            <a:ext cx="2940670" cy="188789"/>
+          </a:xfrm>
+          <a:prstGeom prst="rect">
+            <a:avLst/>
+          </a:prstGeom>
+          <a:solidFill>
+            <a:schemeClr val="bg1"/>
+          </a:solidFill>
+          <a:ln w="6350">
+            <a:solidFill>
+              <a:schemeClr val="bg1">
+                <a:lumMod val="75000"/>
+              </a:schemeClr>
+            </a:solidFill>
+          </a:ln>
+        </p:spPr>
+        <p:style>
+          <a:lnRef idx="2">
+            <a:schemeClr val="accent1">
+              <a:shade val="15000"/>
+            </a:schemeClr>
+          </a:lnRef>
+          <a:fillRef idx="1">
+            <a:schemeClr val="accent1"/>
+          </a:fillRef>
+          <a:effectRef idx="0">
+            <a:schemeClr val="accent1"/>
+          </a:effectRef>
+          <a:fontRef idx="minor">
+            <a:schemeClr val="lt1"/>
+          </a:fontRef>
+        </p:style>
+        <p:txBody>
+          <a:bodyPr rtlCol="0" anchor="ctr"/>
+          <a:lstStyle/>
+          <a:p>
+            <a:pPr algn="ctr"/>
+            <a:endParaRPr lang="ko-KR" altLang="en-US" dirty="0"/>
+          </a:p>
+        </p:txBody>
+      </p:sp>
+      <p:sp>
+        <p:nvSpPr>
+          <p:cNvPr id="29" name="직사각형 28">
+            <a:extLst>
+              <a:ext uri="{FF2B5EF4-FFF2-40B4-BE49-F238E27FC236}">
+                <a16:creationId xmlns:a16="http://schemas.microsoft.com/office/drawing/2014/main" id="{84019EEA-64EB-E1A0-63F8-F535D9EC8A40}"/>
+              </a:ext>
+            </a:extLst>
+          </p:cNvPr>
+          <p:cNvSpPr/>
+          <p:nvPr/>
+        </p:nvSpPr>
+        <p:spPr>
+          <a:xfrm>
+            <a:off x="5689624" y="628964"/>
+            <a:ext cx="610568" cy="188789"/>
+          </a:xfrm>
+          <a:prstGeom prst="rect">
+            <a:avLst/>
+          </a:prstGeom>
+          <a:solidFill>
+            <a:schemeClr val="bg1">
+              <a:lumMod val="65000"/>
+            </a:schemeClr>
+          </a:solidFill>
+          <a:ln w="6350">
+            <a:solidFill>
+              <a:schemeClr val="bg1">
+                <a:lumMod val="75000"/>
+              </a:schemeClr>
+            </a:solidFill>
+          </a:ln>
+        </p:spPr>
+        <p:style>
+          <a:lnRef idx="2">
+            <a:schemeClr val="accent1">
+              <a:shade val="15000"/>
+            </a:schemeClr>
+          </a:lnRef>
+          <a:fillRef idx="1">
+            <a:schemeClr val="accent1"/>
+          </a:fillRef>
+          <a:effectRef idx="0">
+            <a:schemeClr val="accent1"/>
+          </a:effectRef>
+          <a:fontRef idx="minor">
+            <a:schemeClr val="lt1"/>
+          </a:fontRef>
+        </p:style>
+        <p:txBody>
+          <a:bodyPr rtlCol="0" anchor="ctr"/>
+          <a:lstStyle/>
+          <a:p>
+            <a:pPr algn="ctr"/>
+            <a:r>
+              <a:rPr lang="ko-KR" altLang="en-US" sz="800" dirty="0"/>
+              <a:t>검색</a:t>
+            </a:r>
+          </a:p>
+        </p:txBody>
+      </p:sp>
+      <p:grpSp>
+        <p:nvGrpSpPr>
+          <p:cNvPr id="30" name="그룹 29">
+            <a:extLst>
+              <a:ext uri="{FF2B5EF4-FFF2-40B4-BE49-F238E27FC236}">
+                <a16:creationId xmlns:a16="http://schemas.microsoft.com/office/drawing/2014/main" id="{A7E8D973-DA16-BF20-9811-1EB92538C633}"/>
+              </a:ext>
+            </a:extLst>
+          </p:cNvPr>
+          <p:cNvGrpSpPr/>
+          <p:nvPr/>
+        </p:nvGrpSpPr>
+        <p:grpSpPr>
+          <a:xfrm>
+            <a:off x="1538049" y="637068"/>
+            <a:ext cx="1081062" cy="188789"/>
+            <a:chOff x="539552" y="720166"/>
+            <a:chExt cx="864096" cy="188789"/>
+          </a:xfrm>
+        </p:grpSpPr>
+        <p:sp>
+          <p:nvSpPr>
+            <p:cNvPr id="31" name="직사각형 30">
+              <a:extLst>
+                <a:ext uri="{FF2B5EF4-FFF2-40B4-BE49-F238E27FC236}">
+                  <a16:creationId xmlns:a16="http://schemas.microsoft.com/office/drawing/2014/main" id="{ED9717A7-E39E-A49F-B01B-73DEDB3CB772}"/>
+                </a:ext>
+              </a:extLst>
+            </p:cNvPr>
+            <p:cNvSpPr/>
+            <p:nvPr/>
+          </p:nvSpPr>
+          <p:spPr>
+            <a:xfrm>
+              <a:off x="539552" y="720166"/>
+              <a:ext cx="864096" cy="188789"/>
+            </a:xfrm>
+            <a:prstGeom prst="rect">
+              <a:avLst/>
+            </a:prstGeom>
+            <a:solidFill>
+              <a:schemeClr val="bg1"/>
+            </a:solidFill>
+            <a:ln w="6350">
+              <a:solidFill>
+                <a:schemeClr val="bg1">
+                  <a:lumMod val="75000"/>
+                </a:schemeClr>
+              </a:solidFill>
+            </a:ln>
+          </p:spPr>
+          <p:style>
+            <a:lnRef idx="2">
+              <a:schemeClr val="accent1">
+                <a:shade val="15000"/>
+              </a:schemeClr>
+            </a:lnRef>
+            <a:fillRef idx="1">
+              <a:schemeClr val="accent1"/>
+            </a:fillRef>
+            <a:effectRef idx="0">
+              <a:schemeClr val="accent1"/>
+            </a:effectRef>
+            <a:fontRef idx="minor">
+              <a:schemeClr val="lt1"/>
+            </a:fontRef>
+          </p:style>
+          <p:txBody>
+            <a:bodyPr rtlCol="0" anchor="ctr"/>
+            <a:lstStyle/>
+            <a:p>
+              <a:pPr algn="ctr"/>
+              <a:endParaRPr lang="ko-KR" altLang="en-US" dirty="0"/>
+            </a:p>
+          </p:txBody>
+        </p:sp>
+        <p:pic>
+          <p:nvPicPr>
+            <p:cNvPr id="32" name="그림 31">
+              <a:extLst>
+                <a:ext uri="{FF2B5EF4-FFF2-40B4-BE49-F238E27FC236}">
+                  <a16:creationId xmlns:a16="http://schemas.microsoft.com/office/drawing/2014/main" id="{A8C3754F-D338-C8AC-10EA-5BA168E7005C}"/>
+                </a:ext>
+              </a:extLst>
+            </p:cNvPr>
+            <p:cNvPicPr>
+              <a:picLocks noChangeAspect="1"/>
+            </p:cNvPicPr>
+            <p:nvPr/>
+          </p:nvPicPr>
+          <p:blipFill>
+            <a:blip r:embed="rId2"/>
+            <a:stretch>
+              <a:fillRect/>
+            </a:stretch>
+          </p:blipFill>
+          <p:spPr>
+            <a:xfrm>
+              <a:off x="1259632" y="758122"/>
+              <a:ext cx="59408" cy="112875"/>
+            </a:xfrm>
+            <a:prstGeom prst="rect">
+              <a:avLst/>
+            </a:prstGeom>
+          </p:spPr>
+        </p:pic>
+      </p:grpSp>
+      <p:grpSp>
+        <p:nvGrpSpPr>
+          <p:cNvPr id="44" name="그룹 43">
+            <a:extLst>
+              <a:ext uri="{FF2B5EF4-FFF2-40B4-BE49-F238E27FC236}">
+                <a16:creationId xmlns:a16="http://schemas.microsoft.com/office/drawing/2014/main" id="{4B591DC7-5CD7-A011-BA0D-C031178FFCD5}"/>
+              </a:ext>
+            </a:extLst>
+          </p:cNvPr>
+          <p:cNvGrpSpPr/>
+          <p:nvPr/>
+        </p:nvGrpSpPr>
+        <p:grpSpPr>
+          <a:xfrm>
+            <a:off x="366310" y="983001"/>
+            <a:ext cx="1432349" cy="1588749"/>
+            <a:chOff x="366310" y="1260000"/>
+            <a:chExt cx="1432349" cy="1588749"/>
+          </a:xfrm>
+        </p:grpSpPr>
+        <p:sp>
+          <p:nvSpPr>
+            <p:cNvPr id="40" name="모서리가 둥근 직사각형 13">
+              <a:extLst>
+                <a:ext uri="{FF2B5EF4-FFF2-40B4-BE49-F238E27FC236}">
+                  <a16:creationId xmlns:a16="http://schemas.microsoft.com/office/drawing/2014/main" id="{680D25C8-A8E7-7293-02E7-CF4A4F460A34}"/>
+                </a:ext>
+              </a:extLst>
+            </p:cNvPr>
+            <p:cNvSpPr/>
+            <p:nvPr/>
+          </p:nvSpPr>
+          <p:spPr>
+            <a:xfrm>
+              <a:off x="366310" y="1260000"/>
+              <a:ext cx="1397377" cy="1458820"/>
+            </a:xfrm>
+            <a:prstGeom prst="roundRect">
+              <a:avLst>
+                <a:gd name="adj" fmla="val 6442"/>
+              </a:avLst>
+            </a:prstGeom>
+            <a:solidFill>
+              <a:schemeClr val="bg1">
+                <a:lumMod val="95000"/>
+              </a:schemeClr>
+            </a:solidFill>
+            <a:ln>
+              <a:noFill/>
+            </a:ln>
+            <a:effectLst>
+              <a:outerShdw blurRad="50800" dist="12700" dir="2700000" algn="tl" rotWithShape="0">
+                <a:prstClr val="black">
+                  <a:alpha val="40000"/>
+                </a:prstClr>
+              </a:outerShdw>
+            </a:effectLst>
+          </p:spPr>
+          <p:style>
+            <a:lnRef idx="2">
+              <a:schemeClr val="accent1">
+                <a:shade val="50000"/>
+              </a:schemeClr>
+            </a:lnRef>
+            <a:fillRef idx="1">
+              <a:schemeClr val="accent1"/>
+            </a:fillRef>
+            <a:effectRef idx="0">
+              <a:schemeClr val="accent1"/>
+            </a:effectRef>
+            <a:fontRef idx="minor">
+              <a:schemeClr val="lt1"/>
+            </a:fontRef>
+          </p:style>
+          <p:txBody>
+            <a:bodyPr rtlCol="0" anchor="ctr"/>
+            <a:lstStyle/>
+            <a:p>
+              <a:pPr algn="ctr"/>
+              <a:endParaRPr lang="ko-KR" altLang="en-US" sz="1400" dirty="0"/>
+            </a:p>
+          </p:txBody>
+        </p:sp>
+        <p:sp>
+          <p:nvSpPr>
+            <p:cNvPr id="41" name="모서리가 둥근 직사각형 12">
+              <a:extLst>
+                <a:ext uri="{FF2B5EF4-FFF2-40B4-BE49-F238E27FC236}">
+                  <a16:creationId xmlns:a16="http://schemas.microsoft.com/office/drawing/2014/main" id="{1416C6DE-AC50-FDFF-F7E2-80BD687C1F15}"/>
+                </a:ext>
+              </a:extLst>
+            </p:cNvPr>
+            <p:cNvSpPr/>
+            <p:nvPr/>
+          </p:nvSpPr>
+          <p:spPr>
+            <a:xfrm>
+              <a:off x="417087" y="1329364"/>
+              <a:ext cx="1295822" cy="685081"/>
+            </a:xfrm>
+            <a:prstGeom prst="roundRect">
+              <a:avLst>
+                <a:gd name="adj" fmla="val 8325"/>
+              </a:avLst>
+            </a:prstGeom>
+            <a:solidFill>
+              <a:schemeClr val="bg1">
+                <a:lumMod val="75000"/>
+              </a:schemeClr>
+            </a:solidFill>
+            <a:ln>
+              <a:noFill/>
+            </a:ln>
+          </p:spPr>
+          <p:style>
+            <a:lnRef idx="2">
+              <a:schemeClr val="accent1">
+                <a:shade val="50000"/>
+              </a:schemeClr>
+            </a:lnRef>
+            <a:fillRef idx="1">
+              <a:schemeClr val="accent1"/>
+            </a:fillRef>
+            <a:effectRef idx="0">
+              <a:schemeClr val="accent1"/>
+            </a:effectRef>
+            <a:fontRef idx="minor">
+              <a:schemeClr val="lt1"/>
+            </a:fontRef>
+          </p:style>
+          <p:txBody>
+            <a:bodyPr rtlCol="0" anchor="ctr"/>
+            <a:lstStyle/>
+            <a:p>
+              <a:pPr algn="ctr"/>
+              <a:r>
+                <a:rPr lang="ko-KR" altLang="en-US" sz="1400" dirty="0"/>
+                <a:t>동물 사진</a:t>
+              </a:r>
+            </a:p>
+          </p:txBody>
+        </p:sp>
+        <p:sp>
+          <p:nvSpPr>
+            <p:cNvPr id="42" name="TextBox 41">
+              <a:extLst>
+                <a:ext uri="{FF2B5EF4-FFF2-40B4-BE49-F238E27FC236}">
+                  <a16:creationId xmlns:a16="http://schemas.microsoft.com/office/drawing/2014/main" id="{0CC3EAA6-9FE4-7509-35CA-A48D6EC082E8}"/>
+                </a:ext>
+              </a:extLst>
+            </p:cNvPr>
+            <p:cNvSpPr txBox="1"/>
+            <p:nvPr/>
+          </p:nvSpPr>
+          <p:spPr>
+            <a:xfrm>
+              <a:off x="401282" y="2077294"/>
+              <a:ext cx="1311627" cy="276999"/>
+            </a:xfrm>
+            <a:prstGeom prst="rect">
+              <a:avLst/>
+            </a:prstGeom>
+            <a:noFill/>
+          </p:spPr>
+          <p:txBody>
+            <a:bodyPr wrap="square" rtlCol="0">
+              <a:spAutoFit/>
+            </a:bodyPr>
+            <a:lstStyle/>
+            <a:p>
+              <a:pPr algn="ctr"/>
+              <a:r>
+                <a:rPr lang="ko-KR" altLang="en-US" sz="1200" b="1" dirty="0"/>
+                <a:t>이름</a:t>
+              </a:r>
+            </a:p>
+          </p:txBody>
+        </p:sp>
+        <p:sp>
+          <p:nvSpPr>
+            <p:cNvPr id="43" name="TextBox 42">
+              <a:extLst>
+                <a:ext uri="{FF2B5EF4-FFF2-40B4-BE49-F238E27FC236}">
+                  <a16:creationId xmlns:a16="http://schemas.microsoft.com/office/drawing/2014/main" id="{22E430F6-7A74-1F06-85CC-C8DD983B3411}"/>
+                </a:ext>
+              </a:extLst>
+            </p:cNvPr>
+            <p:cNvSpPr txBox="1"/>
+            <p:nvPr/>
+          </p:nvSpPr>
+          <p:spPr>
+            <a:xfrm>
+              <a:off x="401282" y="2294751"/>
+              <a:ext cx="1397377" cy="553998"/>
+            </a:xfrm>
+            <a:prstGeom prst="rect">
+              <a:avLst/>
+            </a:prstGeom>
+            <a:noFill/>
+          </p:spPr>
+          <p:txBody>
+            <a:bodyPr wrap="square" rtlCol="0">
+              <a:spAutoFit/>
+            </a:bodyPr>
+            <a:lstStyle/>
+            <a:p>
+              <a:r>
+                <a:rPr lang="ko-KR" altLang="en-US" sz="1000" dirty="0"/>
+                <a:t>품종</a:t>
+              </a:r>
+              <a:endParaRPr lang="en-US" altLang="ko-KR" sz="1000" dirty="0"/>
+            </a:p>
+            <a:p>
+              <a:r>
+                <a:rPr lang="ko-KR" altLang="en-US" sz="1000" dirty="0"/>
+                <a:t>나이 </a:t>
+              </a:r>
+              <a:r>
+                <a:rPr lang="en-US" altLang="ko-KR" sz="1000" dirty="0"/>
+                <a:t>/ </a:t>
+              </a:r>
+              <a:r>
+                <a:rPr lang="ko-KR" altLang="en-US" sz="1000" dirty="0"/>
+                <a:t>성별 </a:t>
+              </a:r>
+              <a:r>
+                <a:rPr lang="en-US" altLang="ko-KR" sz="1000" dirty="0"/>
+                <a:t>/ </a:t>
+              </a:r>
+              <a:r>
+                <a:rPr lang="ko-KR" altLang="en-US" sz="1000" dirty="0"/>
+                <a:t>몸무게 </a:t>
+              </a:r>
+              <a:endParaRPr lang="en-US" altLang="ko-KR" sz="1000" dirty="0"/>
+            </a:p>
+            <a:p>
+              <a:pPr marL="171450" indent="-171450">
+                <a:buFont typeface="Arial" panose="020B0604020202020204" pitchFamily="34" charset="0"/>
+                <a:buChar char="•"/>
+              </a:pPr>
+              <a:endParaRPr lang="ko-KR" altLang="en-US" sz="1000" dirty="0"/>
+            </a:p>
+          </p:txBody>
+        </p:sp>
+      </p:grpSp>
+      <p:grpSp>
+        <p:nvGrpSpPr>
+          <p:cNvPr id="50" name="그룹 49">
+            <a:extLst>
+              <a:ext uri="{FF2B5EF4-FFF2-40B4-BE49-F238E27FC236}">
+                <a16:creationId xmlns:a16="http://schemas.microsoft.com/office/drawing/2014/main" id="{B9DBA6AC-8D5A-E612-4AC8-83629AFA3478}"/>
+              </a:ext>
+            </a:extLst>
+          </p:cNvPr>
+          <p:cNvGrpSpPr/>
+          <p:nvPr/>
+        </p:nvGrpSpPr>
+        <p:grpSpPr>
+          <a:xfrm>
+            <a:off x="1875811" y="976484"/>
+            <a:ext cx="1432349" cy="1588749"/>
+            <a:chOff x="366310" y="1260000"/>
+            <a:chExt cx="1432349" cy="1588749"/>
+          </a:xfrm>
+        </p:grpSpPr>
+        <p:sp>
+          <p:nvSpPr>
+            <p:cNvPr id="51" name="모서리가 둥근 직사각형 13">
+              <a:extLst>
+                <a:ext uri="{FF2B5EF4-FFF2-40B4-BE49-F238E27FC236}">
+                  <a16:creationId xmlns:a16="http://schemas.microsoft.com/office/drawing/2014/main" id="{E56DD248-6DE9-742B-BAA3-BEB5F6C0E28C}"/>
+                </a:ext>
+              </a:extLst>
+            </p:cNvPr>
+            <p:cNvSpPr/>
+            <p:nvPr/>
+          </p:nvSpPr>
+          <p:spPr>
+            <a:xfrm>
+              <a:off x="366310" y="1260000"/>
+              <a:ext cx="1397377" cy="1458820"/>
+            </a:xfrm>
+            <a:prstGeom prst="roundRect">
+              <a:avLst>
+                <a:gd name="adj" fmla="val 6442"/>
+              </a:avLst>
+            </a:prstGeom>
+            <a:solidFill>
+              <a:schemeClr val="bg1">
+                <a:lumMod val="95000"/>
+              </a:schemeClr>
+            </a:solidFill>
+            <a:ln>
+              <a:noFill/>
+            </a:ln>
+            <a:effectLst>
+              <a:outerShdw blurRad="50800" dist="12700" dir="2700000" algn="tl" rotWithShape="0">
+                <a:prstClr val="black">
+                  <a:alpha val="40000"/>
+                </a:prstClr>
+              </a:outerShdw>
+            </a:effectLst>
+          </p:spPr>
+          <p:style>
+            <a:lnRef idx="2">
+              <a:schemeClr val="accent1">
+                <a:shade val="50000"/>
+              </a:schemeClr>
+            </a:lnRef>
+            <a:fillRef idx="1">
+              <a:schemeClr val="accent1"/>
+            </a:fillRef>
+            <a:effectRef idx="0">
+              <a:schemeClr val="accent1"/>
+            </a:effectRef>
+            <a:fontRef idx="minor">
+              <a:schemeClr val="lt1"/>
+            </a:fontRef>
+          </p:style>
+          <p:txBody>
+            <a:bodyPr rtlCol="0" anchor="ctr"/>
+            <a:lstStyle/>
+            <a:p>
+              <a:pPr algn="ctr"/>
+              <a:endParaRPr lang="ko-KR" altLang="en-US" sz="1400" dirty="0"/>
+            </a:p>
+          </p:txBody>
+        </p:sp>
+        <p:sp>
+          <p:nvSpPr>
+            <p:cNvPr id="52" name="모서리가 둥근 직사각형 12">
+              <a:extLst>
+                <a:ext uri="{FF2B5EF4-FFF2-40B4-BE49-F238E27FC236}">
+                  <a16:creationId xmlns:a16="http://schemas.microsoft.com/office/drawing/2014/main" id="{AF070FA4-9977-C49B-6AC3-3E76703F9F70}"/>
+                </a:ext>
+              </a:extLst>
+            </p:cNvPr>
+            <p:cNvSpPr/>
+            <p:nvPr/>
+          </p:nvSpPr>
+          <p:spPr>
+            <a:xfrm>
+              <a:off x="417087" y="1329364"/>
+              <a:ext cx="1295822" cy="685081"/>
+            </a:xfrm>
+            <a:prstGeom prst="roundRect">
+              <a:avLst>
+                <a:gd name="adj" fmla="val 8325"/>
+              </a:avLst>
+            </a:prstGeom>
+            <a:solidFill>
+              <a:schemeClr val="bg1">
+                <a:lumMod val="75000"/>
+              </a:schemeClr>
+            </a:solidFill>
+            <a:ln>
+              <a:noFill/>
+            </a:ln>
+          </p:spPr>
+          <p:style>
+            <a:lnRef idx="2">
+              <a:schemeClr val="accent1">
+                <a:shade val="50000"/>
+              </a:schemeClr>
+            </a:lnRef>
+            <a:fillRef idx="1">
+              <a:schemeClr val="accent1"/>
+            </a:fillRef>
+            <a:effectRef idx="0">
+              <a:schemeClr val="accent1"/>
+            </a:effectRef>
+            <a:fontRef idx="minor">
+              <a:schemeClr val="lt1"/>
+            </a:fontRef>
+          </p:style>
+          <p:txBody>
+            <a:bodyPr rtlCol="0" anchor="ctr"/>
+            <a:lstStyle/>
+            <a:p>
+              <a:pPr algn="ctr"/>
+              <a:r>
+                <a:rPr lang="ko-KR" altLang="en-US" sz="1400" dirty="0"/>
+                <a:t>동물 사진</a:t>
+              </a:r>
+            </a:p>
+          </p:txBody>
+        </p:sp>
+        <p:sp>
+          <p:nvSpPr>
+            <p:cNvPr id="53" name="TextBox 52">
+              <a:extLst>
+                <a:ext uri="{FF2B5EF4-FFF2-40B4-BE49-F238E27FC236}">
+                  <a16:creationId xmlns:a16="http://schemas.microsoft.com/office/drawing/2014/main" id="{FC698634-D393-F282-A82A-D2BB1096233F}"/>
+                </a:ext>
+              </a:extLst>
+            </p:cNvPr>
+            <p:cNvSpPr txBox="1"/>
+            <p:nvPr/>
+          </p:nvSpPr>
+          <p:spPr>
+            <a:xfrm>
+              <a:off x="401282" y="2077294"/>
+              <a:ext cx="1311627" cy="276999"/>
+            </a:xfrm>
+            <a:prstGeom prst="rect">
+              <a:avLst/>
+            </a:prstGeom>
+            <a:noFill/>
+          </p:spPr>
+          <p:txBody>
+            <a:bodyPr wrap="square" rtlCol="0">
+              <a:spAutoFit/>
+            </a:bodyPr>
+            <a:lstStyle/>
+            <a:p>
+              <a:pPr algn="ctr"/>
+              <a:r>
+                <a:rPr lang="ko-KR" altLang="en-US" sz="1200" b="1" dirty="0"/>
+                <a:t>이름</a:t>
+              </a:r>
+            </a:p>
+          </p:txBody>
+        </p:sp>
+        <p:sp>
+          <p:nvSpPr>
+            <p:cNvPr id="54" name="TextBox 53">
+              <a:extLst>
+                <a:ext uri="{FF2B5EF4-FFF2-40B4-BE49-F238E27FC236}">
+                  <a16:creationId xmlns:a16="http://schemas.microsoft.com/office/drawing/2014/main" id="{ABDE49B2-BEFD-CCFA-230A-491880A85D93}"/>
+                </a:ext>
+              </a:extLst>
+            </p:cNvPr>
+            <p:cNvSpPr txBox="1"/>
+            <p:nvPr/>
+          </p:nvSpPr>
+          <p:spPr>
+            <a:xfrm>
+              <a:off x="401282" y="2294751"/>
+              <a:ext cx="1397377" cy="553998"/>
+            </a:xfrm>
+            <a:prstGeom prst="rect">
+              <a:avLst/>
+            </a:prstGeom>
+            <a:noFill/>
+          </p:spPr>
+          <p:txBody>
+            <a:bodyPr wrap="square" rtlCol="0">
+              <a:spAutoFit/>
+            </a:bodyPr>
+            <a:lstStyle/>
+            <a:p>
+              <a:r>
+                <a:rPr lang="ko-KR" altLang="en-US" sz="1000" dirty="0"/>
+                <a:t>품종</a:t>
+              </a:r>
+              <a:endParaRPr lang="en-US" altLang="ko-KR" sz="1000" dirty="0"/>
+            </a:p>
+            <a:p>
+              <a:r>
+                <a:rPr lang="ko-KR" altLang="en-US" sz="1000" dirty="0"/>
+                <a:t>나이 </a:t>
+              </a:r>
+              <a:r>
+                <a:rPr lang="en-US" altLang="ko-KR" sz="1000" dirty="0"/>
+                <a:t>/ </a:t>
+              </a:r>
+              <a:r>
+                <a:rPr lang="ko-KR" altLang="en-US" sz="1000" dirty="0"/>
+                <a:t>성별 </a:t>
+              </a:r>
+              <a:r>
+                <a:rPr lang="en-US" altLang="ko-KR" sz="1000" dirty="0"/>
+                <a:t>/ </a:t>
+              </a:r>
+              <a:r>
+                <a:rPr lang="ko-KR" altLang="en-US" sz="1000" dirty="0"/>
+                <a:t>몸무게 </a:t>
+              </a:r>
+              <a:endParaRPr lang="en-US" altLang="ko-KR" sz="1000" dirty="0"/>
+            </a:p>
+            <a:p>
+              <a:pPr marL="171450" indent="-171450">
+                <a:buFont typeface="Arial" panose="020B0604020202020204" pitchFamily="34" charset="0"/>
+                <a:buChar char="•"/>
+              </a:pPr>
+              <a:endParaRPr lang="ko-KR" altLang="en-US" sz="1000" dirty="0"/>
+            </a:p>
+          </p:txBody>
+        </p:sp>
+      </p:grpSp>
+      <p:grpSp>
+        <p:nvGrpSpPr>
+          <p:cNvPr id="55" name="그룹 54">
+            <a:extLst>
+              <a:ext uri="{FF2B5EF4-FFF2-40B4-BE49-F238E27FC236}">
+                <a16:creationId xmlns:a16="http://schemas.microsoft.com/office/drawing/2014/main" id="{2F5ED86C-FF20-0334-283A-564DBB29808B}"/>
+              </a:ext>
+            </a:extLst>
+          </p:cNvPr>
+          <p:cNvGrpSpPr/>
+          <p:nvPr/>
+        </p:nvGrpSpPr>
+        <p:grpSpPr>
+          <a:xfrm>
+            <a:off x="3395513" y="983001"/>
+            <a:ext cx="1432349" cy="1588749"/>
+            <a:chOff x="366310" y="1260000"/>
+            <a:chExt cx="1432349" cy="1588749"/>
+          </a:xfrm>
+        </p:grpSpPr>
+        <p:sp>
+          <p:nvSpPr>
+            <p:cNvPr id="56" name="모서리가 둥근 직사각형 13">
+              <a:extLst>
+                <a:ext uri="{FF2B5EF4-FFF2-40B4-BE49-F238E27FC236}">
+                  <a16:creationId xmlns:a16="http://schemas.microsoft.com/office/drawing/2014/main" id="{9ECD4906-5073-9734-836F-B9B88C5D0591}"/>
+                </a:ext>
+              </a:extLst>
+            </p:cNvPr>
+            <p:cNvSpPr/>
+            <p:nvPr/>
+          </p:nvSpPr>
+          <p:spPr>
+            <a:xfrm>
+              <a:off x="366310" y="1260000"/>
+              <a:ext cx="1397377" cy="1458820"/>
+            </a:xfrm>
+            <a:prstGeom prst="roundRect">
+              <a:avLst>
+                <a:gd name="adj" fmla="val 6442"/>
+              </a:avLst>
+            </a:prstGeom>
+            <a:solidFill>
+              <a:schemeClr val="bg1">
+                <a:lumMod val="95000"/>
+              </a:schemeClr>
+            </a:solidFill>
+            <a:ln>
+              <a:noFill/>
+            </a:ln>
+            <a:effectLst>
+              <a:outerShdw blurRad="50800" dist="12700" dir="2700000" algn="tl" rotWithShape="0">
+                <a:prstClr val="black">
+                  <a:alpha val="40000"/>
+                </a:prstClr>
+              </a:outerShdw>
+            </a:effectLst>
+          </p:spPr>
+          <p:style>
+            <a:lnRef idx="2">
+              <a:schemeClr val="accent1">
+                <a:shade val="50000"/>
+              </a:schemeClr>
+            </a:lnRef>
+            <a:fillRef idx="1">
+              <a:schemeClr val="accent1"/>
+            </a:fillRef>
+            <a:effectRef idx="0">
+              <a:schemeClr val="accent1"/>
+            </a:effectRef>
+            <a:fontRef idx="minor">
+              <a:schemeClr val="lt1"/>
+            </a:fontRef>
+          </p:style>
+          <p:txBody>
+            <a:bodyPr rtlCol="0" anchor="ctr"/>
+            <a:lstStyle/>
+            <a:p>
+              <a:pPr algn="ctr"/>
+              <a:endParaRPr lang="ko-KR" altLang="en-US" sz="1400" dirty="0"/>
+            </a:p>
+          </p:txBody>
+        </p:sp>
+        <p:sp>
+          <p:nvSpPr>
+            <p:cNvPr id="57" name="모서리가 둥근 직사각형 12">
+              <a:extLst>
+                <a:ext uri="{FF2B5EF4-FFF2-40B4-BE49-F238E27FC236}">
+                  <a16:creationId xmlns:a16="http://schemas.microsoft.com/office/drawing/2014/main" id="{725C8BF9-190E-8C9C-2F7E-D429C8702E68}"/>
+                </a:ext>
+              </a:extLst>
+            </p:cNvPr>
+            <p:cNvSpPr/>
+            <p:nvPr/>
+          </p:nvSpPr>
+          <p:spPr>
+            <a:xfrm>
+              <a:off x="417087" y="1329364"/>
+              <a:ext cx="1295822" cy="685081"/>
+            </a:xfrm>
+            <a:prstGeom prst="roundRect">
+              <a:avLst>
+                <a:gd name="adj" fmla="val 8325"/>
+              </a:avLst>
+            </a:prstGeom>
+            <a:solidFill>
+              <a:schemeClr val="bg1">
+                <a:lumMod val="75000"/>
+              </a:schemeClr>
+            </a:solidFill>
+            <a:ln>
+              <a:noFill/>
+            </a:ln>
+          </p:spPr>
+          <p:style>
+            <a:lnRef idx="2">
+              <a:schemeClr val="accent1">
+                <a:shade val="50000"/>
+              </a:schemeClr>
+            </a:lnRef>
+            <a:fillRef idx="1">
+              <a:schemeClr val="accent1"/>
+            </a:fillRef>
+            <a:effectRef idx="0">
+              <a:schemeClr val="accent1"/>
+            </a:effectRef>
+            <a:fontRef idx="minor">
+              <a:schemeClr val="lt1"/>
+            </a:fontRef>
+          </p:style>
+          <p:txBody>
+            <a:bodyPr rtlCol="0" anchor="ctr"/>
+            <a:lstStyle/>
+            <a:p>
+              <a:pPr algn="ctr"/>
+              <a:r>
+                <a:rPr lang="ko-KR" altLang="en-US" sz="1400" dirty="0"/>
+                <a:t>동물 사진</a:t>
+              </a:r>
+            </a:p>
+          </p:txBody>
+        </p:sp>
+        <p:sp>
+          <p:nvSpPr>
+            <p:cNvPr id="58" name="TextBox 57">
+              <a:extLst>
+                <a:ext uri="{FF2B5EF4-FFF2-40B4-BE49-F238E27FC236}">
+                  <a16:creationId xmlns:a16="http://schemas.microsoft.com/office/drawing/2014/main" id="{978D1CDC-0D48-9536-3033-9A62401259B2}"/>
+                </a:ext>
+              </a:extLst>
+            </p:cNvPr>
+            <p:cNvSpPr txBox="1"/>
+            <p:nvPr/>
+          </p:nvSpPr>
+          <p:spPr>
+            <a:xfrm>
+              <a:off x="401282" y="2077294"/>
+              <a:ext cx="1311627" cy="276999"/>
+            </a:xfrm>
+            <a:prstGeom prst="rect">
+              <a:avLst/>
+            </a:prstGeom>
+            <a:noFill/>
+          </p:spPr>
+          <p:txBody>
+            <a:bodyPr wrap="square" rtlCol="0">
+              <a:spAutoFit/>
+            </a:bodyPr>
+            <a:lstStyle/>
+            <a:p>
+              <a:pPr algn="ctr"/>
+              <a:r>
+                <a:rPr lang="ko-KR" altLang="en-US" sz="1200" b="1" dirty="0"/>
+                <a:t>이름</a:t>
+              </a:r>
+            </a:p>
+          </p:txBody>
+        </p:sp>
+        <p:sp>
+          <p:nvSpPr>
+            <p:cNvPr id="59" name="TextBox 58">
+              <a:extLst>
+                <a:ext uri="{FF2B5EF4-FFF2-40B4-BE49-F238E27FC236}">
+                  <a16:creationId xmlns:a16="http://schemas.microsoft.com/office/drawing/2014/main" id="{C885E69D-F178-9EE3-CDEE-F16401287D0C}"/>
+                </a:ext>
+              </a:extLst>
+            </p:cNvPr>
+            <p:cNvSpPr txBox="1"/>
+            <p:nvPr/>
+          </p:nvSpPr>
+          <p:spPr>
+            <a:xfrm>
+              <a:off x="401282" y="2294751"/>
+              <a:ext cx="1397377" cy="553998"/>
+            </a:xfrm>
+            <a:prstGeom prst="rect">
+              <a:avLst/>
+            </a:prstGeom>
+            <a:noFill/>
+          </p:spPr>
+          <p:txBody>
+            <a:bodyPr wrap="square" rtlCol="0">
+              <a:spAutoFit/>
+            </a:bodyPr>
+            <a:lstStyle/>
+            <a:p>
+              <a:r>
+                <a:rPr lang="ko-KR" altLang="en-US" sz="1000" dirty="0"/>
+                <a:t>품종</a:t>
+              </a:r>
+              <a:endParaRPr lang="en-US" altLang="ko-KR" sz="1000" dirty="0"/>
+            </a:p>
+            <a:p>
+              <a:r>
+                <a:rPr lang="ko-KR" altLang="en-US" sz="1000" dirty="0"/>
+                <a:t>나이 </a:t>
+              </a:r>
+              <a:r>
+                <a:rPr lang="en-US" altLang="ko-KR" sz="1000" dirty="0"/>
+                <a:t>/ </a:t>
+              </a:r>
+              <a:r>
+                <a:rPr lang="ko-KR" altLang="en-US" sz="1000" dirty="0"/>
+                <a:t>성별 </a:t>
+              </a:r>
+              <a:r>
+                <a:rPr lang="en-US" altLang="ko-KR" sz="1000" dirty="0"/>
+                <a:t>/ </a:t>
+              </a:r>
+              <a:r>
+                <a:rPr lang="ko-KR" altLang="en-US" sz="1000" dirty="0"/>
+                <a:t>몸무게 </a:t>
+              </a:r>
+              <a:endParaRPr lang="en-US" altLang="ko-KR" sz="1000" dirty="0"/>
+            </a:p>
+            <a:p>
+              <a:pPr marL="171450" indent="-171450">
+                <a:buFont typeface="Arial" panose="020B0604020202020204" pitchFamily="34" charset="0"/>
+                <a:buChar char="•"/>
+              </a:pPr>
+              <a:endParaRPr lang="ko-KR" altLang="en-US" sz="1000" dirty="0"/>
+            </a:p>
+          </p:txBody>
+        </p:sp>
+      </p:grpSp>
+      <p:grpSp>
+        <p:nvGrpSpPr>
+          <p:cNvPr id="60" name="그룹 59">
+            <a:extLst>
+              <a:ext uri="{FF2B5EF4-FFF2-40B4-BE49-F238E27FC236}">
+                <a16:creationId xmlns:a16="http://schemas.microsoft.com/office/drawing/2014/main" id="{A3824B3D-EEC6-D88A-5E35-6B6784959492}"/>
+              </a:ext>
+            </a:extLst>
+          </p:cNvPr>
+          <p:cNvGrpSpPr/>
+          <p:nvPr/>
+        </p:nvGrpSpPr>
+        <p:grpSpPr>
+          <a:xfrm>
+            <a:off x="4925138" y="976484"/>
+            <a:ext cx="1432349" cy="1588749"/>
+            <a:chOff x="366310" y="1260000"/>
+            <a:chExt cx="1432349" cy="1588749"/>
+          </a:xfrm>
+        </p:grpSpPr>
+        <p:sp>
+          <p:nvSpPr>
+            <p:cNvPr id="61" name="모서리가 둥근 직사각형 13">
+              <a:extLst>
+                <a:ext uri="{FF2B5EF4-FFF2-40B4-BE49-F238E27FC236}">
+                  <a16:creationId xmlns:a16="http://schemas.microsoft.com/office/drawing/2014/main" id="{4E15AA61-AABF-C8A6-D986-D18FFA19BD41}"/>
+                </a:ext>
+              </a:extLst>
+            </p:cNvPr>
+            <p:cNvSpPr/>
+            <p:nvPr/>
+          </p:nvSpPr>
+          <p:spPr>
+            <a:xfrm>
+              <a:off x="366310" y="1260000"/>
+              <a:ext cx="1397377" cy="1458820"/>
+            </a:xfrm>
+            <a:prstGeom prst="roundRect">
+              <a:avLst>
+                <a:gd name="adj" fmla="val 6442"/>
+              </a:avLst>
+            </a:prstGeom>
+            <a:solidFill>
+              <a:schemeClr val="bg1">
+                <a:lumMod val="95000"/>
+              </a:schemeClr>
+            </a:solidFill>
+            <a:ln>
+              <a:noFill/>
+            </a:ln>
+            <a:effectLst>
+              <a:outerShdw blurRad="50800" dist="12700" dir="2700000" algn="tl" rotWithShape="0">
+                <a:prstClr val="black">
+                  <a:alpha val="40000"/>
+                </a:prstClr>
+              </a:outerShdw>
+            </a:effectLst>
+          </p:spPr>
+          <p:style>
+            <a:lnRef idx="2">
+              <a:schemeClr val="accent1">
+                <a:shade val="50000"/>
+              </a:schemeClr>
+            </a:lnRef>
+            <a:fillRef idx="1">
+              <a:schemeClr val="accent1"/>
+            </a:fillRef>
+            <a:effectRef idx="0">
+              <a:schemeClr val="accent1"/>
+            </a:effectRef>
+            <a:fontRef idx="minor">
+              <a:schemeClr val="lt1"/>
+            </a:fontRef>
+          </p:style>
+          <p:txBody>
+            <a:bodyPr rtlCol="0" anchor="ctr"/>
+            <a:lstStyle/>
+            <a:p>
+              <a:pPr algn="ctr"/>
+              <a:endParaRPr lang="ko-KR" altLang="en-US" sz="1400" dirty="0"/>
+            </a:p>
+          </p:txBody>
+        </p:sp>
+        <p:sp>
+          <p:nvSpPr>
+            <p:cNvPr id="62" name="모서리가 둥근 직사각형 12">
+              <a:extLst>
+                <a:ext uri="{FF2B5EF4-FFF2-40B4-BE49-F238E27FC236}">
+                  <a16:creationId xmlns:a16="http://schemas.microsoft.com/office/drawing/2014/main" id="{BCC9FD6E-66CD-CB30-C6AA-8B0C4EED12E6}"/>
+                </a:ext>
+              </a:extLst>
+            </p:cNvPr>
+            <p:cNvSpPr/>
+            <p:nvPr/>
+          </p:nvSpPr>
+          <p:spPr>
+            <a:xfrm>
+              <a:off x="417087" y="1329364"/>
+              <a:ext cx="1295822" cy="685081"/>
+            </a:xfrm>
+            <a:prstGeom prst="roundRect">
+              <a:avLst>
+                <a:gd name="adj" fmla="val 8325"/>
+              </a:avLst>
+            </a:prstGeom>
+            <a:solidFill>
+              <a:schemeClr val="bg1">
+                <a:lumMod val="75000"/>
+              </a:schemeClr>
+            </a:solidFill>
+            <a:ln>
+              <a:noFill/>
+            </a:ln>
+          </p:spPr>
+          <p:style>
+            <a:lnRef idx="2">
+              <a:schemeClr val="accent1">
+                <a:shade val="50000"/>
+              </a:schemeClr>
+            </a:lnRef>
+            <a:fillRef idx="1">
+              <a:schemeClr val="accent1"/>
+            </a:fillRef>
+            <a:effectRef idx="0">
+              <a:schemeClr val="accent1"/>
+            </a:effectRef>
+            <a:fontRef idx="minor">
+              <a:schemeClr val="lt1"/>
+            </a:fontRef>
+          </p:style>
+          <p:txBody>
+            <a:bodyPr rtlCol="0" anchor="ctr"/>
+            <a:lstStyle/>
+            <a:p>
+              <a:pPr algn="ctr"/>
+              <a:r>
+                <a:rPr lang="ko-KR" altLang="en-US" sz="1400" dirty="0"/>
+                <a:t>동물 사진</a:t>
+              </a:r>
+            </a:p>
+          </p:txBody>
+        </p:sp>
+        <p:sp>
+          <p:nvSpPr>
+            <p:cNvPr id="63" name="TextBox 62">
+              <a:extLst>
+                <a:ext uri="{FF2B5EF4-FFF2-40B4-BE49-F238E27FC236}">
+                  <a16:creationId xmlns:a16="http://schemas.microsoft.com/office/drawing/2014/main" id="{CEFF3E37-FBC1-040F-0491-ABB653F24224}"/>
+                </a:ext>
+              </a:extLst>
+            </p:cNvPr>
+            <p:cNvSpPr txBox="1"/>
+            <p:nvPr/>
+          </p:nvSpPr>
+          <p:spPr>
+            <a:xfrm>
+              <a:off x="401282" y="2077294"/>
+              <a:ext cx="1311627" cy="276999"/>
+            </a:xfrm>
+            <a:prstGeom prst="rect">
+              <a:avLst/>
+            </a:prstGeom>
+            <a:noFill/>
+          </p:spPr>
+          <p:txBody>
+            <a:bodyPr wrap="square" rtlCol="0">
+              <a:spAutoFit/>
+            </a:bodyPr>
+            <a:lstStyle/>
+            <a:p>
+              <a:pPr algn="ctr"/>
+              <a:r>
+                <a:rPr lang="ko-KR" altLang="en-US" sz="1200" b="1" dirty="0"/>
+                <a:t>이름</a:t>
+              </a:r>
+            </a:p>
+          </p:txBody>
+        </p:sp>
+        <p:sp>
+          <p:nvSpPr>
+            <p:cNvPr id="64" name="TextBox 63">
+              <a:extLst>
+                <a:ext uri="{FF2B5EF4-FFF2-40B4-BE49-F238E27FC236}">
+                  <a16:creationId xmlns:a16="http://schemas.microsoft.com/office/drawing/2014/main" id="{5853098B-D90E-13D5-3CA6-2A91E2C7E5E4}"/>
+                </a:ext>
+              </a:extLst>
+            </p:cNvPr>
+            <p:cNvSpPr txBox="1"/>
+            <p:nvPr/>
+          </p:nvSpPr>
+          <p:spPr>
+            <a:xfrm>
+              <a:off x="401282" y="2294751"/>
+              <a:ext cx="1397377" cy="553998"/>
+            </a:xfrm>
+            <a:prstGeom prst="rect">
+              <a:avLst/>
+            </a:prstGeom>
+            <a:noFill/>
+          </p:spPr>
+          <p:txBody>
+            <a:bodyPr wrap="square" rtlCol="0">
+              <a:spAutoFit/>
+            </a:bodyPr>
+            <a:lstStyle/>
+            <a:p>
+              <a:r>
+                <a:rPr lang="ko-KR" altLang="en-US" sz="1000" dirty="0"/>
+                <a:t>품종</a:t>
+              </a:r>
+              <a:endParaRPr lang="en-US" altLang="ko-KR" sz="1000" dirty="0"/>
+            </a:p>
+            <a:p>
+              <a:r>
+                <a:rPr lang="ko-KR" altLang="en-US" sz="1000" dirty="0"/>
+                <a:t>나이 </a:t>
+              </a:r>
+              <a:r>
+                <a:rPr lang="en-US" altLang="ko-KR" sz="1000" dirty="0"/>
+                <a:t>/ </a:t>
+              </a:r>
+              <a:r>
+                <a:rPr lang="ko-KR" altLang="en-US" sz="1000" dirty="0"/>
+                <a:t>성별 </a:t>
+              </a:r>
+              <a:r>
+                <a:rPr lang="en-US" altLang="ko-KR" sz="1000" dirty="0"/>
+                <a:t>/ </a:t>
+              </a:r>
+              <a:r>
+                <a:rPr lang="ko-KR" altLang="en-US" sz="1000" dirty="0"/>
+                <a:t>몸무게 </a:t>
+              </a:r>
+              <a:endParaRPr lang="en-US" altLang="ko-KR" sz="1000" dirty="0"/>
+            </a:p>
+            <a:p>
+              <a:pPr marL="171450" indent="-171450">
+                <a:buFont typeface="Arial" panose="020B0604020202020204" pitchFamily="34" charset="0"/>
+                <a:buChar char="•"/>
+              </a:pPr>
+              <a:endParaRPr lang="ko-KR" altLang="en-US" sz="1000" dirty="0"/>
+            </a:p>
+          </p:txBody>
+        </p:sp>
+      </p:grpSp>
+      <p:grpSp>
+        <p:nvGrpSpPr>
+          <p:cNvPr id="85" name="그룹 84">
+            <a:extLst>
+              <a:ext uri="{FF2B5EF4-FFF2-40B4-BE49-F238E27FC236}">
+                <a16:creationId xmlns:a16="http://schemas.microsoft.com/office/drawing/2014/main" id="{772FB699-24F3-1ECE-8401-4E5EB5B9A574}"/>
+              </a:ext>
+            </a:extLst>
+          </p:cNvPr>
+          <p:cNvGrpSpPr/>
+          <p:nvPr/>
+        </p:nvGrpSpPr>
+        <p:grpSpPr>
+          <a:xfrm>
+            <a:off x="381023" y="2548313"/>
+            <a:ext cx="1432349" cy="1588749"/>
+            <a:chOff x="366310" y="1260000"/>
+            <a:chExt cx="1432349" cy="1588749"/>
+          </a:xfrm>
+        </p:grpSpPr>
+        <p:sp>
+          <p:nvSpPr>
+            <p:cNvPr id="86" name="모서리가 둥근 직사각형 13">
+              <a:extLst>
+                <a:ext uri="{FF2B5EF4-FFF2-40B4-BE49-F238E27FC236}">
+                  <a16:creationId xmlns:a16="http://schemas.microsoft.com/office/drawing/2014/main" id="{368C3277-FA18-9C49-EB46-5A0D59E031A0}"/>
+                </a:ext>
+              </a:extLst>
+            </p:cNvPr>
+            <p:cNvSpPr/>
+            <p:nvPr/>
+          </p:nvSpPr>
+          <p:spPr>
+            <a:xfrm>
+              <a:off x="366310" y="1260000"/>
+              <a:ext cx="1397377" cy="1458820"/>
+            </a:xfrm>
+            <a:prstGeom prst="roundRect">
+              <a:avLst>
+                <a:gd name="adj" fmla="val 6442"/>
+              </a:avLst>
+            </a:prstGeom>
+            <a:solidFill>
+              <a:schemeClr val="bg1">
+                <a:lumMod val="95000"/>
+              </a:schemeClr>
+            </a:solidFill>
+            <a:ln>
+              <a:noFill/>
+            </a:ln>
+            <a:effectLst>
+              <a:outerShdw blurRad="50800" dist="12700" dir="2700000" algn="tl" rotWithShape="0">
+                <a:prstClr val="black">
+                  <a:alpha val="40000"/>
+                </a:prstClr>
+              </a:outerShdw>
+            </a:effectLst>
+          </p:spPr>
+          <p:style>
+            <a:lnRef idx="2">
+              <a:schemeClr val="accent1">
+                <a:shade val="50000"/>
+              </a:schemeClr>
+            </a:lnRef>
+            <a:fillRef idx="1">
+              <a:schemeClr val="accent1"/>
+            </a:fillRef>
+            <a:effectRef idx="0">
+              <a:schemeClr val="accent1"/>
+            </a:effectRef>
+            <a:fontRef idx="minor">
+              <a:schemeClr val="lt1"/>
+            </a:fontRef>
+          </p:style>
+          <p:txBody>
+            <a:bodyPr rtlCol="0" anchor="ctr"/>
+            <a:lstStyle/>
+            <a:p>
+              <a:pPr algn="ctr"/>
+              <a:endParaRPr lang="ko-KR" altLang="en-US" sz="1400" dirty="0"/>
+            </a:p>
+          </p:txBody>
+        </p:sp>
+        <p:sp>
+          <p:nvSpPr>
+            <p:cNvPr id="87" name="모서리가 둥근 직사각형 12">
+              <a:extLst>
+                <a:ext uri="{FF2B5EF4-FFF2-40B4-BE49-F238E27FC236}">
+                  <a16:creationId xmlns:a16="http://schemas.microsoft.com/office/drawing/2014/main" id="{19901BEF-F818-06EF-4EF6-34417F1AC521}"/>
+                </a:ext>
+              </a:extLst>
+            </p:cNvPr>
+            <p:cNvSpPr/>
+            <p:nvPr/>
+          </p:nvSpPr>
+          <p:spPr>
+            <a:xfrm>
+              <a:off x="417087" y="1329364"/>
+              <a:ext cx="1295822" cy="685081"/>
+            </a:xfrm>
+            <a:prstGeom prst="roundRect">
+              <a:avLst>
+                <a:gd name="adj" fmla="val 8325"/>
+              </a:avLst>
+            </a:prstGeom>
+            <a:solidFill>
+              <a:schemeClr val="bg1">
+                <a:lumMod val="75000"/>
+              </a:schemeClr>
+            </a:solidFill>
+            <a:ln>
+              <a:noFill/>
+            </a:ln>
+          </p:spPr>
+          <p:style>
+            <a:lnRef idx="2">
+              <a:schemeClr val="accent1">
+                <a:shade val="50000"/>
+              </a:schemeClr>
+            </a:lnRef>
+            <a:fillRef idx="1">
+              <a:schemeClr val="accent1"/>
+            </a:fillRef>
+            <a:effectRef idx="0">
+              <a:schemeClr val="accent1"/>
+            </a:effectRef>
+            <a:fontRef idx="minor">
+              <a:schemeClr val="lt1"/>
+            </a:fontRef>
+          </p:style>
+          <p:txBody>
+            <a:bodyPr rtlCol="0" anchor="ctr"/>
+            <a:lstStyle/>
+            <a:p>
+              <a:pPr algn="ctr"/>
+              <a:r>
+                <a:rPr lang="ko-KR" altLang="en-US" sz="1400" dirty="0"/>
+                <a:t>동물 사진</a:t>
+              </a:r>
+            </a:p>
+          </p:txBody>
+        </p:sp>
+        <p:sp>
+          <p:nvSpPr>
+            <p:cNvPr id="88" name="TextBox 87">
+              <a:extLst>
+                <a:ext uri="{FF2B5EF4-FFF2-40B4-BE49-F238E27FC236}">
+                  <a16:creationId xmlns:a16="http://schemas.microsoft.com/office/drawing/2014/main" id="{8B111801-26C1-5DB6-405A-978EF3EE55AA}"/>
+                </a:ext>
+              </a:extLst>
+            </p:cNvPr>
+            <p:cNvSpPr txBox="1"/>
+            <p:nvPr/>
+          </p:nvSpPr>
+          <p:spPr>
+            <a:xfrm>
+              <a:off x="401282" y="2077294"/>
+              <a:ext cx="1311627" cy="276999"/>
+            </a:xfrm>
+            <a:prstGeom prst="rect">
+              <a:avLst/>
+            </a:prstGeom>
+            <a:noFill/>
+          </p:spPr>
+          <p:txBody>
+            <a:bodyPr wrap="square" rtlCol="0">
+              <a:spAutoFit/>
+            </a:bodyPr>
+            <a:lstStyle/>
+            <a:p>
+              <a:pPr algn="ctr"/>
+              <a:r>
+                <a:rPr lang="ko-KR" altLang="en-US" sz="1200" b="1" dirty="0"/>
+                <a:t>이름</a:t>
+              </a:r>
+            </a:p>
+          </p:txBody>
+        </p:sp>
+        <p:sp>
+          <p:nvSpPr>
+            <p:cNvPr id="89" name="TextBox 88">
+              <a:extLst>
+                <a:ext uri="{FF2B5EF4-FFF2-40B4-BE49-F238E27FC236}">
+                  <a16:creationId xmlns:a16="http://schemas.microsoft.com/office/drawing/2014/main" id="{6D1882B5-E280-EE07-AF1E-BFB4B3BE4712}"/>
+                </a:ext>
+              </a:extLst>
+            </p:cNvPr>
+            <p:cNvSpPr txBox="1"/>
+            <p:nvPr/>
+          </p:nvSpPr>
+          <p:spPr>
+            <a:xfrm>
+              <a:off x="401282" y="2294751"/>
+              <a:ext cx="1397377" cy="553998"/>
+            </a:xfrm>
+            <a:prstGeom prst="rect">
+              <a:avLst/>
+            </a:prstGeom>
+            <a:noFill/>
+          </p:spPr>
+          <p:txBody>
+            <a:bodyPr wrap="square" rtlCol="0">
+              <a:spAutoFit/>
+            </a:bodyPr>
+            <a:lstStyle/>
+            <a:p>
+              <a:r>
+                <a:rPr lang="ko-KR" altLang="en-US" sz="1000" dirty="0"/>
+                <a:t>품종</a:t>
+              </a:r>
+              <a:endParaRPr lang="en-US" altLang="ko-KR" sz="1000" dirty="0"/>
+            </a:p>
+            <a:p>
+              <a:r>
+                <a:rPr lang="ko-KR" altLang="en-US" sz="1000" dirty="0"/>
+                <a:t>나이 </a:t>
+              </a:r>
+              <a:r>
+                <a:rPr lang="en-US" altLang="ko-KR" sz="1000" dirty="0"/>
+                <a:t>/ </a:t>
+              </a:r>
+              <a:r>
+                <a:rPr lang="ko-KR" altLang="en-US" sz="1000" dirty="0"/>
+                <a:t>성별 </a:t>
+              </a:r>
+              <a:r>
+                <a:rPr lang="en-US" altLang="ko-KR" sz="1000" dirty="0"/>
+                <a:t>/ </a:t>
+              </a:r>
+              <a:r>
+                <a:rPr lang="ko-KR" altLang="en-US" sz="1000" dirty="0"/>
+                <a:t>몸무게 </a:t>
+              </a:r>
+              <a:endParaRPr lang="en-US" altLang="ko-KR" sz="1000" dirty="0"/>
+            </a:p>
+            <a:p>
+              <a:pPr marL="171450" indent="-171450">
+                <a:buFont typeface="Arial" panose="020B0604020202020204" pitchFamily="34" charset="0"/>
+                <a:buChar char="•"/>
+              </a:pPr>
+              <a:endParaRPr lang="ko-KR" altLang="en-US" sz="1000" dirty="0"/>
+            </a:p>
+          </p:txBody>
+        </p:sp>
+      </p:grpSp>
+      <p:grpSp>
+        <p:nvGrpSpPr>
+          <p:cNvPr id="90" name="그룹 89">
+            <a:extLst>
+              <a:ext uri="{FF2B5EF4-FFF2-40B4-BE49-F238E27FC236}">
+                <a16:creationId xmlns:a16="http://schemas.microsoft.com/office/drawing/2014/main" id="{37E12F95-4329-7645-4BFE-BA99A0978613}"/>
+              </a:ext>
+            </a:extLst>
+          </p:cNvPr>
+          <p:cNvGrpSpPr/>
+          <p:nvPr/>
+        </p:nvGrpSpPr>
+        <p:grpSpPr>
+          <a:xfrm>
+            <a:off x="1890524" y="2541796"/>
+            <a:ext cx="1432349" cy="1588749"/>
+            <a:chOff x="366310" y="1260000"/>
+            <a:chExt cx="1432349" cy="1588749"/>
+          </a:xfrm>
+        </p:grpSpPr>
+        <p:sp>
+          <p:nvSpPr>
+            <p:cNvPr id="91" name="모서리가 둥근 직사각형 13">
+              <a:extLst>
+                <a:ext uri="{FF2B5EF4-FFF2-40B4-BE49-F238E27FC236}">
+                  <a16:creationId xmlns:a16="http://schemas.microsoft.com/office/drawing/2014/main" id="{3A73EF38-4F97-D7C1-6BEB-95BD90C92166}"/>
+                </a:ext>
+              </a:extLst>
+            </p:cNvPr>
+            <p:cNvSpPr/>
+            <p:nvPr/>
+          </p:nvSpPr>
+          <p:spPr>
+            <a:xfrm>
+              <a:off x="366310" y="1260000"/>
+              <a:ext cx="1397377" cy="1458820"/>
+            </a:xfrm>
+            <a:prstGeom prst="roundRect">
+              <a:avLst>
+                <a:gd name="adj" fmla="val 6442"/>
+              </a:avLst>
+            </a:prstGeom>
+            <a:solidFill>
+              <a:schemeClr val="bg1">
+                <a:lumMod val="95000"/>
+              </a:schemeClr>
+            </a:solidFill>
+            <a:ln>
+              <a:noFill/>
+            </a:ln>
+            <a:effectLst>
+              <a:outerShdw blurRad="50800" dist="12700" dir="2700000" algn="tl" rotWithShape="0">
+                <a:prstClr val="black">
+                  <a:alpha val="40000"/>
+                </a:prstClr>
+              </a:outerShdw>
+            </a:effectLst>
+          </p:spPr>
+          <p:style>
+            <a:lnRef idx="2">
+              <a:schemeClr val="accent1">
+                <a:shade val="50000"/>
+              </a:schemeClr>
+            </a:lnRef>
+            <a:fillRef idx="1">
+              <a:schemeClr val="accent1"/>
+            </a:fillRef>
+            <a:effectRef idx="0">
+              <a:schemeClr val="accent1"/>
+            </a:effectRef>
+            <a:fontRef idx="minor">
+              <a:schemeClr val="lt1"/>
+            </a:fontRef>
+          </p:style>
+          <p:txBody>
+            <a:bodyPr rtlCol="0" anchor="ctr"/>
+            <a:lstStyle/>
+            <a:p>
+              <a:pPr algn="ctr"/>
+              <a:endParaRPr lang="ko-KR" altLang="en-US" sz="1400" dirty="0"/>
+            </a:p>
+          </p:txBody>
+        </p:sp>
+        <p:sp>
+          <p:nvSpPr>
+            <p:cNvPr id="92" name="모서리가 둥근 직사각형 12">
+              <a:extLst>
+                <a:ext uri="{FF2B5EF4-FFF2-40B4-BE49-F238E27FC236}">
+                  <a16:creationId xmlns:a16="http://schemas.microsoft.com/office/drawing/2014/main" id="{670DECFA-7032-1C52-A2B0-B5028178EC8A}"/>
+                </a:ext>
+              </a:extLst>
+            </p:cNvPr>
+            <p:cNvSpPr/>
+            <p:nvPr/>
+          </p:nvSpPr>
+          <p:spPr>
+            <a:xfrm>
+              <a:off x="417087" y="1329364"/>
+              <a:ext cx="1295822" cy="685081"/>
+            </a:xfrm>
+            <a:prstGeom prst="roundRect">
+              <a:avLst>
+                <a:gd name="adj" fmla="val 8325"/>
+              </a:avLst>
+            </a:prstGeom>
+            <a:solidFill>
+              <a:schemeClr val="bg1">
+                <a:lumMod val="75000"/>
+              </a:schemeClr>
+            </a:solidFill>
+            <a:ln>
+              <a:noFill/>
+            </a:ln>
+          </p:spPr>
+          <p:style>
+            <a:lnRef idx="2">
+              <a:schemeClr val="accent1">
+                <a:shade val="50000"/>
+              </a:schemeClr>
+            </a:lnRef>
+            <a:fillRef idx="1">
+              <a:schemeClr val="accent1"/>
+            </a:fillRef>
+            <a:effectRef idx="0">
+              <a:schemeClr val="accent1"/>
+            </a:effectRef>
+            <a:fontRef idx="minor">
+              <a:schemeClr val="lt1"/>
+            </a:fontRef>
+          </p:style>
+          <p:txBody>
+            <a:bodyPr rtlCol="0" anchor="ctr"/>
+            <a:lstStyle/>
+            <a:p>
+              <a:pPr algn="ctr"/>
+              <a:r>
+                <a:rPr lang="ko-KR" altLang="en-US" sz="1400" dirty="0"/>
+                <a:t>동물 사진</a:t>
+              </a:r>
+            </a:p>
+          </p:txBody>
+        </p:sp>
+        <p:sp>
+          <p:nvSpPr>
+            <p:cNvPr id="93" name="TextBox 92">
+              <a:extLst>
+                <a:ext uri="{FF2B5EF4-FFF2-40B4-BE49-F238E27FC236}">
+                  <a16:creationId xmlns:a16="http://schemas.microsoft.com/office/drawing/2014/main" id="{0D15455A-6295-F796-CFCC-BD91DFEE8258}"/>
+                </a:ext>
+              </a:extLst>
+            </p:cNvPr>
+            <p:cNvSpPr txBox="1"/>
+            <p:nvPr/>
+          </p:nvSpPr>
+          <p:spPr>
+            <a:xfrm>
+              <a:off x="401282" y="2077294"/>
+              <a:ext cx="1311627" cy="276999"/>
+            </a:xfrm>
+            <a:prstGeom prst="rect">
+              <a:avLst/>
+            </a:prstGeom>
+            <a:noFill/>
+          </p:spPr>
+          <p:txBody>
+            <a:bodyPr wrap="square" rtlCol="0">
+              <a:spAutoFit/>
+            </a:bodyPr>
+            <a:lstStyle/>
+            <a:p>
+              <a:pPr algn="ctr"/>
+              <a:r>
+                <a:rPr lang="ko-KR" altLang="en-US" sz="1200" b="1" dirty="0"/>
+                <a:t>이름</a:t>
+              </a:r>
+            </a:p>
+          </p:txBody>
+        </p:sp>
+        <p:sp>
+          <p:nvSpPr>
+            <p:cNvPr id="94" name="TextBox 93">
+              <a:extLst>
+                <a:ext uri="{FF2B5EF4-FFF2-40B4-BE49-F238E27FC236}">
+                  <a16:creationId xmlns:a16="http://schemas.microsoft.com/office/drawing/2014/main" id="{84961B30-4CF2-3392-284D-C06A577F15B9}"/>
+                </a:ext>
+              </a:extLst>
+            </p:cNvPr>
+            <p:cNvSpPr txBox="1"/>
+            <p:nvPr/>
+          </p:nvSpPr>
+          <p:spPr>
+            <a:xfrm>
+              <a:off x="401282" y="2294751"/>
+              <a:ext cx="1397377" cy="553998"/>
+            </a:xfrm>
+            <a:prstGeom prst="rect">
+              <a:avLst/>
+            </a:prstGeom>
+            <a:noFill/>
+          </p:spPr>
+          <p:txBody>
+            <a:bodyPr wrap="square" rtlCol="0">
+              <a:spAutoFit/>
+            </a:bodyPr>
+            <a:lstStyle/>
+            <a:p>
+              <a:r>
+                <a:rPr lang="ko-KR" altLang="en-US" sz="1000" dirty="0"/>
+                <a:t>품종</a:t>
+              </a:r>
+              <a:endParaRPr lang="en-US" altLang="ko-KR" sz="1000" dirty="0"/>
+            </a:p>
+            <a:p>
+              <a:r>
+                <a:rPr lang="ko-KR" altLang="en-US" sz="1000" dirty="0"/>
+                <a:t>나이 </a:t>
+              </a:r>
+              <a:r>
+                <a:rPr lang="en-US" altLang="ko-KR" sz="1000" dirty="0"/>
+                <a:t>/ </a:t>
+              </a:r>
+              <a:r>
+                <a:rPr lang="ko-KR" altLang="en-US" sz="1000" dirty="0"/>
+                <a:t>성별 </a:t>
+              </a:r>
+              <a:r>
+                <a:rPr lang="en-US" altLang="ko-KR" sz="1000" dirty="0"/>
+                <a:t>/ </a:t>
+              </a:r>
+              <a:r>
+                <a:rPr lang="ko-KR" altLang="en-US" sz="1000" dirty="0"/>
+                <a:t>몸무게 </a:t>
+              </a:r>
+              <a:endParaRPr lang="en-US" altLang="ko-KR" sz="1000" dirty="0"/>
+            </a:p>
+            <a:p>
+              <a:pPr marL="171450" indent="-171450">
+                <a:buFont typeface="Arial" panose="020B0604020202020204" pitchFamily="34" charset="0"/>
+                <a:buChar char="•"/>
+              </a:pPr>
+              <a:endParaRPr lang="ko-KR" altLang="en-US" sz="1000" dirty="0"/>
+            </a:p>
+          </p:txBody>
+        </p:sp>
+      </p:grpSp>
+      <p:grpSp>
+        <p:nvGrpSpPr>
+          <p:cNvPr id="95" name="그룹 94">
+            <a:extLst>
+              <a:ext uri="{FF2B5EF4-FFF2-40B4-BE49-F238E27FC236}">
+                <a16:creationId xmlns:a16="http://schemas.microsoft.com/office/drawing/2014/main" id="{EE471A4B-6ECD-2848-A545-EB7DD8A1CE32}"/>
+              </a:ext>
+            </a:extLst>
+          </p:cNvPr>
+          <p:cNvGrpSpPr/>
+          <p:nvPr/>
+        </p:nvGrpSpPr>
+        <p:grpSpPr>
+          <a:xfrm>
+            <a:off x="3410226" y="2548313"/>
+            <a:ext cx="1432349" cy="1588749"/>
+            <a:chOff x="366310" y="1260000"/>
+            <a:chExt cx="1432349" cy="1588749"/>
+          </a:xfrm>
+        </p:grpSpPr>
+        <p:sp>
+          <p:nvSpPr>
+            <p:cNvPr id="96" name="모서리가 둥근 직사각형 13">
+              <a:extLst>
+                <a:ext uri="{FF2B5EF4-FFF2-40B4-BE49-F238E27FC236}">
+                  <a16:creationId xmlns:a16="http://schemas.microsoft.com/office/drawing/2014/main" id="{E347C3A4-024E-E2BF-AB33-B4CA6BD87C7D}"/>
+                </a:ext>
+              </a:extLst>
+            </p:cNvPr>
+            <p:cNvSpPr/>
+            <p:nvPr/>
+          </p:nvSpPr>
+          <p:spPr>
+            <a:xfrm>
+              <a:off x="366310" y="1260000"/>
+              <a:ext cx="1397377" cy="1458820"/>
+            </a:xfrm>
+            <a:prstGeom prst="roundRect">
+              <a:avLst>
+                <a:gd name="adj" fmla="val 6442"/>
+              </a:avLst>
+            </a:prstGeom>
+            <a:solidFill>
+              <a:schemeClr val="bg1">
+                <a:lumMod val="95000"/>
+              </a:schemeClr>
+            </a:solidFill>
+            <a:ln>
+              <a:noFill/>
+            </a:ln>
+            <a:effectLst>
+              <a:outerShdw blurRad="50800" dist="12700" dir="2700000" algn="tl" rotWithShape="0">
+                <a:prstClr val="black">
+                  <a:alpha val="40000"/>
+                </a:prstClr>
+              </a:outerShdw>
+            </a:effectLst>
+          </p:spPr>
+          <p:style>
+            <a:lnRef idx="2">
+              <a:schemeClr val="accent1">
+                <a:shade val="50000"/>
+              </a:schemeClr>
+            </a:lnRef>
+            <a:fillRef idx="1">
+              <a:schemeClr val="accent1"/>
+            </a:fillRef>
+            <a:effectRef idx="0">
+              <a:schemeClr val="accent1"/>
+            </a:effectRef>
+            <a:fontRef idx="minor">
+              <a:schemeClr val="lt1"/>
+            </a:fontRef>
+          </p:style>
+          <p:txBody>
+            <a:bodyPr rtlCol="0" anchor="ctr"/>
+            <a:lstStyle/>
+            <a:p>
+              <a:pPr algn="ctr"/>
+              <a:endParaRPr lang="ko-KR" altLang="en-US" sz="1400" dirty="0"/>
+            </a:p>
+          </p:txBody>
+        </p:sp>
+        <p:sp>
+          <p:nvSpPr>
+            <p:cNvPr id="97" name="모서리가 둥근 직사각형 12">
+              <a:extLst>
+                <a:ext uri="{FF2B5EF4-FFF2-40B4-BE49-F238E27FC236}">
+                  <a16:creationId xmlns:a16="http://schemas.microsoft.com/office/drawing/2014/main" id="{8CEE3D97-D83A-9300-3B5F-E2D66DD61484}"/>
+                </a:ext>
+              </a:extLst>
+            </p:cNvPr>
+            <p:cNvSpPr/>
+            <p:nvPr/>
+          </p:nvSpPr>
+          <p:spPr>
+            <a:xfrm>
+              <a:off x="417087" y="1329364"/>
+              <a:ext cx="1295822" cy="685081"/>
+            </a:xfrm>
+            <a:prstGeom prst="roundRect">
+              <a:avLst>
+                <a:gd name="adj" fmla="val 8325"/>
+              </a:avLst>
+            </a:prstGeom>
+            <a:solidFill>
+              <a:schemeClr val="bg1">
+                <a:lumMod val="75000"/>
+              </a:schemeClr>
+            </a:solidFill>
+            <a:ln>
+              <a:noFill/>
+            </a:ln>
+          </p:spPr>
+          <p:style>
+            <a:lnRef idx="2">
+              <a:schemeClr val="accent1">
+                <a:shade val="50000"/>
+              </a:schemeClr>
+            </a:lnRef>
+            <a:fillRef idx="1">
+              <a:schemeClr val="accent1"/>
+            </a:fillRef>
+            <a:effectRef idx="0">
+              <a:schemeClr val="accent1"/>
+            </a:effectRef>
+            <a:fontRef idx="minor">
+              <a:schemeClr val="lt1"/>
+            </a:fontRef>
+          </p:style>
+          <p:txBody>
+            <a:bodyPr rtlCol="0" anchor="ctr"/>
+            <a:lstStyle/>
+            <a:p>
+              <a:pPr algn="ctr"/>
+              <a:r>
+                <a:rPr lang="ko-KR" altLang="en-US" sz="1400" dirty="0"/>
+                <a:t>동물 사진</a:t>
+              </a:r>
+            </a:p>
+          </p:txBody>
+        </p:sp>
+        <p:sp>
+          <p:nvSpPr>
+            <p:cNvPr id="98" name="TextBox 97">
+              <a:extLst>
+                <a:ext uri="{FF2B5EF4-FFF2-40B4-BE49-F238E27FC236}">
+                  <a16:creationId xmlns:a16="http://schemas.microsoft.com/office/drawing/2014/main" id="{190D6DC9-2603-D432-6365-4315D382273D}"/>
+                </a:ext>
+              </a:extLst>
+            </p:cNvPr>
+            <p:cNvSpPr txBox="1"/>
+            <p:nvPr/>
+          </p:nvSpPr>
+          <p:spPr>
+            <a:xfrm>
+              <a:off x="401282" y="2077294"/>
+              <a:ext cx="1311627" cy="276999"/>
+            </a:xfrm>
+            <a:prstGeom prst="rect">
+              <a:avLst/>
+            </a:prstGeom>
+            <a:noFill/>
+          </p:spPr>
+          <p:txBody>
+            <a:bodyPr wrap="square" rtlCol="0">
+              <a:spAutoFit/>
+            </a:bodyPr>
+            <a:lstStyle/>
+            <a:p>
+              <a:pPr algn="ctr"/>
+              <a:r>
+                <a:rPr lang="ko-KR" altLang="en-US" sz="1200" b="1" dirty="0"/>
+                <a:t>이름</a:t>
+              </a:r>
+            </a:p>
+          </p:txBody>
+        </p:sp>
+        <p:sp>
+          <p:nvSpPr>
+            <p:cNvPr id="99" name="TextBox 98">
+              <a:extLst>
+                <a:ext uri="{FF2B5EF4-FFF2-40B4-BE49-F238E27FC236}">
+                  <a16:creationId xmlns:a16="http://schemas.microsoft.com/office/drawing/2014/main" id="{164B6E49-4EA0-22A3-F13C-3E894251F345}"/>
+                </a:ext>
+              </a:extLst>
+            </p:cNvPr>
+            <p:cNvSpPr txBox="1"/>
+            <p:nvPr/>
+          </p:nvSpPr>
+          <p:spPr>
+            <a:xfrm>
+              <a:off x="401282" y="2294751"/>
+              <a:ext cx="1397377" cy="553998"/>
+            </a:xfrm>
+            <a:prstGeom prst="rect">
+              <a:avLst/>
+            </a:prstGeom>
+            <a:noFill/>
+          </p:spPr>
+          <p:txBody>
+            <a:bodyPr wrap="square" rtlCol="0">
+              <a:spAutoFit/>
+            </a:bodyPr>
+            <a:lstStyle/>
+            <a:p>
+              <a:r>
+                <a:rPr lang="ko-KR" altLang="en-US" sz="1000" dirty="0"/>
+                <a:t>품종</a:t>
+              </a:r>
+              <a:endParaRPr lang="en-US" altLang="ko-KR" sz="1000" dirty="0"/>
+            </a:p>
+            <a:p>
+              <a:r>
+                <a:rPr lang="ko-KR" altLang="en-US" sz="1000" dirty="0"/>
+                <a:t>나이 </a:t>
+              </a:r>
+              <a:r>
+                <a:rPr lang="en-US" altLang="ko-KR" sz="1000" dirty="0"/>
+                <a:t>/ </a:t>
+              </a:r>
+              <a:r>
+                <a:rPr lang="ko-KR" altLang="en-US" sz="1000" dirty="0"/>
+                <a:t>성별 </a:t>
+              </a:r>
+              <a:r>
+                <a:rPr lang="en-US" altLang="ko-KR" sz="1000" dirty="0"/>
+                <a:t>/ </a:t>
+              </a:r>
+              <a:r>
+                <a:rPr lang="ko-KR" altLang="en-US" sz="1000" dirty="0"/>
+                <a:t>몸무게 </a:t>
+              </a:r>
+              <a:endParaRPr lang="en-US" altLang="ko-KR" sz="1000" dirty="0"/>
+            </a:p>
+            <a:p>
+              <a:pPr marL="171450" indent="-171450">
+                <a:buFont typeface="Arial" panose="020B0604020202020204" pitchFamily="34" charset="0"/>
+                <a:buChar char="•"/>
+              </a:pPr>
+              <a:endParaRPr lang="ko-KR" altLang="en-US" sz="1000" dirty="0"/>
+            </a:p>
+          </p:txBody>
+        </p:sp>
+      </p:grpSp>
+      <p:grpSp>
+        <p:nvGrpSpPr>
+          <p:cNvPr id="100" name="그룹 99">
+            <a:extLst>
+              <a:ext uri="{FF2B5EF4-FFF2-40B4-BE49-F238E27FC236}">
+                <a16:creationId xmlns:a16="http://schemas.microsoft.com/office/drawing/2014/main" id="{41FC3909-4A11-51AE-D46E-3868302B939A}"/>
+              </a:ext>
+            </a:extLst>
+          </p:cNvPr>
+          <p:cNvGrpSpPr/>
+          <p:nvPr/>
+        </p:nvGrpSpPr>
+        <p:grpSpPr>
+          <a:xfrm>
+            <a:off x="4939851" y="2541796"/>
+            <a:ext cx="1432349" cy="1588749"/>
+            <a:chOff x="366310" y="1260000"/>
+            <a:chExt cx="1432349" cy="1588749"/>
+          </a:xfrm>
+        </p:grpSpPr>
+        <p:sp>
+          <p:nvSpPr>
+            <p:cNvPr id="101" name="모서리가 둥근 직사각형 13">
+              <a:extLst>
+                <a:ext uri="{FF2B5EF4-FFF2-40B4-BE49-F238E27FC236}">
+                  <a16:creationId xmlns:a16="http://schemas.microsoft.com/office/drawing/2014/main" id="{FCE40C40-1167-AB3D-37BB-C09D9CFC4CAE}"/>
+                </a:ext>
+              </a:extLst>
+            </p:cNvPr>
+            <p:cNvSpPr/>
+            <p:nvPr/>
+          </p:nvSpPr>
+          <p:spPr>
+            <a:xfrm>
+              <a:off x="366310" y="1260000"/>
+              <a:ext cx="1397377" cy="1458820"/>
+            </a:xfrm>
+            <a:prstGeom prst="roundRect">
+              <a:avLst>
+                <a:gd name="adj" fmla="val 6442"/>
+              </a:avLst>
+            </a:prstGeom>
+            <a:solidFill>
+              <a:schemeClr val="bg1">
+                <a:lumMod val="95000"/>
+              </a:schemeClr>
+            </a:solidFill>
+            <a:ln>
+              <a:noFill/>
+            </a:ln>
+            <a:effectLst>
+              <a:outerShdw blurRad="50800" dist="12700" dir="2700000" algn="tl" rotWithShape="0">
+                <a:prstClr val="black">
+                  <a:alpha val="40000"/>
+                </a:prstClr>
+              </a:outerShdw>
+            </a:effectLst>
+          </p:spPr>
+          <p:style>
+            <a:lnRef idx="2">
+              <a:schemeClr val="accent1">
+                <a:shade val="50000"/>
+              </a:schemeClr>
+            </a:lnRef>
+            <a:fillRef idx="1">
+              <a:schemeClr val="accent1"/>
+            </a:fillRef>
+            <a:effectRef idx="0">
+              <a:schemeClr val="accent1"/>
+            </a:effectRef>
+            <a:fontRef idx="minor">
+              <a:schemeClr val="lt1"/>
+            </a:fontRef>
+          </p:style>
+          <p:txBody>
+            <a:bodyPr rtlCol="0" anchor="ctr"/>
+            <a:lstStyle/>
+            <a:p>
+              <a:pPr algn="ctr"/>
+              <a:endParaRPr lang="ko-KR" altLang="en-US" sz="1400" dirty="0"/>
+            </a:p>
+          </p:txBody>
+        </p:sp>
+        <p:sp>
+          <p:nvSpPr>
+            <p:cNvPr id="102" name="모서리가 둥근 직사각형 12">
+              <a:extLst>
+                <a:ext uri="{FF2B5EF4-FFF2-40B4-BE49-F238E27FC236}">
+                  <a16:creationId xmlns:a16="http://schemas.microsoft.com/office/drawing/2014/main" id="{DAD86850-B816-AF96-F9C7-065599FA275B}"/>
+                </a:ext>
+              </a:extLst>
+            </p:cNvPr>
+            <p:cNvSpPr/>
+            <p:nvPr/>
+          </p:nvSpPr>
+          <p:spPr>
+            <a:xfrm>
+              <a:off x="417087" y="1329364"/>
+              <a:ext cx="1295822" cy="685081"/>
+            </a:xfrm>
+            <a:prstGeom prst="roundRect">
+              <a:avLst>
+                <a:gd name="adj" fmla="val 8325"/>
+              </a:avLst>
+            </a:prstGeom>
+            <a:solidFill>
+              <a:schemeClr val="bg1">
+                <a:lumMod val="75000"/>
+              </a:schemeClr>
+            </a:solidFill>
+            <a:ln>
+              <a:noFill/>
+            </a:ln>
+          </p:spPr>
+          <p:style>
+            <a:lnRef idx="2">
+              <a:schemeClr val="accent1">
+                <a:shade val="50000"/>
+              </a:schemeClr>
+            </a:lnRef>
+            <a:fillRef idx="1">
+              <a:schemeClr val="accent1"/>
+            </a:fillRef>
+            <a:effectRef idx="0">
+              <a:schemeClr val="accent1"/>
+            </a:effectRef>
+            <a:fontRef idx="minor">
+              <a:schemeClr val="lt1"/>
+            </a:fontRef>
+          </p:style>
+          <p:txBody>
+            <a:bodyPr rtlCol="0" anchor="ctr"/>
+            <a:lstStyle/>
+            <a:p>
+              <a:pPr algn="ctr"/>
+              <a:r>
+                <a:rPr lang="ko-KR" altLang="en-US" sz="1400" dirty="0"/>
+                <a:t>동물 사진</a:t>
+              </a:r>
+            </a:p>
+          </p:txBody>
+        </p:sp>
+        <p:sp>
+          <p:nvSpPr>
+            <p:cNvPr id="103" name="TextBox 102">
+              <a:extLst>
+                <a:ext uri="{FF2B5EF4-FFF2-40B4-BE49-F238E27FC236}">
+                  <a16:creationId xmlns:a16="http://schemas.microsoft.com/office/drawing/2014/main" id="{7EF2FAA9-8A3A-8D4E-850F-C70412690964}"/>
+                </a:ext>
+              </a:extLst>
+            </p:cNvPr>
+            <p:cNvSpPr txBox="1"/>
+            <p:nvPr/>
+          </p:nvSpPr>
+          <p:spPr>
+            <a:xfrm>
+              <a:off x="401282" y="2077294"/>
+              <a:ext cx="1311627" cy="276999"/>
+            </a:xfrm>
+            <a:prstGeom prst="rect">
+              <a:avLst/>
+            </a:prstGeom>
+            <a:noFill/>
+          </p:spPr>
+          <p:txBody>
+            <a:bodyPr wrap="square" rtlCol="0">
+              <a:spAutoFit/>
+            </a:bodyPr>
+            <a:lstStyle/>
+            <a:p>
+              <a:pPr algn="ctr"/>
+              <a:r>
+                <a:rPr lang="ko-KR" altLang="en-US" sz="1200" b="1" dirty="0"/>
+                <a:t>이름</a:t>
+              </a:r>
+            </a:p>
+          </p:txBody>
+        </p:sp>
+        <p:sp>
+          <p:nvSpPr>
+            <p:cNvPr id="104" name="TextBox 103">
+              <a:extLst>
+                <a:ext uri="{FF2B5EF4-FFF2-40B4-BE49-F238E27FC236}">
+                  <a16:creationId xmlns:a16="http://schemas.microsoft.com/office/drawing/2014/main" id="{A57B4783-B10A-9AF1-C9E9-E357547292D8}"/>
+                </a:ext>
+              </a:extLst>
+            </p:cNvPr>
+            <p:cNvSpPr txBox="1"/>
+            <p:nvPr/>
+          </p:nvSpPr>
+          <p:spPr>
+            <a:xfrm>
+              <a:off x="401282" y="2294751"/>
+              <a:ext cx="1397377" cy="553998"/>
+            </a:xfrm>
+            <a:prstGeom prst="rect">
+              <a:avLst/>
+            </a:prstGeom>
+            <a:noFill/>
+          </p:spPr>
+          <p:txBody>
+            <a:bodyPr wrap="square" rtlCol="0">
+              <a:spAutoFit/>
+            </a:bodyPr>
+            <a:lstStyle/>
+            <a:p>
+              <a:r>
+                <a:rPr lang="ko-KR" altLang="en-US" sz="1000" dirty="0"/>
+                <a:t>품종</a:t>
+              </a:r>
+              <a:endParaRPr lang="en-US" altLang="ko-KR" sz="1000" dirty="0"/>
+            </a:p>
+            <a:p>
+              <a:r>
+                <a:rPr lang="ko-KR" altLang="en-US" sz="1000" dirty="0"/>
+                <a:t>나이 </a:t>
+              </a:r>
+              <a:r>
+                <a:rPr lang="en-US" altLang="ko-KR" sz="1000" dirty="0"/>
+                <a:t>/ </a:t>
+              </a:r>
+              <a:r>
+                <a:rPr lang="ko-KR" altLang="en-US" sz="1000" dirty="0"/>
+                <a:t>성별 </a:t>
+              </a:r>
+              <a:r>
+                <a:rPr lang="en-US" altLang="ko-KR" sz="1000" dirty="0"/>
+                <a:t>/ </a:t>
+              </a:r>
+              <a:r>
+                <a:rPr lang="ko-KR" altLang="en-US" sz="1000" dirty="0"/>
+                <a:t>몸무게 </a:t>
+              </a:r>
+              <a:endParaRPr lang="en-US" altLang="ko-KR" sz="1000" dirty="0"/>
+            </a:p>
+            <a:p>
+              <a:pPr marL="171450" indent="-171450">
+                <a:buFont typeface="Arial" panose="020B0604020202020204" pitchFamily="34" charset="0"/>
+                <a:buChar char="•"/>
+              </a:pPr>
+              <a:endParaRPr lang="ko-KR" altLang="en-US" sz="1000" dirty="0"/>
+            </a:p>
+          </p:txBody>
+        </p:sp>
+      </p:grpSp>
+      <p:sp>
+        <p:nvSpPr>
+          <p:cNvPr id="125" name="부제목 2">
+            <a:extLst>
+              <a:ext uri="{FF2B5EF4-FFF2-40B4-BE49-F238E27FC236}">
+                <a16:creationId xmlns:a16="http://schemas.microsoft.com/office/drawing/2014/main" id="{FC7C27F7-EF80-3561-2920-5AB853C5D325}"/>
+              </a:ext>
+            </a:extLst>
+          </p:cNvPr>
+          <p:cNvSpPr txBox="1">
+            <a:spLocks/>
+          </p:cNvSpPr>
+          <p:nvPr/>
+        </p:nvSpPr>
+        <p:spPr>
+          <a:xfrm>
+            <a:off x="697684" y="3948760"/>
+            <a:ext cx="5220951" cy="553997"/>
+          </a:xfrm>
+          <a:prstGeom prst="rect">
+            <a:avLst/>
+          </a:prstGeom>
+        </p:spPr>
+        <p:txBody>
+          <a:bodyPr vert="horz" lIns="91440" tIns="45720" rIns="91440" bIns="45720" rtlCol="0">
+            <a:noAutofit/>
+          </a:bodyPr>
+          <a:lstStyle>
+            <a:lvl1pPr marL="0" indent="0" algn="ctr" defTabSz="914400" rtl="0" eaLnBrk="1" latinLnBrk="1" hangingPunct="1">
+              <a:lnSpc>
+                <a:spcPct val="90000"/>
+              </a:lnSpc>
+              <a:spcBef>
+                <a:spcPts val="1000"/>
+              </a:spcBef>
+              <a:buFont typeface="Arial" panose="020B0604020202020204" pitchFamily="34" charset="0"/>
+              <a:buNone/>
+              <a:defRPr sz="2400" kern="1200">
+                <a:solidFill>
+                  <a:schemeClr val="tx1"/>
+                </a:solidFill>
+                <a:latin typeface="+mn-lt"/>
+                <a:ea typeface="+mn-ea"/>
+                <a:cs typeface="+mn-cs"/>
+              </a:defRPr>
+            </a:lvl1pPr>
+            <a:lvl2pPr marL="457200" indent="0" algn="ctr" defTabSz="914400" rtl="0" eaLnBrk="1" latinLnBrk="1" hangingPunct="1">
+              <a:lnSpc>
+                <a:spcPct val="90000"/>
+              </a:lnSpc>
+              <a:spcBef>
+                <a:spcPts val="500"/>
+              </a:spcBef>
+              <a:buFont typeface="Arial" panose="020B0604020202020204" pitchFamily="34" charset="0"/>
+              <a:buNone/>
+              <a:defRPr sz="2000" kern="1200">
+                <a:solidFill>
+                  <a:schemeClr val="tx1"/>
+                </a:solidFill>
+                <a:latin typeface="+mn-lt"/>
+                <a:ea typeface="+mn-ea"/>
+                <a:cs typeface="+mn-cs"/>
+              </a:defRPr>
+            </a:lvl2pPr>
+            <a:lvl3pPr marL="914400" indent="0" algn="ctr" defTabSz="914400" rtl="0" eaLnBrk="1" latinLnBrk="1" hangingPunct="1">
+              <a:lnSpc>
+                <a:spcPct val="90000"/>
+              </a:lnSpc>
+              <a:spcBef>
+                <a:spcPts val="500"/>
+              </a:spcBef>
+              <a:buFont typeface="Arial" panose="020B0604020202020204" pitchFamily="34" charset="0"/>
+              <a:buNone/>
+              <a:defRPr sz="1800" kern="1200">
+                <a:solidFill>
+                  <a:schemeClr val="tx1"/>
+                </a:solidFill>
+                <a:latin typeface="+mn-lt"/>
+                <a:ea typeface="+mn-ea"/>
+                <a:cs typeface="+mn-cs"/>
+              </a:defRPr>
+            </a:lvl3pPr>
+            <a:lvl4pPr marL="1371600" indent="0" algn="ctr" defTabSz="914400" rtl="0" eaLnBrk="1" latinLnBrk="1" hangingPunct="1">
+              <a:lnSpc>
+                <a:spcPct val="90000"/>
+              </a:lnSpc>
+              <a:spcBef>
+                <a:spcPts val="500"/>
+              </a:spcBef>
+              <a:buFont typeface="Arial" panose="020B0604020202020204" pitchFamily="34" charset="0"/>
+              <a:buNone/>
+              <a:defRPr sz="1600" kern="1200">
+                <a:solidFill>
+                  <a:schemeClr val="tx1"/>
+                </a:solidFill>
+                <a:latin typeface="+mn-lt"/>
+                <a:ea typeface="+mn-ea"/>
+                <a:cs typeface="+mn-cs"/>
+              </a:defRPr>
+            </a:lvl4pPr>
+            <a:lvl5pPr marL="1828800" indent="0" algn="ctr" defTabSz="914400" rtl="0" eaLnBrk="1" latinLnBrk="1" hangingPunct="1">
+              <a:lnSpc>
+                <a:spcPct val="90000"/>
+              </a:lnSpc>
+              <a:spcBef>
+                <a:spcPts val="500"/>
+              </a:spcBef>
+              <a:buFont typeface="Arial" panose="020B0604020202020204" pitchFamily="34" charset="0"/>
+              <a:buNone/>
+              <a:defRPr sz="1600" kern="1200">
+                <a:solidFill>
+                  <a:schemeClr val="tx1"/>
+                </a:solidFill>
+                <a:latin typeface="+mn-lt"/>
+                <a:ea typeface="+mn-ea"/>
+                <a:cs typeface="+mn-cs"/>
+              </a:defRPr>
+            </a:lvl5pPr>
+            <a:lvl6pPr marL="2286000" indent="0" algn="ctr" defTabSz="914400" rtl="0" eaLnBrk="1" latinLnBrk="1" hangingPunct="1">
+              <a:lnSpc>
+                <a:spcPct val="90000"/>
+              </a:lnSpc>
+              <a:spcBef>
+                <a:spcPts val="500"/>
+              </a:spcBef>
+              <a:buFont typeface="Arial" panose="020B0604020202020204" pitchFamily="34" charset="0"/>
+              <a:buNone/>
+              <a:defRPr sz="1600" kern="1200">
+                <a:solidFill>
+                  <a:schemeClr val="tx1"/>
+                </a:solidFill>
+                <a:latin typeface="+mn-lt"/>
+                <a:ea typeface="+mn-ea"/>
+                <a:cs typeface="+mn-cs"/>
+              </a:defRPr>
+            </a:lvl6pPr>
+            <a:lvl7pPr marL="2743200" indent="0" algn="ctr" defTabSz="914400" rtl="0" eaLnBrk="1" latinLnBrk="1" hangingPunct="1">
+              <a:lnSpc>
+                <a:spcPct val="90000"/>
+              </a:lnSpc>
+              <a:spcBef>
+                <a:spcPts val="500"/>
+              </a:spcBef>
+              <a:buFont typeface="Arial" panose="020B0604020202020204" pitchFamily="34" charset="0"/>
+              <a:buNone/>
+              <a:defRPr sz="1600" kern="1200">
+                <a:solidFill>
+                  <a:schemeClr val="tx1"/>
+                </a:solidFill>
+                <a:latin typeface="+mn-lt"/>
+                <a:ea typeface="+mn-ea"/>
+                <a:cs typeface="+mn-cs"/>
+              </a:defRPr>
+            </a:lvl7pPr>
+            <a:lvl8pPr marL="3200400" indent="0" algn="ctr" defTabSz="914400" rtl="0" eaLnBrk="1" latinLnBrk="1" hangingPunct="1">
+              <a:lnSpc>
+                <a:spcPct val="90000"/>
+              </a:lnSpc>
+              <a:spcBef>
+                <a:spcPts val="500"/>
+              </a:spcBef>
+              <a:buFont typeface="Arial" panose="020B0604020202020204" pitchFamily="34" charset="0"/>
+              <a:buNone/>
+              <a:defRPr sz="1600" kern="1200">
+                <a:solidFill>
+                  <a:schemeClr val="tx1"/>
+                </a:solidFill>
+                <a:latin typeface="+mn-lt"/>
+                <a:ea typeface="+mn-ea"/>
+                <a:cs typeface="+mn-cs"/>
+              </a:defRPr>
+            </a:lvl8pPr>
+            <a:lvl9pPr marL="3657600" indent="0" algn="ctr" defTabSz="914400" rtl="0" eaLnBrk="1" latinLnBrk="1" hangingPunct="1">
+              <a:lnSpc>
+                <a:spcPct val="90000"/>
+              </a:lnSpc>
+              <a:spcBef>
+                <a:spcPts val="500"/>
+              </a:spcBef>
+              <a:buFont typeface="Arial" panose="020B0604020202020204" pitchFamily="34" charset="0"/>
+              <a:buNone/>
+              <a:defRPr sz="1600" kern="1200">
+                <a:solidFill>
+                  <a:schemeClr val="tx1"/>
+                </a:solidFill>
+                <a:latin typeface="+mn-lt"/>
+                <a:ea typeface="+mn-ea"/>
+                <a:cs typeface="+mn-cs"/>
+              </a:defRPr>
+            </a:lvl9pPr>
+          </a:lstStyle>
+          <a:p>
+            <a:r>
+              <a:rPr lang="en-US" altLang="ko-KR" sz="1800" b="1" dirty="0"/>
+              <a:t>.</a:t>
+            </a:r>
+          </a:p>
+          <a:p>
+            <a:r>
+              <a:rPr lang="en-US" altLang="ko-KR" sz="1800" b="1" dirty="0"/>
+              <a:t>.</a:t>
+            </a:r>
+          </a:p>
+          <a:p>
+            <a:endParaRPr lang="en-US" altLang="ko-KR" sz="1800" b="1" dirty="0"/>
+          </a:p>
+        </p:txBody>
+      </p:sp>
+      <p:sp>
+        <p:nvSpPr>
+          <p:cNvPr id="126" name="부제목 2">
+            <a:extLst>
+              <a:ext uri="{FF2B5EF4-FFF2-40B4-BE49-F238E27FC236}">
+                <a16:creationId xmlns:a16="http://schemas.microsoft.com/office/drawing/2014/main" id="{66F4CD79-C69C-0DFD-614D-BDF5D50DFBD7}"/>
+              </a:ext>
+            </a:extLst>
+          </p:cNvPr>
+          <p:cNvSpPr txBox="1">
+            <a:spLocks/>
+          </p:cNvSpPr>
+          <p:nvPr/>
+        </p:nvSpPr>
+        <p:spPr>
+          <a:xfrm>
+            <a:off x="251519" y="4673158"/>
+            <a:ext cx="5220951" cy="231191"/>
+          </a:xfrm>
+          <a:prstGeom prst="rect">
+            <a:avLst/>
+          </a:prstGeom>
+        </p:spPr>
+        <p:txBody>
+          <a:bodyPr vert="horz" lIns="91440" tIns="45720" rIns="91440" bIns="45720" rtlCol="0">
+            <a:normAutofit fontScale="92500" lnSpcReduction="10000"/>
+          </a:bodyPr>
+          <a:lstStyle>
+            <a:lvl1pPr marL="0" indent="0" algn="ctr" defTabSz="914400" rtl="0" eaLnBrk="1" latinLnBrk="1" hangingPunct="1">
+              <a:lnSpc>
+                <a:spcPct val="90000"/>
+              </a:lnSpc>
+              <a:spcBef>
+                <a:spcPts val="1000"/>
+              </a:spcBef>
+              <a:buFont typeface="Arial" panose="020B0604020202020204" pitchFamily="34" charset="0"/>
+              <a:buNone/>
+              <a:defRPr sz="2400" kern="1200">
+                <a:solidFill>
+                  <a:schemeClr val="tx1"/>
+                </a:solidFill>
+                <a:latin typeface="+mn-lt"/>
+                <a:ea typeface="+mn-ea"/>
+                <a:cs typeface="+mn-cs"/>
+              </a:defRPr>
+            </a:lvl1pPr>
+            <a:lvl2pPr marL="457200" indent="0" algn="ctr" defTabSz="914400" rtl="0" eaLnBrk="1" latinLnBrk="1" hangingPunct="1">
+              <a:lnSpc>
+                <a:spcPct val="90000"/>
+              </a:lnSpc>
+              <a:spcBef>
+                <a:spcPts val="500"/>
+              </a:spcBef>
+              <a:buFont typeface="Arial" panose="020B0604020202020204" pitchFamily="34" charset="0"/>
+              <a:buNone/>
+              <a:defRPr sz="2000" kern="1200">
+                <a:solidFill>
+                  <a:schemeClr val="tx1"/>
+                </a:solidFill>
+                <a:latin typeface="+mn-lt"/>
+                <a:ea typeface="+mn-ea"/>
+                <a:cs typeface="+mn-cs"/>
+              </a:defRPr>
+            </a:lvl2pPr>
+            <a:lvl3pPr marL="914400" indent="0" algn="ctr" defTabSz="914400" rtl="0" eaLnBrk="1" latinLnBrk="1" hangingPunct="1">
+              <a:lnSpc>
+                <a:spcPct val="90000"/>
+              </a:lnSpc>
+              <a:spcBef>
+                <a:spcPts val="500"/>
+              </a:spcBef>
+              <a:buFont typeface="Arial" panose="020B0604020202020204" pitchFamily="34" charset="0"/>
+              <a:buNone/>
+              <a:defRPr sz="1800" kern="1200">
+                <a:solidFill>
+                  <a:schemeClr val="tx1"/>
+                </a:solidFill>
+                <a:latin typeface="+mn-lt"/>
+                <a:ea typeface="+mn-ea"/>
+                <a:cs typeface="+mn-cs"/>
+              </a:defRPr>
+            </a:lvl3pPr>
+            <a:lvl4pPr marL="1371600" indent="0" algn="ctr" defTabSz="914400" rtl="0" eaLnBrk="1" latinLnBrk="1" hangingPunct="1">
+              <a:lnSpc>
+                <a:spcPct val="90000"/>
+              </a:lnSpc>
+              <a:spcBef>
+                <a:spcPts val="500"/>
+              </a:spcBef>
+              <a:buFont typeface="Arial" panose="020B0604020202020204" pitchFamily="34" charset="0"/>
+              <a:buNone/>
+              <a:defRPr sz="1600" kern="1200">
+                <a:solidFill>
+                  <a:schemeClr val="tx1"/>
+                </a:solidFill>
+                <a:latin typeface="+mn-lt"/>
+                <a:ea typeface="+mn-ea"/>
+                <a:cs typeface="+mn-cs"/>
+              </a:defRPr>
+            </a:lvl4pPr>
+            <a:lvl5pPr marL="1828800" indent="0" algn="ctr" defTabSz="914400" rtl="0" eaLnBrk="1" latinLnBrk="1" hangingPunct="1">
+              <a:lnSpc>
+                <a:spcPct val="90000"/>
+              </a:lnSpc>
+              <a:spcBef>
+                <a:spcPts val="500"/>
+              </a:spcBef>
+              <a:buFont typeface="Arial" panose="020B0604020202020204" pitchFamily="34" charset="0"/>
+              <a:buNone/>
+              <a:defRPr sz="1600" kern="1200">
+                <a:solidFill>
+                  <a:schemeClr val="tx1"/>
+                </a:solidFill>
+                <a:latin typeface="+mn-lt"/>
+                <a:ea typeface="+mn-ea"/>
+                <a:cs typeface="+mn-cs"/>
+              </a:defRPr>
+            </a:lvl5pPr>
+            <a:lvl6pPr marL="2286000" indent="0" algn="ctr" defTabSz="914400" rtl="0" eaLnBrk="1" latinLnBrk="1" hangingPunct="1">
+              <a:lnSpc>
+                <a:spcPct val="90000"/>
+              </a:lnSpc>
+              <a:spcBef>
+                <a:spcPts val="500"/>
+              </a:spcBef>
+              <a:buFont typeface="Arial" panose="020B0604020202020204" pitchFamily="34" charset="0"/>
+              <a:buNone/>
+              <a:defRPr sz="1600" kern="1200">
+                <a:solidFill>
+                  <a:schemeClr val="tx1"/>
+                </a:solidFill>
+                <a:latin typeface="+mn-lt"/>
+                <a:ea typeface="+mn-ea"/>
+                <a:cs typeface="+mn-cs"/>
+              </a:defRPr>
+            </a:lvl6pPr>
+            <a:lvl7pPr marL="2743200" indent="0" algn="ctr" defTabSz="914400" rtl="0" eaLnBrk="1" latinLnBrk="1" hangingPunct="1">
+              <a:lnSpc>
+                <a:spcPct val="90000"/>
+              </a:lnSpc>
+              <a:spcBef>
+                <a:spcPts val="500"/>
+              </a:spcBef>
+              <a:buFont typeface="Arial" panose="020B0604020202020204" pitchFamily="34" charset="0"/>
+              <a:buNone/>
+              <a:defRPr sz="1600" kern="1200">
+                <a:solidFill>
+                  <a:schemeClr val="tx1"/>
+                </a:solidFill>
+                <a:latin typeface="+mn-lt"/>
+                <a:ea typeface="+mn-ea"/>
+                <a:cs typeface="+mn-cs"/>
+              </a:defRPr>
+            </a:lvl7pPr>
+            <a:lvl8pPr marL="3200400" indent="0" algn="ctr" defTabSz="914400" rtl="0" eaLnBrk="1" latinLnBrk="1" hangingPunct="1">
+              <a:lnSpc>
+                <a:spcPct val="90000"/>
+              </a:lnSpc>
+              <a:spcBef>
+                <a:spcPts val="500"/>
+              </a:spcBef>
+              <a:buFont typeface="Arial" panose="020B0604020202020204" pitchFamily="34" charset="0"/>
+              <a:buNone/>
+              <a:defRPr sz="1600" kern="1200">
+                <a:solidFill>
+                  <a:schemeClr val="tx1"/>
+                </a:solidFill>
+                <a:latin typeface="+mn-lt"/>
+                <a:ea typeface="+mn-ea"/>
+                <a:cs typeface="+mn-cs"/>
+              </a:defRPr>
+            </a:lvl8pPr>
+            <a:lvl9pPr marL="3657600" indent="0" algn="ctr" defTabSz="914400" rtl="0" eaLnBrk="1" latinLnBrk="1" hangingPunct="1">
+              <a:lnSpc>
+                <a:spcPct val="90000"/>
+              </a:lnSpc>
+              <a:spcBef>
+                <a:spcPts val="500"/>
+              </a:spcBef>
+              <a:buFont typeface="Arial" panose="020B0604020202020204" pitchFamily="34" charset="0"/>
+              <a:buNone/>
+              <a:defRPr sz="1600" kern="1200">
+                <a:solidFill>
+                  <a:schemeClr val="tx1"/>
+                </a:solidFill>
+                <a:latin typeface="+mn-lt"/>
+                <a:ea typeface="+mn-ea"/>
+                <a:cs typeface="+mn-cs"/>
+              </a:defRPr>
+            </a:lvl9pPr>
+          </a:lstStyle>
+          <a:p>
+            <a:pPr algn="l"/>
+            <a:r>
+              <a:rPr lang="ko-KR" altLang="en-US" sz="1200" b="1" dirty="0"/>
+              <a:t> </a:t>
+            </a:r>
+            <a:r>
+              <a:rPr lang="en-US" altLang="ko-KR" sz="1200" b="1" dirty="0"/>
+              <a:t>&lt;&lt;  &lt;  1 2 3 4  5    &gt;  &gt;&gt;</a:t>
+            </a:r>
+          </a:p>
+        </p:txBody>
+      </p:sp>
+    </p:spTree>
+    <p:extLst>
+      <p:ext uri="{BB962C8B-B14F-4D97-AF65-F5344CB8AC3E}">
+        <p14:creationId xmlns:p14="http://schemas.microsoft.com/office/powerpoint/2010/main" val="478540337"/>
+      </p:ext>
+    </p:extLst>
+  </p:cSld>
+  <p:clrMapOvr>
+    <a:masterClrMapping/>
+  </p:clrMapOvr>
+</p:sld>
+</file>
+
+<file path=ppt/slides/slide8.xml><?xml version="1.0" encoding="utf-8"?>
+<p:sld xmlns:a="http://schemas.openxmlformats.org/drawingml/2006/main" xmlns:r="http://schemas.openxmlformats.org/officeDocument/2006/relationships" xmlns:p="http://schemas.openxmlformats.org/presentationml/2006/main">
+  <p:cSld>
+    <p:spTree>
+      <p:nvGrpSpPr>
+        <p:cNvPr id="1" name=""/>
+        <p:cNvGrpSpPr/>
+        <p:nvPr/>
+      </p:nvGrpSpPr>
+      <p:grpSpPr>
+        <a:xfrm>
+          <a:off x="0" y="0"/>
+          <a:ext cx="0" cy="0"/>
+          <a:chOff x="0" y="0"/>
+          <a:chExt cx="0" cy="0"/>
+        </a:xfrm>
+      </p:grpSpPr>
+      <p:sp>
+        <p:nvSpPr>
+          <p:cNvPr id="2" name="텍스트 개체 틀 1">
+            <a:extLst>
+              <a:ext uri="{FF2B5EF4-FFF2-40B4-BE49-F238E27FC236}">
+                <a16:creationId xmlns:a16="http://schemas.microsoft.com/office/drawing/2014/main" id="{5A878F3E-7091-1DFC-457A-4FDBC4C14059}"/>
+              </a:ext>
+            </a:extLst>
+          </p:cNvPr>
+          <p:cNvSpPr>
+            <a:spLocks noGrp="1"/>
+          </p:cNvSpPr>
+          <p:nvPr>
+            <p:ph type="body" sz="quarter" idx="10"/>
+          </p:nvPr>
+        </p:nvSpPr>
+        <p:spPr/>
+        <p:txBody>
+          <a:bodyPr/>
+          <a:lstStyle/>
+          <a:p>
+            <a:r>
+              <a:rPr lang="ko-KR" altLang="en-US" dirty="0"/>
+              <a:t>입양의 리스트 페이지 참조 입니다</a:t>
+            </a:r>
+            <a:r>
+              <a:rPr lang="en-US" altLang="ko-KR" dirty="0"/>
+              <a:t>. </a:t>
+            </a:r>
+          </a:p>
+          <a:p>
+            <a:r>
+              <a:rPr lang="ko-KR" altLang="en-US"/>
+              <a:t>필터링 적용</a:t>
+            </a:r>
+            <a:endParaRPr lang="ko-KR" altLang="en-US" dirty="0"/>
+          </a:p>
+        </p:txBody>
+      </p:sp>
+      <p:sp>
+        <p:nvSpPr>
+          <p:cNvPr id="3" name="제목 2">
+            <a:extLst>
+              <a:ext uri="{FF2B5EF4-FFF2-40B4-BE49-F238E27FC236}">
+                <a16:creationId xmlns:a16="http://schemas.microsoft.com/office/drawing/2014/main" id="{941CFB71-A9C3-86E4-6143-3C84675403A1}"/>
+              </a:ext>
+            </a:extLst>
+          </p:cNvPr>
+          <p:cNvSpPr>
+            <a:spLocks noGrp="1"/>
+          </p:cNvSpPr>
+          <p:nvPr>
+            <p:ph type="title"/>
+          </p:nvPr>
+        </p:nvSpPr>
+        <p:spPr/>
+        <p:txBody>
+          <a:bodyPr/>
+          <a:lstStyle/>
+          <a:p>
+            <a:r>
+              <a:rPr lang="ko-KR" altLang="en-US" dirty="0"/>
+              <a:t>입양페이지의 상세페이지</a:t>
+            </a:r>
+          </a:p>
+        </p:txBody>
+      </p:sp>
+      <p:sp>
+        <p:nvSpPr>
+          <p:cNvPr id="4" name="텍스트 개체 틀 3">
+            <a:extLst>
+              <a:ext uri="{FF2B5EF4-FFF2-40B4-BE49-F238E27FC236}">
+                <a16:creationId xmlns:a16="http://schemas.microsoft.com/office/drawing/2014/main" id="{84D847BA-16F5-C33C-7CA5-C4AEB0C5AC82}"/>
+              </a:ext>
+            </a:extLst>
+          </p:cNvPr>
+          <p:cNvSpPr>
+            <a:spLocks noGrp="1"/>
+          </p:cNvSpPr>
+          <p:nvPr>
+            <p:ph type="body" sz="quarter" idx="11"/>
+          </p:nvPr>
+        </p:nvSpPr>
+        <p:spPr/>
+        <p:txBody>
+          <a:bodyPr/>
+          <a:lstStyle/>
+          <a:p>
+            <a:r>
+              <a:rPr lang="ko-KR" altLang="en-US" dirty="0"/>
+              <a:t>참고내용</a:t>
+            </a:r>
+          </a:p>
+        </p:txBody>
+      </p:sp>
+      <p:sp>
+        <p:nvSpPr>
+          <p:cNvPr id="5" name="부제목 2">
+            <a:extLst>
+              <a:ext uri="{FF2B5EF4-FFF2-40B4-BE49-F238E27FC236}">
+                <a16:creationId xmlns:a16="http://schemas.microsoft.com/office/drawing/2014/main" id="{0C9C27AA-5263-3C0D-E370-3E5FA36638E7}"/>
+              </a:ext>
+            </a:extLst>
+          </p:cNvPr>
+          <p:cNvSpPr txBox="1">
+            <a:spLocks/>
+          </p:cNvSpPr>
+          <p:nvPr/>
+        </p:nvSpPr>
+        <p:spPr>
+          <a:xfrm>
+            <a:off x="3203849" y="627534"/>
+            <a:ext cx="3456384" cy="2160239"/>
+          </a:xfrm>
+          <a:prstGeom prst="rect">
+            <a:avLst/>
+          </a:prstGeom>
+        </p:spPr>
+        <p:txBody>
+          <a:bodyPr vert="horz" lIns="91440" tIns="45720" rIns="91440" bIns="45720" rtlCol="0">
+            <a:normAutofit fontScale="92500" lnSpcReduction="10000"/>
+          </a:bodyPr>
+          <a:lstStyle>
+            <a:lvl1pPr marL="0" indent="0" algn="ctr" defTabSz="914400" rtl="0" eaLnBrk="1" latinLnBrk="1" hangingPunct="1">
+              <a:lnSpc>
+                <a:spcPct val="90000"/>
+              </a:lnSpc>
+              <a:spcBef>
+                <a:spcPts val="1000"/>
+              </a:spcBef>
+              <a:buFont typeface="Arial" panose="020B0604020202020204" pitchFamily="34" charset="0"/>
+              <a:buNone/>
+              <a:defRPr sz="2400" kern="1200">
+                <a:solidFill>
+                  <a:schemeClr val="tx1"/>
+                </a:solidFill>
+                <a:latin typeface="+mn-lt"/>
+                <a:ea typeface="+mn-ea"/>
+                <a:cs typeface="+mn-cs"/>
+              </a:defRPr>
+            </a:lvl1pPr>
+            <a:lvl2pPr marL="457200" indent="0" algn="ctr" defTabSz="914400" rtl="0" eaLnBrk="1" latinLnBrk="1" hangingPunct="1">
+              <a:lnSpc>
+                <a:spcPct val="90000"/>
+              </a:lnSpc>
+              <a:spcBef>
+                <a:spcPts val="500"/>
+              </a:spcBef>
+              <a:buFont typeface="Arial" panose="020B0604020202020204" pitchFamily="34" charset="0"/>
+              <a:buNone/>
+              <a:defRPr sz="2000" kern="1200">
+                <a:solidFill>
+                  <a:schemeClr val="tx1"/>
+                </a:solidFill>
+                <a:latin typeface="+mn-lt"/>
+                <a:ea typeface="+mn-ea"/>
+                <a:cs typeface="+mn-cs"/>
+              </a:defRPr>
+            </a:lvl2pPr>
+            <a:lvl3pPr marL="914400" indent="0" algn="ctr" defTabSz="914400" rtl="0" eaLnBrk="1" latinLnBrk="1" hangingPunct="1">
+              <a:lnSpc>
+                <a:spcPct val="90000"/>
+              </a:lnSpc>
+              <a:spcBef>
+                <a:spcPts val="500"/>
+              </a:spcBef>
+              <a:buFont typeface="Arial" panose="020B0604020202020204" pitchFamily="34" charset="0"/>
+              <a:buNone/>
+              <a:defRPr sz="1800" kern="1200">
+                <a:solidFill>
+                  <a:schemeClr val="tx1"/>
+                </a:solidFill>
+                <a:latin typeface="+mn-lt"/>
+                <a:ea typeface="+mn-ea"/>
+                <a:cs typeface="+mn-cs"/>
+              </a:defRPr>
+            </a:lvl3pPr>
+            <a:lvl4pPr marL="1371600" indent="0" algn="ctr" defTabSz="914400" rtl="0" eaLnBrk="1" latinLnBrk="1" hangingPunct="1">
+              <a:lnSpc>
+                <a:spcPct val="90000"/>
+              </a:lnSpc>
+              <a:spcBef>
+                <a:spcPts val="500"/>
+              </a:spcBef>
+              <a:buFont typeface="Arial" panose="020B0604020202020204" pitchFamily="34" charset="0"/>
+              <a:buNone/>
+              <a:defRPr sz="1600" kern="1200">
+                <a:solidFill>
+                  <a:schemeClr val="tx1"/>
+                </a:solidFill>
+                <a:latin typeface="+mn-lt"/>
+                <a:ea typeface="+mn-ea"/>
+                <a:cs typeface="+mn-cs"/>
+              </a:defRPr>
+            </a:lvl4pPr>
+            <a:lvl5pPr marL="1828800" indent="0" algn="ctr" defTabSz="914400" rtl="0" eaLnBrk="1" latinLnBrk="1" hangingPunct="1">
+              <a:lnSpc>
+                <a:spcPct val="90000"/>
+              </a:lnSpc>
+              <a:spcBef>
+                <a:spcPts val="500"/>
+              </a:spcBef>
+              <a:buFont typeface="Arial" panose="020B0604020202020204" pitchFamily="34" charset="0"/>
+              <a:buNone/>
+              <a:defRPr sz="1600" kern="1200">
+                <a:solidFill>
+                  <a:schemeClr val="tx1"/>
+                </a:solidFill>
+                <a:latin typeface="+mn-lt"/>
+                <a:ea typeface="+mn-ea"/>
+                <a:cs typeface="+mn-cs"/>
+              </a:defRPr>
+            </a:lvl5pPr>
+            <a:lvl6pPr marL="2286000" indent="0" algn="ctr" defTabSz="914400" rtl="0" eaLnBrk="1" latinLnBrk="1" hangingPunct="1">
+              <a:lnSpc>
+                <a:spcPct val="90000"/>
+              </a:lnSpc>
+              <a:spcBef>
+                <a:spcPts val="500"/>
+              </a:spcBef>
+              <a:buFont typeface="Arial" panose="020B0604020202020204" pitchFamily="34" charset="0"/>
+              <a:buNone/>
+              <a:defRPr sz="1600" kern="1200">
+                <a:solidFill>
+                  <a:schemeClr val="tx1"/>
+                </a:solidFill>
+                <a:latin typeface="+mn-lt"/>
+                <a:ea typeface="+mn-ea"/>
+                <a:cs typeface="+mn-cs"/>
+              </a:defRPr>
+            </a:lvl6pPr>
+            <a:lvl7pPr marL="2743200" indent="0" algn="ctr" defTabSz="914400" rtl="0" eaLnBrk="1" latinLnBrk="1" hangingPunct="1">
+              <a:lnSpc>
+                <a:spcPct val="90000"/>
+              </a:lnSpc>
+              <a:spcBef>
+                <a:spcPts val="500"/>
+              </a:spcBef>
+              <a:buFont typeface="Arial" panose="020B0604020202020204" pitchFamily="34" charset="0"/>
+              <a:buNone/>
+              <a:defRPr sz="1600" kern="1200">
+                <a:solidFill>
+                  <a:schemeClr val="tx1"/>
+                </a:solidFill>
+                <a:latin typeface="+mn-lt"/>
+                <a:ea typeface="+mn-ea"/>
+                <a:cs typeface="+mn-cs"/>
+              </a:defRPr>
+            </a:lvl7pPr>
+            <a:lvl8pPr marL="3200400" indent="0" algn="ctr" defTabSz="914400" rtl="0" eaLnBrk="1" latinLnBrk="1" hangingPunct="1">
+              <a:lnSpc>
+                <a:spcPct val="90000"/>
+              </a:lnSpc>
+              <a:spcBef>
+                <a:spcPts val="500"/>
+              </a:spcBef>
+              <a:buFont typeface="Arial" panose="020B0604020202020204" pitchFamily="34" charset="0"/>
+              <a:buNone/>
+              <a:defRPr sz="1600" kern="1200">
+                <a:solidFill>
+                  <a:schemeClr val="tx1"/>
+                </a:solidFill>
+                <a:latin typeface="+mn-lt"/>
+                <a:ea typeface="+mn-ea"/>
+                <a:cs typeface="+mn-cs"/>
+              </a:defRPr>
+            </a:lvl8pPr>
+            <a:lvl9pPr marL="3657600" indent="0" algn="ctr" defTabSz="914400" rtl="0" eaLnBrk="1" latinLnBrk="1" hangingPunct="1">
+              <a:lnSpc>
+                <a:spcPct val="90000"/>
+              </a:lnSpc>
+              <a:spcBef>
+                <a:spcPts val="500"/>
+              </a:spcBef>
+              <a:buFont typeface="Arial" panose="020B0604020202020204" pitchFamily="34" charset="0"/>
+              <a:buNone/>
+              <a:defRPr sz="1600" kern="1200">
+                <a:solidFill>
+                  <a:schemeClr val="tx1"/>
+                </a:solidFill>
+                <a:latin typeface="+mn-lt"/>
+                <a:ea typeface="+mn-ea"/>
+                <a:cs typeface="+mn-cs"/>
+              </a:defRPr>
+            </a:lvl9pPr>
+          </a:lstStyle>
+          <a:p>
+            <a:pPr algn="l"/>
+            <a:r>
+              <a:rPr lang="ko-KR" altLang="en-US" sz="1200" b="1" dirty="0"/>
+              <a:t>이름</a:t>
+            </a:r>
+          </a:p>
+          <a:p>
+            <a:pPr algn="l"/>
+            <a:r>
+              <a:rPr lang="ko-KR" altLang="en-US" sz="1200" b="1" dirty="0"/>
+              <a:t>품종</a:t>
+            </a:r>
+          </a:p>
+          <a:p>
+            <a:pPr algn="l"/>
+            <a:r>
+              <a:rPr lang="ko-KR" altLang="en-US" sz="1200" b="1" dirty="0"/>
+              <a:t>성별</a:t>
+            </a:r>
+          </a:p>
+          <a:p>
+            <a:pPr algn="l"/>
+            <a:r>
+              <a:rPr lang="ko-KR" altLang="en-US" sz="1200" b="1" dirty="0"/>
+              <a:t>몸무게</a:t>
+            </a:r>
+          </a:p>
+          <a:p>
+            <a:pPr algn="l"/>
+            <a:r>
+              <a:rPr lang="ko-KR" altLang="en-US" sz="1200" b="1" dirty="0"/>
+              <a:t>나이</a:t>
+            </a:r>
+          </a:p>
+          <a:p>
+            <a:pPr algn="l"/>
+            <a:r>
+              <a:rPr lang="ko-KR" altLang="en-US" sz="1200" b="1" dirty="0"/>
+              <a:t>상태</a:t>
+            </a:r>
+            <a:r>
+              <a:rPr lang="en-US" altLang="ko-KR" sz="1200" b="1" dirty="0"/>
+              <a:t>(</a:t>
+            </a:r>
+            <a:r>
+              <a:rPr lang="ko-KR" altLang="en-US" sz="1200" b="1" dirty="0"/>
+              <a:t>성격</a:t>
+            </a:r>
+            <a:r>
+              <a:rPr lang="en-US" altLang="ko-KR" sz="1200" b="1" dirty="0"/>
+              <a:t>, </a:t>
+            </a:r>
+            <a:r>
+              <a:rPr lang="ko-KR" altLang="en-US" sz="1200" b="1" dirty="0"/>
+              <a:t>중성화 수술 유무</a:t>
+            </a:r>
+            <a:r>
+              <a:rPr lang="en-US" altLang="ko-KR" sz="1200" b="1" dirty="0"/>
+              <a:t>, </a:t>
+            </a:r>
+            <a:r>
+              <a:rPr lang="ko-KR" altLang="en-US" sz="1200" b="1" dirty="0"/>
+              <a:t>특이사항</a:t>
+            </a:r>
+            <a:r>
+              <a:rPr lang="en-US" altLang="ko-KR" sz="1200" b="1" dirty="0"/>
+              <a:t>)</a:t>
+            </a:r>
+          </a:p>
+          <a:p>
+            <a:pPr algn="l"/>
+            <a:endParaRPr lang="en-US" altLang="ko-KR" sz="1200" b="1" dirty="0"/>
+          </a:p>
+          <a:p>
+            <a:pPr algn="l"/>
+            <a:r>
+              <a:rPr lang="ko-KR" altLang="en-US" sz="1200" b="1" dirty="0"/>
+              <a:t>보호 중인 보호소 위치</a:t>
+            </a:r>
+            <a:endParaRPr lang="en-US" altLang="ko-KR" sz="1200" b="1" dirty="0"/>
+          </a:p>
+        </p:txBody>
+      </p:sp>
+      <p:sp>
+        <p:nvSpPr>
+          <p:cNvPr id="6" name="모서리가 둥근 직사각형 19">
+            <a:extLst>
+              <a:ext uri="{FF2B5EF4-FFF2-40B4-BE49-F238E27FC236}">
+                <a16:creationId xmlns:a16="http://schemas.microsoft.com/office/drawing/2014/main" id="{C48E4300-CE28-35DF-D0B0-D02C4D1AD38C}"/>
+              </a:ext>
+            </a:extLst>
+          </p:cNvPr>
+          <p:cNvSpPr/>
+          <p:nvPr/>
+        </p:nvSpPr>
+        <p:spPr>
+          <a:xfrm>
+            <a:off x="381050" y="555526"/>
+            <a:ext cx="2304256" cy="2664296"/>
+          </a:xfrm>
+          <a:prstGeom prst="roundRect">
+            <a:avLst>
+              <a:gd name="adj" fmla="val 7056"/>
+            </a:avLst>
+          </a:prstGeom>
+          <a:solidFill>
+            <a:schemeClr val="bg1">
+              <a:lumMod val="75000"/>
+            </a:schemeClr>
+          </a:solidFill>
+          <a:ln>
+            <a:noFill/>
+          </a:ln>
+        </p:spPr>
+        <p:style>
+          <a:lnRef idx="2">
+            <a:schemeClr val="accent1">
+              <a:shade val="50000"/>
+            </a:schemeClr>
+          </a:lnRef>
+          <a:fillRef idx="1">
+            <a:schemeClr val="accent1"/>
+          </a:fillRef>
+          <a:effectRef idx="0">
+            <a:schemeClr val="accent1"/>
+          </a:effectRef>
+          <a:fontRef idx="minor">
+            <a:schemeClr val="lt1"/>
+          </a:fontRef>
+        </p:style>
+        <p:txBody>
+          <a:bodyPr rtlCol="0" anchor="ctr"/>
+          <a:lstStyle/>
+          <a:p>
+            <a:pPr algn="ctr"/>
+            <a:r>
+              <a:rPr lang="ko-KR" altLang="en-US" sz="4000" dirty="0"/>
+              <a:t>동물 사진</a:t>
+            </a:r>
+          </a:p>
+        </p:txBody>
+      </p:sp>
+      <p:sp>
+        <p:nvSpPr>
+          <p:cNvPr id="8" name="부제목 2">
+            <a:extLst>
+              <a:ext uri="{FF2B5EF4-FFF2-40B4-BE49-F238E27FC236}">
+                <a16:creationId xmlns:a16="http://schemas.microsoft.com/office/drawing/2014/main" id="{7CF6F26F-6551-3FDC-64C9-0A3307624080}"/>
+              </a:ext>
+            </a:extLst>
+          </p:cNvPr>
+          <p:cNvSpPr txBox="1">
+            <a:spLocks/>
+          </p:cNvSpPr>
+          <p:nvPr/>
+        </p:nvSpPr>
+        <p:spPr>
+          <a:xfrm>
+            <a:off x="384964" y="3475162"/>
+            <a:ext cx="5637769" cy="735739"/>
+          </a:xfrm>
+          <a:prstGeom prst="rect">
+            <a:avLst/>
+          </a:prstGeom>
+        </p:spPr>
+        <p:txBody>
+          <a:bodyPr vert="horz" lIns="91440" tIns="45720" rIns="91440" bIns="45720" rtlCol="0">
+            <a:normAutofit/>
+          </a:bodyPr>
+          <a:lstStyle>
+            <a:lvl1pPr marL="0" indent="0" algn="ctr" defTabSz="914400" rtl="0" eaLnBrk="1" latinLnBrk="1" hangingPunct="1">
+              <a:lnSpc>
+                <a:spcPct val="90000"/>
+              </a:lnSpc>
+              <a:spcBef>
+                <a:spcPts val="1000"/>
+              </a:spcBef>
+              <a:buFont typeface="Arial" panose="020B0604020202020204" pitchFamily="34" charset="0"/>
+              <a:buNone/>
+              <a:defRPr sz="2400" kern="1200">
+                <a:solidFill>
+                  <a:schemeClr val="tx1"/>
+                </a:solidFill>
+                <a:latin typeface="+mn-lt"/>
+                <a:ea typeface="+mn-ea"/>
+                <a:cs typeface="+mn-cs"/>
+              </a:defRPr>
+            </a:lvl1pPr>
+            <a:lvl2pPr marL="457200" indent="0" algn="ctr" defTabSz="914400" rtl="0" eaLnBrk="1" latinLnBrk="1" hangingPunct="1">
+              <a:lnSpc>
+                <a:spcPct val="90000"/>
+              </a:lnSpc>
+              <a:spcBef>
+                <a:spcPts val="500"/>
+              </a:spcBef>
+              <a:buFont typeface="Arial" panose="020B0604020202020204" pitchFamily="34" charset="0"/>
+              <a:buNone/>
+              <a:defRPr sz="2000" kern="1200">
+                <a:solidFill>
+                  <a:schemeClr val="tx1"/>
+                </a:solidFill>
+                <a:latin typeface="+mn-lt"/>
+                <a:ea typeface="+mn-ea"/>
+                <a:cs typeface="+mn-cs"/>
+              </a:defRPr>
+            </a:lvl2pPr>
+            <a:lvl3pPr marL="914400" indent="0" algn="ctr" defTabSz="914400" rtl="0" eaLnBrk="1" latinLnBrk="1" hangingPunct="1">
+              <a:lnSpc>
+                <a:spcPct val="90000"/>
+              </a:lnSpc>
+              <a:spcBef>
+                <a:spcPts val="500"/>
+              </a:spcBef>
+              <a:buFont typeface="Arial" panose="020B0604020202020204" pitchFamily="34" charset="0"/>
+              <a:buNone/>
+              <a:defRPr sz="1800" kern="1200">
+                <a:solidFill>
+                  <a:schemeClr val="tx1"/>
+                </a:solidFill>
+                <a:latin typeface="+mn-lt"/>
+                <a:ea typeface="+mn-ea"/>
+                <a:cs typeface="+mn-cs"/>
+              </a:defRPr>
+            </a:lvl3pPr>
+            <a:lvl4pPr marL="1371600" indent="0" algn="ctr" defTabSz="914400" rtl="0" eaLnBrk="1" latinLnBrk="1" hangingPunct="1">
+              <a:lnSpc>
+                <a:spcPct val="90000"/>
+              </a:lnSpc>
+              <a:spcBef>
+                <a:spcPts val="500"/>
+              </a:spcBef>
+              <a:buFont typeface="Arial" panose="020B0604020202020204" pitchFamily="34" charset="0"/>
+              <a:buNone/>
+              <a:defRPr sz="1600" kern="1200">
+                <a:solidFill>
+                  <a:schemeClr val="tx1"/>
+                </a:solidFill>
+                <a:latin typeface="+mn-lt"/>
+                <a:ea typeface="+mn-ea"/>
+                <a:cs typeface="+mn-cs"/>
+              </a:defRPr>
+            </a:lvl4pPr>
+            <a:lvl5pPr marL="1828800" indent="0" algn="ctr" defTabSz="914400" rtl="0" eaLnBrk="1" latinLnBrk="1" hangingPunct="1">
+              <a:lnSpc>
+                <a:spcPct val="90000"/>
+              </a:lnSpc>
+              <a:spcBef>
+                <a:spcPts val="500"/>
+              </a:spcBef>
+              <a:buFont typeface="Arial" panose="020B0604020202020204" pitchFamily="34" charset="0"/>
+              <a:buNone/>
+              <a:defRPr sz="1600" kern="1200">
+                <a:solidFill>
+                  <a:schemeClr val="tx1"/>
+                </a:solidFill>
+                <a:latin typeface="+mn-lt"/>
+                <a:ea typeface="+mn-ea"/>
+                <a:cs typeface="+mn-cs"/>
+              </a:defRPr>
+            </a:lvl5pPr>
+            <a:lvl6pPr marL="2286000" indent="0" algn="ctr" defTabSz="914400" rtl="0" eaLnBrk="1" latinLnBrk="1" hangingPunct="1">
+              <a:lnSpc>
+                <a:spcPct val="90000"/>
+              </a:lnSpc>
+              <a:spcBef>
+                <a:spcPts val="500"/>
+              </a:spcBef>
+              <a:buFont typeface="Arial" panose="020B0604020202020204" pitchFamily="34" charset="0"/>
+              <a:buNone/>
+              <a:defRPr sz="1600" kern="1200">
+                <a:solidFill>
+                  <a:schemeClr val="tx1"/>
+                </a:solidFill>
+                <a:latin typeface="+mn-lt"/>
+                <a:ea typeface="+mn-ea"/>
+                <a:cs typeface="+mn-cs"/>
+              </a:defRPr>
+            </a:lvl6pPr>
+            <a:lvl7pPr marL="2743200" indent="0" algn="ctr" defTabSz="914400" rtl="0" eaLnBrk="1" latinLnBrk="1" hangingPunct="1">
+              <a:lnSpc>
+                <a:spcPct val="90000"/>
+              </a:lnSpc>
+              <a:spcBef>
+                <a:spcPts val="500"/>
+              </a:spcBef>
+              <a:buFont typeface="Arial" panose="020B0604020202020204" pitchFamily="34" charset="0"/>
+              <a:buNone/>
+              <a:defRPr sz="1600" kern="1200">
+                <a:solidFill>
+                  <a:schemeClr val="tx1"/>
+                </a:solidFill>
+                <a:latin typeface="+mn-lt"/>
+                <a:ea typeface="+mn-ea"/>
+                <a:cs typeface="+mn-cs"/>
+              </a:defRPr>
+            </a:lvl7pPr>
+            <a:lvl8pPr marL="3200400" indent="0" algn="ctr" defTabSz="914400" rtl="0" eaLnBrk="1" latinLnBrk="1" hangingPunct="1">
+              <a:lnSpc>
+                <a:spcPct val="90000"/>
+              </a:lnSpc>
+              <a:spcBef>
+                <a:spcPts val="500"/>
+              </a:spcBef>
+              <a:buFont typeface="Arial" panose="020B0604020202020204" pitchFamily="34" charset="0"/>
+              <a:buNone/>
+              <a:defRPr sz="1600" kern="1200">
+                <a:solidFill>
+                  <a:schemeClr val="tx1"/>
+                </a:solidFill>
+                <a:latin typeface="+mn-lt"/>
+                <a:ea typeface="+mn-ea"/>
+                <a:cs typeface="+mn-cs"/>
+              </a:defRPr>
+            </a:lvl8pPr>
+            <a:lvl9pPr marL="3657600" indent="0" algn="ctr" defTabSz="914400" rtl="0" eaLnBrk="1" latinLnBrk="1" hangingPunct="1">
+              <a:lnSpc>
+                <a:spcPct val="90000"/>
+              </a:lnSpc>
+              <a:spcBef>
+                <a:spcPts val="500"/>
+              </a:spcBef>
+              <a:buFont typeface="Arial" panose="020B0604020202020204" pitchFamily="34" charset="0"/>
+              <a:buNone/>
+              <a:defRPr sz="1600" kern="1200">
+                <a:solidFill>
+                  <a:schemeClr val="tx1"/>
+                </a:solidFill>
+                <a:latin typeface="+mn-lt"/>
+                <a:ea typeface="+mn-ea"/>
+                <a:cs typeface="+mn-cs"/>
+              </a:defRPr>
+            </a:lvl9pPr>
+          </a:lstStyle>
+          <a:p>
+            <a:pPr algn="l"/>
+            <a:r>
+              <a:rPr lang="ko-KR" altLang="en-US" sz="1200" b="1" dirty="0"/>
+              <a:t>상태</a:t>
+            </a:r>
+            <a:r>
+              <a:rPr lang="en-US" altLang="ko-KR" sz="1200" b="1" dirty="0"/>
+              <a:t>(</a:t>
+            </a:r>
+            <a:r>
+              <a:rPr lang="ko-KR" altLang="en-US" sz="1200" b="1" dirty="0"/>
+              <a:t>성격</a:t>
+            </a:r>
+            <a:r>
+              <a:rPr lang="en-US" altLang="ko-KR" sz="1200" b="1" dirty="0"/>
+              <a:t>, </a:t>
+            </a:r>
+            <a:r>
+              <a:rPr lang="ko-KR" altLang="en-US" sz="1200" b="1" dirty="0"/>
+              <a:t>중성화 수술 유무</a:t>
+            </a:r>
+            <a:r>
+              <a:rPr lang="en-US" altLang="ko-KR" sz="1200" b="1" dirty="0"/>
+              <a:t>, </a:t>
+            </a:r>
+            <a:r>
+              <a:rPr lang="ko-KR" altLang="en-US" sz="1200" b="1" dirty="0"/>
+              <a:t>특이사항</a:t>
+            </a:r>
+            <a:r>
+              <a:rPr lang="en-US" altLang="ko-KR" sz="1200" b="1" dirty="0"/>
+              <a:t>)</a:t>
+            </a:r>
+          </a:p>
+          <a:p>
+            <a:pPr algn="l"/>
+            <a:r>
+              <a:rPr lang="ko-KR" altLang="en-US" sz="1200" b="1" dirty="0"/>
+              <a:t>보호 중인 보호소 위치</a:t>
+            </a:r>
+            <a:endParaRPr lang="en-US" altLang="ko-KR" sz="1200" b="1" dirty="0"/>
+          </a:p>
+        </p:txBody>
+      </p:sp>
+    </p:spTree>
+    <p:extLst>
+      <p:ext uri="{BB962C8B-B14F-4D97-AF65-F5344CB8AC3E}">
+        <p14:creationId xmlns:p14="http://schemas.microsoft.com/office/powerpoint/2010/main" val="2378996239"/>
       </p:ext>
     </p:extLst>
   </p:cSld>

--- a/기획문서/보보 (가칭)_v1.pptx
+++ b/기획문서/보보 (가칭)_v1.pptx
@@ -7,17 +7,19 @@
     <p:sldMasterId id="2147483678" r:id="rId3"/>
   </p:sldMasterIdLst>
   <p:notesMasterIdLst>
-    <p:notesMasterId r:id="rId12"/>
+    <p:notesMasterId r:id="rId14"/>
   </p:notesMasterIdLst>
   <p:sldIdLst>
     <p:sldId id="256" r:id="rId4"/>
     <p:sldId id="261" r:id="rId5"/>
-    <p:sldId id="263" r:id="rId6"/>
-    <p:sldId id="264" r:id="rId7"/>
-    <p:sldId id="265" r:id="rId8"/>
-    <p:sldId id="266" r:id="rId9"/>
-    <p:sldId id="267" r:id="rId10"/>
-    <p:sldId id="268" r:id="rId11"/>
+    <p:sldId id="270" r:id="rId6"/>
+    <p:sldId id="263" r:id="rId7"/>
+    <p:sldId id="264" r:id="rId8"/>
+    <p:sldId id="265" r:id="rId9"/>
+    <p:sldId id="266" r:id="rId10"/>
+    <p:sldId id="267" r:id="rId11"/>
+    <p:sldId id="268" r:id="rId12"/>
+    <p:sldId id="269" r:id="rId13"/>
   </p:sldIdLst>
   <p:sldSz cx="9144000" cy="5143500" type="screen16x9"/>
   <p:notesSz cx="6858000" cy="9144000"/>
@@ -218,7 +220,7 @@
             <a:fld id="{368C27B5-1C5B-4F09-A7C0-020D61B79805}" type="datetimeFigureOut">
               <a:rPr lang="ko-KR" altLang="en-US" smtClean="0"/>
               <a:pPr/>
-              <a:t>2023-11-21</a:t>
+              <a:t>2023-11-22</a:t>
             </a:fld>
             <a:endParaRPr lang="ko-KR" altLang="en-US"/>
           </a:p>
@@ -3864,6 +3866,1573 @@
 </p:sld>
 </file>
 
+<file path=ppt/slides/slide10.xml><?xml version="1.0" encoding="utf-8"?>
+<p:sld xmlns:a="http://schemas.openxmlformats.org/drawingml/2006/main" xmlns:r="http://schemas.openxmlformats.org/officeDocument/2006/relationships" xmlns:p="http://schemas.openxmlformats.org/presentationml/2006/main">
+  <p:cSld>
+    <p:spTree>
+      <p:nvGrpSpPr>
+        <p:cNvPr id="1" name=""/>
+        <p:cNvGrpSpPr/>
+        <p:nvPr/>
+      </p:nvGrpSpPr>
+      <p:grpSpPr>
+        <a:xfrm>
+          <a:off x="0" y="0"/>
+          <a:ext cx="0" cy="0"/>
+          <a:chOff x="0" y="0"/>
+          <a:chExt cx="0" cy="0"/>
+        </a:xfrm>
+      </p:grpSpPr>
+      <p:sp>
+        <p:nvSpPr>
+          <p:cNvPr id="2" name="텍스트 개체 틀 1">
+            <a:extLst>
+              <a:ext uri="{FF2B5EF4-FFF2-40B4-BE49-F238E27FC236}">
+                <a16:creationId xmlns:a16="http://schemas.microsoft.com/office/drawing/2014/main" id="{5A878F3E-7091-1DFC-457A-4FDBC4C14059}"/>
+              </a:ext>
+            </a:extLst>
+          </p:cNvPr>
+          <p:cNvSpPr>
+            <a:spLocks noGrp="1"/>
+          </p:cNvSpPr>
+          <p:nvPr>
+            <p:ph type="body" sz="quarter" idx="10"/>
+          </p:nvPr>
+        </p:nvSpPr>
+        <p:spPr/>
+        <p:txBody>
+          <a:bodyPr/>
+          <a:lstStyle/>
+          <a:p>
+            <a:r>
+              <a:rPr lang="ko-KR" altLang="en-US" dirty="0"/>
+              <a:t>상단 메뉴</a:t>
+            </a:r>
+            <a:r>
+              <a:rPr lang="en-US" altLang="ko-KR" dirty="0"/>
+              <a:t>, </a:t>
+            </a:r>
+            <a:r>
+              <a:rPr lang="ko-KR" altLang="en-US" dirty="0"/>
+              <a:t>하단</a:t>
+            </a:r>
+            <a:r>
+              <a:rPr lang="en-US" altLang="ko-KR" dirty="0"/>
+              <a:t>(copy) </a:t>
+            </a:r>
+            <a:r>
+              <a:rPr lang="ko-KR" altLang="en-US" dirty="0"/>
+              <a:t>배제</a:t>
+            </a:r>
+            <a:endParaRPr lang="en-US" altLang="ko-KR" dirty="0"/>
+          </a:p>
+          <a:p>
+            <a:r>
+              <a:rPr lang="ko-KR" altLang="en-US" dirty="0"/>
+              <a:t>화면에 표현되는 개수는 </a:t>
+            </a:r>
+            <a:br>
+              <a:rPr lang="en-US" altLang="ko-KR" dirty="0"/>
+            </a:br>
+            <a:r>
+              <a:rPr lang="en-US" altLang="ko-KR" dirty="0"/>
+              <a:t> 2 *</a:t>
+            </a:r>
+            <a:r>
+              <a:rPr lang="ko-KR" altLang="en-US" dirty="0"/>
+              <a:t> </a:t>
+            </a:r>
+            <a:r>
+              <a:rPr lang="en-US" altLang="ko-KR" dirty="0"/>
+              <a:t>6</a:t>
+            </a:r>
+            <a:r>
+              <a:rPr lang="ko-KR" altLang="en-US" dirty="0"/>
+              <a:t> </a:t>
+            </a:r>
+            <a:r>
+              <a:rPr lang="en-US" altLang="ko-KR" dirty="0"/>
+              <a:t>(</a:t>
+            </a:r>
+            <a:r>
+              <a:rPr lang="ko-KR" altLang="en-US" dirty="0"/>
+              <a:t>가로 </a:t>
+            </a:r>
+            <a:r>
+              <a:rPr lang="en-US" altLang="ko-KR" dirty="0"/>
+              <a:t>* </a:t>
+            </a:r>
+            <a:r>
+              <a:rPr lang="ko-KR" altLang="en-US" dirty="0"/>
+              <a:t>세로</a:t>
+            </a:r>
+            <a:r>
+              <a:rPr lang="en-US" altLang="ko-KR" dirty="0"/>
+              <a:t>) </a:t>
+            </a:r>
+          </a:p>
+          <a:p>
+            <a:r>
+              <a:rPr lang="ko-KR" altLang="en-US" dirty="0"/>
+              <a:t>종류</a:t>
+            </a:r>
+            <a:br>
+              <a:rPr lang="en-US" altLang="ko-KR" dirty="0"/>
+            </a:br>
+            <a:endParaRPr lang="en-US" altLang="ko-KR" dirty="0"/>
+          </a:p>
+          <a:p>
+            <a:r>
+              <a:rPr lang="ko-KR" altLang="en-US" dirty="0"/>
+              <a:t>각 이미지를 박스의 내용을 클릭하면</a:t>
+            </a:r>
+            <a:br>
+              <a:rPr lang="en-US" altLang="ko-KR" dirty="0"/>
+            </a:br>
+            <a:r>
+              <a:rPr lang="ko-KR" altLang="en-US" dirty="0"/>
+              <a:t>상세 페이지로 이동</a:t>
+            </a:r>
+            <a:endParaRPr lang="en-US" altLang="ko-KR" dirty="0"/>
+          </a:p>
+          <a:p>
+            <a:pPr marL="0" indent="0">
+              <a:buNone/>
+            </a:pPr>
+            <a:r>
+              <a:rPr lang="en-US" altLang="ko-KR" dirty="0"/>
+              <a:t> </a:t>
+            </a:r>
+          </a:p>
+          <a:p>
+            <a:endParaRPr lang="ko-KR" altLang="en-US" dirty="0"/>
+          </a:p>
+        </p:txBody>
+      </p:sp>
+      <p:sp>
+        <p:nvSpPr>
+          <p:cNvPr id="3" name="제목 2">
+            <a:extLst>
+              <a:ext uri="{FF2B5EF4-FFF2-40B4-BE49-F238E27FC236}">
+                <a16:creationId xmlns:a16="http://schemas.microsoft.com/office/drawing/2014/main" id="{941CFB71-A9C3-86E4-6143-3C84675403A1}"/>
+              </a:ext>
+            </a:extLst>
+          </p:cNvPr>
+          <p:cNvSpPr>
+            <a:spLocks noGrp="1"/>
+          </p:cNvSpPr>
+          <p:nvPr>
+            <p:ph type="title"/>
+          </p:nvPr>
+        </p:nvSpPr>
+        <p:spPr/>
+        <p:txBody>
+          <a:bodyPr/>
+          <a:lstStyle/>
+          <a:p>
+            <a:r>
+              <a:rPr lang="ko-KR" altLang="en-US" dirty="0"/>
+              <a:t>입양후기 리스트</a:t>
+            </a:r>
+          </a:p>
+        </p:txBody>
+      </p:sp>
+      <p:sp>
+        <p:nvSpPr>
+          <p:cNvPr id="4" name="텍스트 개체 틀 3">
+            <a:extLst>
+              <a:ext uri="{FF2B5EF4-FFF2-40B4-BE49-F238E27FC236}">
+                <a16:creationId xmlns:a16="http://schemas.microsoft.com/office/drawing/2014/main" id="{84D847BA-16F5-C33C-7CA5-C4AEB0C5AC82}"/>
+              </a:ext>
+            </a:extLst>
+          </p:cNvPr>
+          <p:cNvSpPr>
+            <a:spLocks noGrp="1"/>
+          </p:cNvSpPr>
+          <p:nvPr>
+            <p:ph type="body" sz="quarter" idx="11"/>
+          </p:nvPr>
+        </p:nvSpPr>
+        <p:spPr/>
+        <p:txBody>
+          <a:bodyPr/>
+          <a:lstStyle/>
+          <a:p>
+            <a:r>
+              <a:rPr lang="ko-KR" altLang="en-US" dirty="0"/>
+              <a:t>참고내용</a:t>
+            </a:r>
+          </a:p>
+        </p:txBody>
+      </p:sp>
+      <p:grpSp>
+        <p:nvGrpSpPr>
+          <p:cNvPr id="7" name="그룹 6">
+            <a:extLst>
+              <a:ext uri="{FF2B5EF4-FFF2-40B4-BE49-F238E27FC236}">
+                <a16:creationId xmlns:a16="http://schemas.microsoft.com/office/drawing/2014/main" id="{7ACD981B-77B5-BD60-9C35-9AEA870CB6B2}"/>
+              </a:ext>
+            </a:extLst>
+          </p:cNvPr>
+          <p:cNvGrpSpPr/>
+          <p:nvPr/>
+        </p:nvGrpSpPr>
+        <p:grpSpPr>
+          <a:xfrm>
+            <a:off x="366310" y="562043"/>
+            <a:ext cx="2981554" cy="1145611"/>
+            <a:chOff x="366310" y="562043"/>
+            <a:chExt cx="2981554" cy="1145611"/>
+          </a:xfrm>
+        </p:grpSpPr>
+        <p:sp>
+          <p:nvSpPr>
+            <p:cNvPr id="40" name="모서리가 둥근 직사각형 13">
+              <a:extLst>
+                <a:ext uri="{FF2B5EF4-FFF2-40B4-BE49-F238E27FC236}">
+                  <a16:creationId xmlns:a16="http://schemas.microsoft.com/office/drawing/2014/main" id="{680D25C8-A8E7-7293-02E7-CF4A4F460A34}"/>
+                </a:ext>
+              </a:extLst>
+            </p:cNvPr>
+            <p:cNvSpPr/>
+            <p:nvPr/>
+          </p:nvSpPr>
+          <p:spPr>
+            <a:xfrm>
+              <a:off x="366310" y="562043"/>
+              <a:ext cx="2837538" cy="1145611"/>
+            </a:xfrm>
+            <a:prstGeom prst="roundRect">
+              <a:avLst>
+                <a:gd name="adj" fmla="val 6442"/>
+              </a:avLst>
+            </a:prstGeom>
+            <a:solidFill>
+              <a:schemeClr val="bg1">
+                <a:lumMod val="95000"/>
+              </a:schemeClr>
+            </a:solidFill>
+            <a:ln>
+              <a:noFill/>
+            </a:ln>
+            <a:effectLst>
+              <a:outerShdw blurRad="50800" dist="12700" dir="2700000" algn="tl" rotWithShape="0">
+                <a:prstClr val="black">
+                  <a:alpha val="40000"/>
+                </a:prstClr>
+              </a:outerShdw>
+            </a:effectLst>
+          </p:spPr>
+          <p:style>
+            <a:lnRef idx="2">
+              <a:schemeClr val="accent1">
+                <a:shade val="50000"/>
+              </a:schemeClr>
+            </a:lnRef>
+            <a:fillRef idx="1">
+              <a:schemeClr val="accent1"/>
+            </a:fillRef>
+            <a:effectRef idx="0">
+              <a:schemeClr val="accent1"/>
+            </a:effectRef>
+            <a:fontRef idx="minor">
+              <a:schemeClr val="lt1"/>
+            </a:fontRef>
+          </p:style>
+          <p:txBody>
+            <a:bodyPr rtlCol="0" anchor="ctr"/>
+            <a:lstStyle/>
+            <a:p>
+              <a:pPr algn="ctr"/>
+              <a:endParaRPr lang="ko-KR" altLang="en-US" sz="1400" dirty="0"/>
+            </a:p>
+          </p:txBody>
+        </p:sp>
+        <p:sp>
+          <p:nvSpPr>
+            <p:cNvPr id="41" name="모서리가 둥근 직사각형 12">
+              <a:extLst>
+                <a:ext uri="{FF2B5EF4-FFF2-40B4-BE49-F238E27FC236}">
+                  <a16:creationId xmlns:a16="http://schemas.microsoft.com/office/drawing/2014/main" id="{1416C6DE-AC50-FDFF-F7E2-80BD687C1F15}"/>
+                </a:ext>
+              </a:extLst>
+            </p:cNvPr>
+            <p:cNvSpPr/>
+            <p:nvPr/>
+          </p:nvSpPr>
+          <p:spPr>
+            <a:xfrm>
+              <a:off x="417087" y="631407"/>
+              <a:ext cx="1490618" cy="1004239"/>
+            </a:xfrm>
+            <a:prstGeom prst="roundRect">
+              <a:avLst>
+                <a:gd name="adj" fmla="val 8325"/>
+              </a:avLst>
+            </a:prstGeom>
+            <a:solidFill>
+              <a:schemeClr val="bg1">
+                <a:lumMod val="75000"/>
+              </a:schemeClr>
+            </a:solidFill>
+            <a:ln>
+              <a:noFill/>
+            </a:ln>
+          </p:spPr>
+          <p:style>
+            <a:lnRef idx="2">
+              <a:schemeClr val="accent1">
+                <a:shade val="50000"/>
+              </a:schemeClr>
+            </a:lnRef>
+            <a:fillRef idx="1">
+              <a:schemeClr val="accent1"/>
+            </a:fillRef>
+            <a:effectRef idx="0">
+              <a:schemeClr val="accent1"/>
+            </a:effectRef>
+            <a:fontRef idx="minor">
+              <a:schemeClr val="lt1"/>
+            </a:fontRef>
+          </p:style>
+          <p:txBody>
+            <a:bodyPr rtlCol="0" anchor="ctr"/>
+            <a:lstStyle/>
+            <a:p>
+              <a:pPr algn="ctr"/>
+              <a:r>
+                <a:rPr lang="ko-KR" altLang="en-US" sz="1400" dirty="0"/>
+                <a:t>동물 사진</a:t>
+              </a:r>
+            </a:p>
+          </p:txBody>
+        </p:sp>
+        <p:sp>
+          <p:nvSpPr>
+            <p:cNvPr id="42" name="TextBox 41">
+              <a:extLst>
+                <a:ext uri="{FF2B5EF4-FFF2-40B4-BE49-F238E27FC236}">
+                  <a16:creationId xmlns:a16="http://schemas.microsoft.com/office/drawing/2014/main" id="{0CC3EAA6-9FE4-7509-35CA-A48D6EC082E8}"/>
+                </a:ext>
+              </a:extLst>
+            </p:cNvPr>
+            <p:cNvSpPr txBox="1"/>
+            <p:nvPr/>
+          </p:nvSpPr>
+          <p:spPr>
+            <a:xfrm>
+              <a:off x="1526446" y="657620"/>
+              <a:ext cx="1311627" cy="276999"/>
+            </a:xfrm>
+            <a:prstGeom prst="rect">
+              <a:avLst/>
+            </a:prstGeom>
+            <a:noFill/>
+          </p:spPr>
+          <p:txBody>
+            <a:bodyPr wrap="square" rtlCol="0">
+              <a:spAutoFit/>
+            </a:bodyPr>
+            <a:lstStyle/>
+            <a:p>
+              <a:pPr algn="ctr"/>
+              <a:r>
+                <a:rPr lang="ko-KR" altLang="en-US" sz="1200" b="1" dirty="0"/>
+                <a:t>제목</a:t>
+              </a:r>
+            </a:p>
+          </p:txBody>
+        </p:sp>
+        <p:sp>
+          <p:nvSpPr>
+            <p:cNvPr id="43" name="TextBox 42">
+              <a:extLst>
+                <a:ext uri="{FF2B5EF4-FFF2-40B4-BE49-F238E27FC236}">
+                  <a16:creationId xmlns:a16="http://schemas.microsoft.com/office/drawing/2014/main" id="{22E430F6-7A74-1F06-85CC-C8DD983B3411}"/>
+                </a:ext>
+              </a:extLst>
+            </p:cNvPr>
+            <p:cNvSpPr txBox="1"/>
+            <p:nvPr/>
+          </p:nvSpPr>
+          <p:spPr>
+            <a:xfrm>
+              <a:off x="1950487" y="788262"/>
+              <a:ext cx="1397377" cy="400110"/>
+            </a:xfrm>
+            <a:prstGeom prst="rect">
+              <a:avLst/>
+            </a:prstGeom>
+            <a:noFill/>
+          </p:spPr>
+          <p:txBody>
+            <a:bodyPr wrap="square" rtlCol="0">
+              <a:spAutoFit/>
+            </a:bodyPr>
+            <a:lstStyle/>
+            <a:p>
+              <a:endParaRPr lang="en-US" altLang="ko-KR" sz="1000" dirty="0"/>
+            </a:p>
+            <a:p>
+              <a:r>
+                <a:rPr lang="ko-KR" altLang="en-US" sz="1000" dirty="0"/>
+                <a:t>본문내용 일부</a:t>
+              </a:r>
+              <a:r>
+                <a:rPr lang="en-US" altLang="ko-KR" sz="1000" dirty="0"/>
+                <a:t>……</a:t>
+              </a:r>
+              <a:endParaRPr lang="ko-KR" altLang="en-US" sz="1000" dirty="0"/>
+            </a:p>
+          </p:txBody>
+        </p:sp>
+      </p:grpSp>
+      <p:sp>
+        <p:nvSpPr>
+          <p:cNvPr id="126" name="부제목 2">
+            <a:extLst>
+              <a:ext uri="{FF2B5EF4-FFF2-40B4-BE49-F238E27FC236}">
+                <a16:creationId xmlns:a16="http://schemas.microsoft.com/office/drawing/2014/main" id="{66F4CD79-C69C-0DFD-614D-BDF5D50DFBD7}"/>
+              </a:ext>
+            </a:extLst>
+          </p:cNvPr>
+          <p:cNvSpPr txBox="1">
+            <a:spLocks/>
+          </p:cNvSpPr>
+          <p:nvPr/>
+        </p:nvSpPr>
+        <p:spPr>
+          <a:xfrm>
+            <a:off x="251519" y="4673158"/>
+            <a:ext cx="5220951" cy="231191"/>
+          </a:xfrm>
+          <a:prstGeom prst="rect">
+            <a:avLst/>
+          </a:prstGeom>
+        </p:spPr>
+        <p:txBody>
+          <a:bodyPr vert="horz" lIns="91440" tIns="45720" rIns="91440" bIns="45720" rtlCol="0">
+            <a:normAutofit fontScale="92500" lnSpcReduction="10000"/>
+          </a:bodyPr>
+          <a:lstStyle>
+            <a:lvl1pPr marL="0" indent="0" algn="ctr" defTabSz="914400" rtl="0" eaLnBrk="1" latinLnBrk="1" hangingPunct="1">
+              <a:lnSpc>
+                <a:spcPct val="90000"/>
+              </a:lnSpc>
+              <a:spcBef>
+                <a:spcPts val="1000"/>
+              </a:spcBef>
+              <a:buFont typeface="Arial" panose="020B0604020202020204" pitchFamily="34" charset="0"/>
+              <a:buNone/>
+              <a:defRPr sz="2400" kern="1200">
+                <a:solidFill>
+                  <a:schemeClr val="tx1"/>
+                </a:solidFill>
+                <a:latin typeface="+mn-lt"/>
+                <a:ea typeface="+mn-ea"/>
+                <a:cs typeface="+mn-cs"/>
+              </a:defRPr>
+            </a:lvl1pPr>
+            <a:lvl2pPr marL="457200" indent="0" algn="ctr" defTabSz="914400" rtl="0" eaLnBrk="1" latinLnBrk="1" hangingPunct="1">
+              <a:lnSpc>
+                <a:spcPct val="90000"/>
+              </a:lnSpc>
+              <a:spcBef>
+                <a:spcPts val="500"/>
+              </a:spcBef>
+              <a:buFont typeface="Arial" panose="020B0604020202020204" pitchFamily="34" charset="0"/>
+              <a:buNone/>
+              <a:defRPr sz="2000" kern="1200">
+                <a:solidFill>
+                  <a:schemeClr val="tx1"/>
+                </a:solidFill>
+                <a:latin typeface="+mn-lt"/>
+                <a:ea typeface="+mn-ea"/>
+                <a:cs typeface="+mn-cs"/>
+              </a:defRPr>
+            </a:lvl2pPr>
+            <a:lvl3pPr marL="914400" indent="0" algn="ctr" defTabSz="914400" rtl="0" eaLnBrk="1" latinLnBrk="1" hangingPunct="1">
+              <a:lnSpc>
+                <a:spcPct val="90000"/>
+              </a:lnSpc>
+              <a:spcBef>
+                <a:spcPts val="500"/>
+              </a:spcBef>
+              <a:buFont typeface="Arial" panose="020B0604020202020204" pitchFamily="34" charset="0"/>
+              <a:buNone/>
+              <a:defRPr sz="1800" kern="1200">
+                <a:solidFill>
+                  <a:schemeClr val="tx1"/>
+                </a:solidFill>
+                <a:latin typeface="+mn-lt"/>
+                <a:ea typeface="+mn-ea"/>
+                <a:cs typeface="+mn-cs"/>
+              </a:defRPr>
+            </a:lvl3pPr>
+            <a:lvl4pPr marL="1371600" indent="0" algn="ctr" defTabSz="914400" rtl="0" eaLnBrk="1" latinLnBrk="1" hangingPunct="1">
+              <a:lnSpc>
+                <a:spcPct val="90000"/>
+              </a:lnSpc>
+              <a:spcBef>
+                <a:spcPts val="500"/>
+              </a:spcBef>
+              <a:buFont typeface="Arial" panose="020B0604020202020204" pitchFamily="34" charset="0"/>
+              <a:buNone/>
+              <a:defRPr sz="1600" kern="1200">
+                <a:solidFill>
+                  <a:schemeClr val="tx1"/>
+                </a:solidFill>
+                <a:latin typeface="+mn-lt"/>
+                <a:ea typeface="+mn-ea"/>
+                <a:cs typeface="+mn-cs"/>
+              </a:defRPr>
+            </a:lvl4pPr>
+            <a:lvl5pPr marL="1828800" indent="0" algn="ctr" defTabSz="914400" rtl="0" eaLnBrk="1" latinLnBrk="1" hangingPunct="1">
+              <a:lnSpc>
+                <a:spcPct val="90000"/>
+              </a:lnSpc>
+              <a:spcBef>
+                <a:spcPts val="500"/>
+              </a:spcBef>
+              <a:buFont typeface="Arial" panose="020B0604020202020204" pitchFamily="34" charset="0"/>
+              <a:buNone/>
+              <a:defRPr sz="1600" kern="1200">
+                <a:solidFill>
+                  <a:schemeClr val="tx1"/>
+                </a:solidFill>
+                <a:latin typeface="+mn-lt"/>
+                <a:ea typeface="+mn-ea"/>
+                <a:cs typeface="+mn-cs"/>
+              </a:defRPr>
+            </a:lvl5pPr>
+            <a:lvl6pPr marL="2286000" indent="0" algn="ctr" defTabSz="914400" rtl="0" eaLnBrk="1" latinLnBrk="1" hangingPunct="1">
+              <a:lnSpc>
+                <a:spcPct val="90000"/>
+              </a:lnSpc>
+              <a:spcBef>
+                <a:spcPts val="500"/>
+              </a:spcBef>
+              <a:buFont typeface="Arial" panose="020B0604020202020204" pitchFamily="34" charset="0"/>
+              <a:buNone/>
+              <a:defRPr sz="1600" kern="1200">
+                <a:solidFill>
+                  <a:schemeClr val="tx1"/>
+                </a:solidFill>
+                <a:latin typeface="+mn-lt"/>
+                <a:ea typeface="+mn-ea"/>
+                <a:cs typeface="+mn-cs"/>
+              </a:defRPr>
+            </a:lvl6pPr>
+            <a:lvl7pPr marL="2743200" indent="0" algn="ctr" defTabSz="914400" rtl="0" eaLnBrk="1" latinLnBrk="1" hangingPunct="1">
+              <a:lnSpc>
+                <a:spcPct val="90000"/>
+              </a:lnSpc>
+              <a:spcBef>
+                <a:spcPts val="500"/>
+              </a:spcBef>
+              <a:buFont typeface="Arial" panose="020B0604020202020204" pitchFamily="34" charset="0"/>
+              <a:buNone/>
+              <a:defRPr sz="1600" kern="1200">
+                <a:solidFill>
+                  <a:schemeClr val="tx1"/>
+                </a:solidFill>
+                <a:latin typeface="+mn-lt"/>
+                <a:ea typeface="+mn-ea"/>
+                <a:cs typeface="+mn-cs"/>
+              </a:defRPr>
+            </a:lvl7pPr>
+            <a:lvl8pPr marL="3200400" indent="0" algn="ctr" defTabSz="914400" rtl="0" eaLnBrk="1" latinLnBrk="1" hangingPunct="1">
+              <a:lnSpc>
+                <a:spcPct val="90000"/>
+              </a:lnSpc>
+              <a:spcBef>
+                <a:spcPts val="500"/>
+              </a:spcBef>
+              <a:buFont typeface="Arial" panose="020B0604020202020204" pitchFamily="34" charset="0"/>
+              <a:buNone/>
+              <a:defRPr sz="1600" kern="1200">
+                <a:solidFill>
+                  <a:schemeClr val="tx1"/>
+                </a:solidFill>
+                <a:latin typeface="+mn-lt"/>
+                <a:ea typeface="+mn-ea"/>
+                <a:cs typeface="+mn-cs"/>
+              </a:defRPr>
+            </a:lvl8pPr>
+            <a:lvl9pPr marL="3657600" indent="0" algn="ctr" defTabSz="914400" rtl="0" eaLnBrk="1" latinLnBrk="1" hangingPunct="1">
+              <a:lnSpc>
+                <a:spcPct val="90000"/>
+              </a:lnSpc>
+              <a:spcBef>
+                <a:spcPts val="500"/>
+              </a:spcBef>
+              <a:buFont typeface="Arial" panose="020B0604020202020204" pitchFamily="34" charset="0"/>
+              <a:buNone/>
+              <a:defRPr sz="1600" kern="1200">
+                <a:solidFill>
+                  <a:schemeClr val="tx1"/>
+                </a:solidFill>
+                <a:latin typeface="+mn-lt"/>
+                <a:ea typeface="+mn-ea"/>
+                <a:cs typeface="+mn-cs"/>
+              </a:defRPr>
+            </a:lvl9pPr>
+          </a:lstStyle>
+          <a:p>
+            <a:pPr algn="l"/>
+            <a:r>
+              <a:rPr lang="ko-KR" altLang="en-US" sz="1200" b="1" dirty="0"/>
+              <a:t> </a:t>
+            </a:r>
+            <a:r>
+              <a:rPr lang="en-US" altLang="ko-KR" sz="1200" b="1" dirty="0"/>
+              <a:t>&lt;&lt;  &lt;  1 2 3 4  5    &gt;  &gt;&gt;</a:t>
+            </a:r>
+          </a:p>
+        </p:txBody>
+      </p:sp>
+      <p:sp>
+        <p:nvSpPr>
+          <p:cNvPr id="6" name="사각형: 둥근 모서리 5">
+            <a:extLst>
+              <a:ext uri="{FF2B5EF4-FFF2-40B4-BE49-F238E27FC236}">
+                <a16:creationId xmlns:a16="http://schemas.microsoft.com/office/drawing/2014/main" id="{4BCF9F5C-2558-E13E-7A39-8E22A57CBC25}"/>
+              </a:ext>
+            </a:extLst>
+          </p:cNvPr>
+          <p:cNvSpPr/>
+          <p:nvPr/>
+        </p:nvSpPr>
+        <p:spPr>
+          <a:xfrm>
+            <a:off x="5649843" y="4543574"/>
+            <a:ext cx="655883" cy="266375"/>
+          </a:xfrm>
+          <a:prstGeom prst="roundRect">
+            <a:avLst/>
+          </a:prstGeom>
+          <a:solidFill>
+            <a:schemeClr val="bg1">
+              <a:lumMod val="50000"/>
+            </a:schemeClr>
+          </a:solidFill>
+          <a:ln w="3175"/>
+        </p:spPr>
+        <p:style>
+          <a:lnRef idx="2">
+            <a:schemeClr val="accent1">
+              <a:shade val="15000"/>
+            </a:schemeClr>
+          </a:lnRef>
+          <a:fillRef idx="1">
+            <a:schemeClr val="accent1"/>
+          </a:fillRef>
+          <a:effectRef idx="0">
+            <a:schemeClr val="accent1"/>
+          </a:effectRef>
+          <a:fontRef idx="minor">
+            <a:schemeClr val="lt1"/>
+          </a:fontRef>
+        </p:style>
+        <p:txBody>
+          <a:bodyPr rtlCol="0" anchor="ctr"/>
+          <a:lstStyle/>
+          <a:p>
+            <a:pPr algn="ctr"/>
+            <a:r>
+              <a:rPr lang="ko-KR" altLang="en-US" sz="1000" dirty="0"/>
+              <a:t>글쓰기</a:t>
+            </a:r>
+          </a:p>
+        </p:txBody>
+      </p:sp>
+      <p:grpSp>
+        <p:nvGrpSpPr>
+          <p:cNvPr id="14" name="그룹 13">
+            <a:extLst>
+              <a:ext uri="{FF2B5EF4-FFF2-40B4-BE49-F238E27FC236}">
+                <a16:creationId xmlns:a16="http://schemas.microsoft.com/office/drawing/2014/main" id="{61A047DA-62B0-51D0-6157-66E7B29ED1F2}"/>
+              </a:ext>
+            </a:extLst>
+          </p:cNvPr>
+          <p:cNvGrpSpPr/>
+          <p:nvPr/>
+        </p:nvGrpSpPr>
+        <p:grpSpPr>
+          <a:xfrm>
+            <a:off x="3408603" y="560720"/>
+            <a:ext cx="2981554" cy="1145611"/>
+            <a:chOff x="366310" y="562043"/>
+            <a:chExt cx="2981554" cy="1145611"/>
+          </a:xfrm>
+        </p:grpSpPr>
+        <p:sp>
+          <p:nvSpPr>
+            <p:cNvPr id="15" name="모서리가 둥근 직사각형 13">
+              <a:extLst>
+                <a:ext uri="{FF2B5EF4-FFF2-40B4-BE49-F238E27FC236}">
+                  <a16:creationId xmlns:a16="http://schemas.microsoft.com/office/drawing/2014/main" id="{CACEE543-5ACA-C6C0-91B4-4E986FCB0B7B}"/>
+                </a:ext>
+              </a:extLst>
+            </p:cNvPr>
+            <p:cNvSpPr/>
+            <p:nvPr/>
+          </p:nvSpPr>
+          <p:spPr>
+            <a:xfrm>
+              <a:off x="366310" y="562043"/>
+              <a:ext cx="2837538" cy="1145611"/>
+            </a:xfrm>
+            <a:prstGeom prst="roundRect">
+              <a:avLst>
+                <a:gd name="adj" fmla="val 6442"/>
+              </a:avLst>
+            </a:prstGeom>
+            <a:solidFill>
+              <a:schemeClr val="bg1">
+                <a:lumMod val="95000"/>
+              </a:schemeClr>
+            </a:solidFill>
+            <a:ln>
+              <a:noFill/>
+            </a:ln>
+            <a:effectLst>
+              <a:outerShdw blurRad="50800" dist="12700" dir="2700000" algn="tl" rotWithShape="0">
+                <a:prstClr val="black">
+                  <a:alpha val="40000"/>
+                </a:prstClr>
+              </a:outerShdw>
+            </a:effectLst>
+          </p:spPr>
+          <p:style>
+            <a:lnRef idx="2">
+              <a:schemeClr val="accent1">
+                <a:shade val="50000"/>
+              </a:schemeClr>
+            </a:lnRef>
+            <a:fillRef idx="1">
+              <a:schemeClr val="accent1"/>
+            </a:fillRef>
+            <a:effectRef idx="0">
+              <a:schemeClr val="accent1"/>
+            </a:effectRef>
+            <a:fontRef idx="minor">
+              <a:schemeClr val="lt1"/>
+            </a:fontRef>
+          </p:style>
+          <p:txBody>
+            <a:bodyPr rtlCol="0" anchor="ctr"/>
+            <a:lstStyle/>
+            <a:p>
+              <a:pPr algn="ctr"/>
+              <a:endParaRPr lang="ko-KR" altLang="en-US" sz="1400" dirty="0"/>
+            </a:p>
+          </p:txBody>
+        </p:sp>
+        <p:sp>
+          <p:nvSpPr>
+            <p:cNvPr id="18" name="모서리가 둥근 직사각형 12">
+              <a:extLst>
+                <a:ext uri="{FF2B5EF4-FFF2-40B4-BE49-F238E27FC236}">
+                  <a16:creationId xmlns:a16="http://schemas.microsoft.com/office/drawing/2014/main" id="{44CA856C-BDA9-43FC-35A0-5D5B027459C9}"/>
+                </a:ext>
+              </a:extLst>
+            </p:cNvPr>
+            <p:cNvSpPr/>
+            <p:nvPr/>
+          </p:nvSpPr>
+          <p:spPr>
+            <a:xfrm>
+              <a:off x="417087" y="631407"/>
+              <a:ext cx="1490618" cy="1004239"/>
+            </a:xfrm>
+            <a:prstGeom prst="roundRect">
+              <a:avLst>
+                <a:gd name="adj" fmla="val 8325"/>
+              </a:avLst>
+            </a:prstGeom>
+            <a:solidFill>
+              <a:schemeClr val="bg1">
+                <a:lumMod val="75000"/>
+              </a:schemeClr>
+            </a:solidFill>
+            <a:ln>
+              <a:noFill/>
+            </a:ln>
+          </p:spPr>
+          <p:style>
+            <a:lnRef idx="2">
+              <a:schemeClr val="accent1">
+                <a:shade val="50000"/>
+              </a:schemeClr>
+            </a:lnRef>
+            <a:fillRef idx="1">
+              <a:schemeClr val="accent1"/>
+            </a:fillRef>
+            <a:effectRef idx="0">
+              <a:schemeClr val="accent1"/>
+            </a:effectRef>
+            <a:fontRef idx="minor">
+              <a:schemeClr val="lt1"/>
+            </a:fontRef>
+          </p:style>
+          <p:txBody>
+            <a:bodyPr rtlCol="0" anchor="ctr"/>
+            <a:lstStyle/>
+            <a:p>
+              <a:pPr algn="ctr"/>
+              <a:r>
+                <a:rPr lang="ko-KR" altLang="en-US" sz="1400" dirty="0"/>
+                <a:t>동물 사진</a:t>
+              </a:r>
+            </a:p>
+          </p:txBody>
+        </p:sp>
+        <p:sp>
+          <p:nvSpPr>
+            <p:cNvPr id="19" name="TextBox 18">
+              <a:extLst>
+                <a:ext uri="{FF2B5EF4-FFF2-40B4-BE49-F238E27FC236}">
+                  <a16:creationId xmlns:a16="http://schemas.microsoft.com/office/drawing/2014/main" id="{41F3F070-9DBA-51D0-0165-6BC8A5038E49}"/>
+                </a:ext>
+              </a:extLst>
+            </p:cNvPr>
+            <p:cNvSpPr txBox="1"/>
+            <p:nvPr/>
+          </p:nvSpPr>
+          <p:spPr>
+            <a:xfrm>
+              <a:off x="1526446" y="657620"/>
+              <a:ext cx="1311627" cy="276999"/>
+            </a:xfrm>
+            <a:prstGeom prst="rect">
+              <a:avLst/>
+            </a:prstGeom>
+            <a:noFill/>
+          </p:spPr>
+          <p:txBody>
+            <a:bodyPr wrap="square" rtlCol="0">
+              <a:spAutoFit/>
+            </a:bodyPr>
+            <a:lstStyle/>
+            <a:p>
+              <a:pPr algn="ctr"/>
+              <a:r>
+                <a:rPr lang="ko-KR" altLang="en-US" sz="1200" b="1" dirty="0"/>
+                <a:t>제목</a:t>
+              </a:r>
+            </a:p>
+          </p:txBody>
+        </p:sp>
+        <p:sp>
+          <p:nvSpPr>
+            <p:cNvPr id="20" name="TextBox 19">
+              <a:extLst>
+                <a:ext uri="{FF2B5EF4-FFF2-40B4-BE49-F238E27FC236}">
+                  <a16:creationId xmlns:a16="http://schemas.microsoft.com/office/drawing/2014/main" id="{6826C1C0-1333-23BB-1537-34FB2980A586}"/>
+                </a:ext>
+              </a:extLst>
+            </p:cNvPr>
+            <p:cNvSpPr txBox="1"/>
+            <p:nvPr/>
+          </p:nvSpPr>
+          <p:spPr>
+            <a:xfrm>
+              <a:off x="1950487" y="788262"/>
+              <a:ext cx="1397377" cy="400110"/>
+            </a:xfrm>
+            <a:prstGeom prst="rect">
+              <a:avLst/>
+            </a:prstGeom>
+            <a:noFill/>
+          </p:spPr>
+          <p:txBody>
+            <a:bodyPr wrap="square" rtlCol="0">
+              <a:spAutoFit/>
+            </a:bodyPr>
+            <a:lstStyle/>
+            <a:p>
+              <a:endParaRPr lang="en-US" altLang="ko-KR" sz="1000" dirty="0"/>
+            </a:p>
+            <a:p>
+              <a:r>
+                <a:rPr lang="ko-KR" altLang="en-US" sz="1000" dirty="0"/>
+                <a:t>본문내용 일부</a:t>
+              </a:r>
+              <a:r>
+                <a:rPr lang="en-US" altLang="ko-KR" sz="1000" dirty="0"/>
+                <a:t>……</a:t>
+              </a:r>
+              <a:endParaRPr lang="ko-KR" altLang="en-US" sz="1000" dirty="0"/>
+            </a:p>
+          </p:txBody>
+        </p:sp>
+      </p:grpSp>
+      <p:grpSp>
+        <p:nvGrpSpPr>
+          <p:cNvPr id="23" name="그룹 22">
+            <a:extLst>
+              <a:ext uri="{FF2B5EF4-FFF2-40B4-BE49-F238E27FC236}">
+                <a16:creationId xmlns:a16="http://schemas.microsoft.com/office/drawing/2014/main" id="{BDE849FF-B386-376D-803E-16E633F4F8FF}"/>
+              </a:ext>
+            </a:extLst>
+          </p:cNvPr>
+          <p:cNvGrpSpPr/>
+          <p:nvPr/>
+        </p:nvGrpSpPr>
+        <p:grpSpPr>
+          <a:xfrm>
+            <a:off x="366310" y="1925001"/>
+            <a:ext cx="2981554" cy="1145611"/>
+            <a:chOff x="366310" y="562043"/>
+            <a:chExt cx="2981554" cy="1145611"/>
+          </a:xfrm>
+        </p:grpSpPr>
+        <p:sp>
+          <p:nvSpPr>
+            <p:cNvPr id="24" name="모서리가 둥근 직사각형 13">
+              <a:extLst>
+                <a:ext uri="{FF2B5EF4-FFF2-40B4-BE49-F238E27FC236}">
+                  <a16:creationId xmlns:a16="http://schemas.microsoft.com/office/drawing/2014/main" id="{641395FA-1404-EEC4-733F-BAF323ED76D6}"/>
+                </a:ext>
+              </a:extLst>
+            </p:cNvPr>
+            <p:cNvSpPr/>
+            <p:nvPr/>
+          </p:nvSpPr>
+          <p:spPr>
+            <a:xfrm>
+              <a:off x="366310" y="562043"/>
+              <a:ext cx="2837538" cy="1145611"/>
+            </a:xfrm>
+            <a:prstGeom prst="roundRect">
+              <a:avLst>
+                <a:gd name="adj" fmla="val 6442"/>
+              </a:avLst>
+            </a:prstGeom>
+            <a:solidFill>
+              <a:schemeClr val="bg1">
+                <a:lumMod val="95000"/>
+              </a:schemeClr>
+            </a:solidFill>
+            <a:ln>
+              <a:noFill/>
+            </a:ln>
+            <a:effectLst>
+              <a:outerShdw blurRad="50800" dist="12700" dir="2700000" algn="tl" rotWithShape="0">
+                <a:prstClr val="black">
+                  <a:alpha val="40000"/>
+                </a:prstClr>
+              </a:outerShdw>
+            </a:effectLst>
+          </p:spPr>
+          <p:style>
+            <a:lnRef idx="2">
+              <a:schemeClr val="accent1">
+                <a:shade val="50000"/>
+              </a:schemeClr>
+            </a:lnRef>
+            <a:fillRef idx="1">
+              <a:schemeClr val="accent1"/>
+            </a:fillRef>
+            <a:effectRef idx="0">
+              <a:schemeClr val="accent1"/>
+            </a:effectRef>
+            <a:fontRef idx="minor">
+              <a:schemeClr val="lt1"/>
+            </a:fontRef>
+          </p:style>
+          <p:txBody>
+            <a:bodyPr rtlCol="0" anchor="ctr"/>
+            <a:lstStyle/>
+            <a:p>
+              <a:pPr algn="ctr"/>
+              <a:endParaRPr lang="ko-KR" altLang="en-US" sz="1400" dirty="0"/>
+            </a:p>
+          </p:txBody>
+        </p:sp>
+        <p:sp>
+          <p:nvSpPr>
+            <p:cNvPr id="25" name="모서리가 둥근 직사각형 12">
+              <a:extLst>
+                <a:ext uri="{FF2B5EF4-FFF2-40B4-BE49-F238E27FC236}">
+                  <a16:creationId xmlns:a16="http://schemas.microsoft.com/office/drawing/2014/main" id="{83D5E017-45E1-FC8D-7BD2-82EA9E9C9FBD}"/>
+                </a:ext>
+              </a:extLst>
+            </p:cNvPr>
+            <p:cNvSpPr/>
+            <p:nvPr/>
+          </p:nvSpPr>
+          <p:spPr>
+            <a:xfrm>
+              <a:off x="417087" y="631407"/>
+              <a:ext cx="1490618" cy="1004239"/>
+            </a:xfrm>
+            <a:prstGeom prst="roundRect">
+              <a:avLst>
+                <a:gd name="adj" fmla="val 8325"/>
+              </a:avLst>
+            </a:prstGeom>
+            <a:solidFill>
+              <a:schemeClr val="bg1">
+                <a:lumMod val="75000"/>
+              </a:schemeClr>
+            </a:solidFill>
+            <a:ln>
+              <a:noFill/>
+            </a:ln>
+          </p:spPr>
+          <p:style>
+            <a:lnRef idx="2">
+              <a:schemeClr val="accent1">
+                <a:shade val="50000"/>
+              </a:schemeClr>
+            </a:lnRef>
+            <a:fillRef idx="1">
+              <a:schemeClr val="accent1"/>
+            </a:fillRef>
+            <a:effectRef idx="0">
+              <a:schemeClr val="accent1"/>
+            </a:effectRef>
+            <a:fontRef idx="minor">
+              <a:schemeClr val="lt1"/>
+            </a:fontRef>
+          </p:style>
+          <p:txBody>
+            <a:bodyPr rtlCol="0" anchor="ctr"/>
+            <a:lstStyle/>
+            <a:p>
+              <a:pPr algn="ctr"/>
+              <a:r>
+                <a:rPr lang="ko-KR" altLang="en-US" sz="1400" dirty="0"/>
+                <a:t>동물 사진</a:t>
+              </a:r>
+            </a:p>
+          </p:txBody>
+        </p:sp>
+        <p:sp>
+          <p:nvSpPr>
+            <p:cNvPr id="26" name="TextBox 25">
+              <a:extLst>
+                <a:ext uri="{FF2B5EF4-FFF2-40B4-BE49-F238E27FC236}">
+                  <a16:creationId xmlns:a16="http://schemas.microsoft.com/office/drawing/2014/main" id="{390E6229-F3B1-92C9-C060-ABB81C07F5EA}"/>
+                </a:ext>
+              </a:extLst>
+            </p:cNvPr>
+            <p:cNvSpPr txBox="1"/>
+            <p:nvPr/>
+          </p:nvSpPr>
+          <p:spPr>
+            <a:xfrm>
+              <a:off x="1526446" y="657620"/>
+              <a:ext cx="1311627" cy="276999"/>
+            </a:xfrm>
+            <a:prstGeom prst="rect">
+              <a:avLst/>
+            </a:prstGeom>
+            <a:noFill/>
+          </p:spPr>
+          <p:txBody>
+            <a:bodyPr wrap="square" rtlCol="0">
+              <a:spAutoFit/>
+            </a:bodyPr>
+            <a:lstStyle/>
+            <a:p>
+              <a:pPr algn="ctr"/>
+              <a:r>
+                <a:rPr lang="ko-KR" altLang="en-US" sz="1200" b="1" dirty="0"/>
+                <a:t>제목</a:t>
+              </a:r>
+            </a:p>
+          </p:txBody>
+        </p:sp>
+        <p:sp>
+          <p:nvSpPr>
+            <p:cNvPr id="28" name="TextBox 27">
+              <a:extLst>
+                <a:ext uri="{FF2B5EF4-FFF2-40B4-BE49-F238E27FC236}">
+                  <a16:creationId xmlns:a16="http://schemas.microsoft.com/office/drawing/2014/main" id="{9645C141-407E-8CC9-585E-7D2C8DCC3902}"/>
+                </a:ext>
+              </a:extLst>
+            </p:cNvPr>
+            <p:cNvSpPr txBox="1"/>
+            <p:nvPr/>
+          </p:nvSpPr>
+          <p:spPr>
+            <a:xfrm>
+              <a:off x="1950487" y="788262"/>
+              <a:ext cx="1397377" cy="400110"/>
+            </a:xfrm>
+            <a:prstGeom prst="rect">
+              <a:avLst/>
+            </a:prstGeom>
+            <a:noFill/>
+          </p:spPr>
+          <p:txBody>
+            <a:bodyPr wrap="square" rtlCol="0">
+              <a:spAutoFit/>
+            </a:bodyPr>
+            <a:lstStyle/>
+            <a:p>
+              <a:endParaRPr lang="en-US" altLang="ko-KR" sz="1000" dirty="0"/>
+            </a:p>
+            <a:p>
+              <a:r>
+                <a:rPr lang="ko-KR" altLang="en-US" sz="1000" dirty="0"/>
+                <a:t>본문내용 일부</a:t>
+              </a:r>
+              <a:r>
+                <a:rPr lang="en-US" altLang="ko-KR" sz="1000" dirty="0"/>
+                <a:t>……</a:t>
+              </a:r>
+              <a:endParaRPr lang="ko-KR" altLang="en-US" sz="1000" dirty="0"/>
+            </a:p>
+          </p:txBody>
+        </p:sp>
+      </p:grpSp>
+      <p:grpSp>
+        <p:nvGrpSpPr>
+          <p:cNvPr id="33" name="그룹 32">
+            <a:extLst>
+              <a:ext uri="{FF2B5EF4-FFF2-40B4-BE49-F238E27FC236}">
+                <a16:creationId xmlns:a16="http://schemas.microsoft.com/office/drawing/2014/main" id="{71494407-F586-5A45-BD53-F958A576D8D4}"/>
+              </a:ext>
+            </a:extLst>
+          </p:cNvPr>
+          <p:cNvGrpSpPr/>
+          <p:nvPr/>
+        </p:nvGrpSpPr>
+        <p:grpSpPr>
+          <a:xfrm>
+            <a:off x="3408603" y="1923678"/>
+            <a:ext cx="2981554" cy="1145611"/>
+            <a:chOff x="366310" y="562043"/>
+            <a:chExt cx="2981554" cy="1145611"/>
+          </a:xfrm>
+        </p:grpSpPr>
+        <p:sp>
+          <p:nvSpPr>
+            <p:cNvPr id="34" name="모서리가 둥근 직사각형 13">
+              <a:extLst>
+                <a:ext uri="{FF2B5EF4-FFF2-40B4-BE49-F238E27FC236}">
+                  <a16:creationId xmlns:a16="http://schemas.microsoft.com/office/drawing/2014/main" id="{7F5FE059-207F-6552-0A3E-4D509EE07F9B}"/>
+                </a:ext>
+              </a:extLst>
+            </p:cNvPr>
+            <p:cNvSpPr/>
+            <p:nvPr/>
+          </p:nvSpPr>
+          <p:spPr>
+            <a:xfrm>
+              <a:off x="366310" y="562043"/>
+              <a:ext cx="2837538" cy="1145611"/>
+            </a:xfrm>
+            <a:prstGeom prst="roundRect">
+              <a:avLst>
+                <a:gd name="adj" fmla="val 6442"/>
+              </a:avLst>
+            </a:prstGeom>
+            <a:solidFill>
+              <a:schemeClr val="bg1">
+                <a:lumMod val="95000"/>
+              </a:schemeClr>
+            </a:solidFill>
+            <a:ln>
+              <a:noFill/>
+            </a:ln>
+            <a:effectLst>
+              <a:outerShdw blurRad="50800" dist="12700" dir="2700000" algn="tl" rotWithShape="0">
+                <a:prstClr val="black">
+                  <a:alpha val="40000"/>
+                </a:prstClr>
+              </a:outerShdw>
+            </a:effectLst>
+          </p:spPr>
+          <p:style>
+            <a:lnRef idx="2">
+              <a:schemeClr val="accent1">
+                <a:shade val="50000"/>
+              </a:schemeClr>
+            </a:lnRef>
+            <a:fillRef idx="1">
+              <a:schemeClr val="accent1"/>
+            </a:fillRef>
+            <a:effectRef idx="0">
+              <a:schemeClr val="accent1"/>
+            </a:effectRef>
+            <a:fontRef idx="minor">
+              <a:schemeClr val="lt1"/>
+            </a:fontRef>
+          </p:style>
+          <p:txBody>
+            <a:bodyPr rtlCol="0" anchor="ctr"/>
+            <a:lstStyle/>
+            <a:p>
+              <a:pPr algn="ctr"/>
+              <a:endParaRPr lang="ko-KR" altLang="en-US" sz="1400" dirty="0"/>
+            </a:p>
+          </p:txBody>
+        </p:sp>
+        <p:sp>
+          <p:nvSpPr>
+            <p:cNvPr id="35" name="모서리가 둥근 직사각형 12">
+              <a:extLst>
+                <a:ext uri="{FF2B5EF4-FFF2-40B4-BE49-F238E27FC236}">
+                  <a16:creationId xmlns:a16="http://schemas.microsoft.com/office/drawing/2014/main" id="{B1C627BA-7F77-33A5-BB22-7769D3E864F1}"/>
+                </a:ext>
+              </a:extLst>
+            </p:cNvPr>
+            <p:cNvSpPr/>
+            <p:nvPr/>
+          </p:nvSpPr>
+          <p:spPr>
+            <a:xfrm>
+              <a:off x="417087" y="631407"/>
+              <a:ext cx="1490618" cy="1004239"/>
+            </a:xfrm>
+            <a:prstGeom prst="roundRect">
+              <a:avLst>
+                <a:gd name="adj" fmla="val 8325"/>
+              </a:avLst>
+            </a:prstGeom>
+            <a:solidFill>
+              <a:schemeClr val="bg1">
+                <a:lumMod val="75000"/>
+              </a:schemeClr>
+            </a:solidFill>
+            <a:ln>
+              <a:noFill/>
+            </a:ln>
+          </p:spPr>
+          <p:style>
+            <a:lnRef idx="2">
+              <a:schemeClr val="accent1">
+                <a:shade val="50000"/>
+              </a:schemeClr>
+            </a:lnRef>
+            <a:fillRef idx="1">
+              <a:schemeClr val="accent1"/>
+            </a:fillRef>
+            <a:effectRef idx="0">
+              <a:schemeClr val="accent1"/>
+            </a:effectRef>
+            <a:fontRef idx="minor">
+              <a:schemeClr val="lt1"/>
+            </a:fontRef>
+          </p:style>
+          <p:txBody>
+            <a:bodyPr rtlCol="0" anchor="ctr"/>
+            <a:lstStyle/>
+            <a:p>
+              <a:pPr algn="ctr"/>
+              <a:r>
+                <a:rPr lang="ko-KR" altLang="en-US" sz="1400" dirty="0"/>
+                <a:t>동물 사진</a:t>
+              </a:r>
+            </a:p>
+          </p:txBody>
+        </p:sp>
+        <p:sp>
+          <p:nvSpPr>
+            <p:cNvPr id="36" name="TextBox 35">
+              <a:extLst>
+                <a:ext uri="{FF2B5EF4-FFF2-40B4-BE49-F238E27FC236}">
+                  <a16:creationId xmlns:a16="http://schemas.microsoft.com/office/drawing/2014/main" id="{5CCEC71B-1786-B21E-3BDA-9762137C897E}"/>
+                </a:ext>
+              </a:extLst>
+            </p:cNvPr>
+            <p:cNvSpPr txBox="1"/>
+            <p:nvPr/>
+          </p:nvSpPr>
+          <p:spPr>
+            <a:xfrm>
+              <a:off x="1526446" y="657620"/>
+              <a:ext cx="1311627" cy="276999"/>
+            </a:xfrm>
+            <a:prstGeom prst="rect">
+              <a:avLst/>
+            </a:prstGeom>
+            <a:noFill/>
+          </p:spPr>
+          <p:txBody>
+            <a:bodyPr wrap="square" rtlCol="0">
+              <a:spAutoFit/>
+            </a:bodyPr>
+            <a:lstStyle/>
+            <a:p>
+              <a:pPr algn="ctr"/>
+              <a:r>
+                <a:rPr lang="ko-KR" altLang="en-US" sz="1200" b="1" dirty="0"/>
+                <a:t>제목</a:t>
+              </a:r>
+            </a:p>
+          </p:txBody>
+        </p:sp>
+        <p:sp>
+          <p:nvSpPr>
+            <p:cNvPr id="37" name="TextBox 36">
+              <a:extLst>
+                <a:ext uri="{FF2B5EF4-FFF2-40B4-BE49-F238E27FC236}">
+                  <a16:creationId xmlns:a16="http://schemas.microsoft.com/office/drawing/2014/main" id="{C0AD546F-49D0-AE83-C112-F59F0D914D83}"/>
+                </a:ext>
+              </a:extLst>
+            </p:cNvPr>
+            <p:cNvSpPr txBox="1"/>
+            <p:nvPr/>
+          </p:nvSpPr>
+          <p:spPr>
+            <a:xfrm>
+              <a:off x="1950487" y="788262"/>
+              <a:ext cx="1397377" cy="400110"/>
+            </a:xfrm>
+            <a:prstGeom prst="rect">
+              <a:avLst/>
+            </a:prstGeom>
+            <a:noFill/>
+          </p:spPr>
+          <p:txBody>
+            <a:bodyPr wrap="square" rtlCol="0">
+              <a:spAutoFit/>
+            </a:bodyPr>
+            <a:lstStyle/>
+            <a:p>
+              <a:endParaRPr lang="en-US" altLang="ko-KR" sz="1000" dirty="0"/>
+            </a:p>
+            <a:p>
+              <a:r>
+                <a:rPr lang="ko-KR" altLang="en-US" sz="1000" dirty="0"/>
+                <a:t>본문내용 일부</a:t>
+              </a:r>
+              <a:r>
+                <a:rPr lang="en-US" altLang="ko-KR" sz="1000" dirty="0"/>
+                <a:t>……</a:t>
+              </a:r>
+              <a:endParaRPr lang="ko-KR" altLang="en-US" sz="1000" dirty="0"/>
+            </a:p>
+          </p:txBody>
+        </p:sp>
+      </p:grpSp>
+      <p:sp>
+        <p:nvSpPr>
+          <p:cNvPr id="38" name="부제목 2">
+            <a:extLst>
+              <a:ext uri="{FF2B5EF4-FFF2-40B4-BE49-F238E27FC236}">
+                <a16:creationId xmlns:a16="http://schemas.microsoft.com/office/drawing/2014/main" id="{80AA83CD-CF8D-E01A-4406-008D6B6C0FAD}"/>
+              </a:ext>
+            </a:extLst>
+          </p:cNvPr>
+          <p:cNvSpPr txBox="1">
+            <a:spLocks/>
+          </p:cNvSpPr>
+          <p:nvPr/>
+        </p:nvSpPr>
+        <p:spPr>
+          <a:xfrm>
+            <a:off x="697684" y="3178808"/>
+            <a:ext cx="5220951" cy="553997"/>
+          </a:xfrm>
+          <a:prstGeom prst="rect">
+            <a:avLst/>
+          </a:prstGeom>
+        </p:spPr>
+        <p:txBody>
+          <a:bodyPr vert="horz" lIns="91440" tIns="45720" rIns="91440" bIns="45720" rtlCol="0">
+            <a:noAutofit/>
+          </a:bodyPr>
+          <a:lstStyle>
+            <a:lvl1pPr marL="0" indent="0" algn="ctr" defTabSz="914400" rtl="0" eaLnBrk="1" latinLnBrk="1" hangingPunct="1">
+              <a:lnSpc>
+                <a:spcPct val="90000"/>
+              </a:lnSpc>
+              <a:spcBef>
+                <a:spcPts val="1000"/>
+              </a:spcBef>
+              <a:buFont typeface="Arial" panose="020B0604020202020204" pitchFamily="34" charset="0"/>
+              <a:buNone/>
+              <a:defRPr sz="2400" kern="1200">
+                <a:solidFill>
+                  <a:schemeClr val="tx1"/>
+                </a:solidFill>
+                <a:latin typeface="+mn-lt"/>
+                <a:ea typeface="+mn-ea"/>
+                <a:cs typeface="+mn-cs"/>
+              </a:defRPr>
+            </a:lvl1pPr>
+            <a:lvl2pPr marL="457200" indent="0" algn="ctr" defTabSz="914400" rtl="0" eaLnBrk="1" latinLnBrk="1" hangingPunct="1">
+              <a:lnSpc>
+                <a:spcPct val="90000"/>
+              </a:lnSpc>
+              <a:spcBef>
+                <a:spcPts val="500"/>
+              </a:spcBef>
+              <a:buFont typeface="Arial" panose="020B0604020202020204" pitchFamily="34" charset="0"/>
+              <a:buNone/>
+              <a:defRPr sz="2000" kern="1200">
+                <a:solidFill>
+                  <a:schemeClr val="tx1"/>
+                </a:solidFill>
+                <a:latin typeface="+mn-lt"/>
+                <a:ea typeface="+mn-ea"/>
+                <a:cs typeface="+mn-cs"/>
+              </a:defRPr>
+            </a:lvl2pPr>
+            <a:lvl3pPr marL="914400" indent="0" algn="ctr" defTabSz="914400" rtl="0" eaLnBrk="1" latinLnBrk="1" hangingPunct="1">
+              <a:lnSpc>
+                <a:spcPct val="90000"/>
+              </a:lnSpc>
+              <a:spcBef>
+                <a:spcPts val="500"/>
+              </a:spcBef>
+              <a:buFont typeface="Arial" panose="020B0604020202020204" pitchFamily="34" charset="0"/>
+              <a:buNone/>
+              <a:defRPr sz="1800" kern="1200">
+                <a:solidFill>
+                  <a:schemeClr val="tx1"/>
+                </a:solidFill>
+                <a:latin typeface="+mn-lt"/>
+                <a:ea typeface="+mn-ea"/>
+                <a:cs typeface="+mn-cs"/>
+              </a:defRPr>
+            </a:lvl3pPr>
+            <a:lvl4pPr marL="1371600" indent="0" algn="ctr" defTabSz="914400" rtl="0" eaLnBrk="1" latinLnBrk="1" hangingPunct="1">
+              <a:lnSpc>
+                <a:spcPct val="90000"/>
+              </a:lnSpc>
+              <a:spcBef>
+                <a:spcPts val="500"/>
+              </a:spcBef>
+              <a:buFont typeface="Arial" panose="020B0604020202020204" pitchFamily="34" charset="0"/>
+              <a:buNone/>
+              <a:defRPr sz="1600" kern="1200">
+                <a:solidFill>
+                  <a:schemeClr val="tx1"/>
+                </a:solidFill>
+                <a:latin typeface="+mn-lt"/>
+                <a:ea typeface="+mn-ea"/>
+                <a:cs typeface="+mn-cs"/>
+              </a:defRPr>
+            </a:lvl4pPr>
+            <a:lvl5pPr marL="1828800" indent="0" algn="ctr" defTabSz="914400" rtl="0" eaLnBrk="1" latinLnBrk="1" hangingPunct="1">
+              <a:lnSpc>
+                <a:spcPct val="90000"/>
+              </a:lnSpc>
+              <a:spcBef>
+                <a:spcPts val="500"/>
+              </a:spcBef>
+              <a:buFont typeface="Arial" panose="020B0604020202020204" pitchFamily="34" charset="0"/>
+              <a:buNone/>
+              <a:defRPr sz="1600" kern="1200">
+                <a:solidFill>
+                  <a:schemeClr val="tx1"/>
+                </a:solidFill>
+                <a:latin typeface="+mn-lt"/>
+                <a:ea typeface="+mn-ea"/>
+                <a:cs typeface="+mn-cs"/>
+              </a:defRPr>
+            </a:lvl5pPr>
+            <a:lvl6pPr marL="2286000" indent="0" algn="ctr" defTabSz="914400" rtl="0" eaLnBrk="1" latinLnBrk="1" hangingPunct="1">
+              <a:lnSpc>
+                <a:spcPct val="90000"/>
+              </a:lnSpc>
+              <a:spcBef>
+                <a:spcPts val="500"/>
+              </a:spcBef>
+              <a:buFont typeface="Arial" panose="020B0604020202020204" pitchFamily="34" charset="0"/>
+              <a:buNone/>
+              <a:defRPr sz="1600" kern="1200">
+                <a:solidFill>
+                  <a:schemeClr val="tx1"/>
+                </a:solidFill>
+                <a:latin typeface="+mn-lt"/>
+                <a:ea typeface="+mn-ea"/>
+                <a:cs typeface="+mn-cs"/>
+              </a:defRPr>
+            </a:lvl6pPr>
+            <a:lvl7pPr marL="2743200" indent="0" algn="ctr" defTabSz="914400" rtl="0" eaLnBrk="1" latinLnBrk="1" hangingPunct="1">
+              <a:lnSpc>
+                <a:spcPct val="90000"/>
+              </a:lnSpc>
+              <a:spcBef>
+                <a:spcPts val="500"/>
+              </a:spcBef>
+              <a:buFont typeface="Arial" panose="020B0604020202020204" pitchFamily="34" charset="0"/>
+              <a:buNone/>
+              <a:defRPr sz="1600" kern="1200">
+                <a:solidFill>
+                  <a:schemeClr val="tx1"/>
+                </a:solidFill>
+                <a:latin typeface="+mn-lt"/>
+                <a:ea typeface="+mn-ea"/>
+                <a:cs typeface="+mn-cs"/>
+              </a:defRPr>
+            </a:lvl7pPr>
+            <a:lvl8pPr marL="3200400" indent="0" algn="ctr" defTabSz="914400" rtl="0" eaLnBrk="1" latinLnBrk="1" hangingPunct="1">
+              <a:lnSpc>
+                <a:spcPct val="90000"/>
+              </a:lnSpc>
+              <a:spcBef>
+                <a:spcPts val="500"/>
+              </a:spcBef>
+              <a:buFont typeface="Arial" panose="020B0604020202020204" pitchFamily="34" charset="0"/>
+              <a:buNone/>
+              <a:defRPr sz="1600" kern="1200">
+                <a:solidFill>
+                  <a:schemeClr val="tx1"/>
+                </a:solidFill>
+                <a:latin typeface="+mn-lt"/>
+                <a:ea typeface="+mn-ea"/>
+                <a:cs typeface="+mn-cs"/>
+              </a:defRPr>
+            </a:lvl8pPr>
+            <a:lvl9pPr marL="3657600" indent="0" algn="ctr" defTabSz="914400" rtl="0" eaLnBrk="1" latinLnBrk="1" hangingPunct="1">
+              <a:lnSpc>
+                <a:spcPct val="90000"/>
+              </a:lnSpc>
+              <a:spcBef>
+                <a:spcPts val="500"/>
+              </a:spcBef>
+              <a:buFont typeface="Arial" panose="020B0604020202020204" pitchFamily="34" charset="0"/>
+              <a:buNone/>
+              <a:defRPr sz="1600" kern="1200">
+                <a:solidFill>
+                  <a:schemeClr val="tx1"/>
+                </a:solidFill>
+                <a:latin typeface="+mn-lt"/>
+                <a:ea typeface="+mn-ea"/>
+                <a:cs typeface="+mn-cs"/>
+              </a:defRPr>
+            </a:lvl9pPr>
+          </a:lstStyle>
+          <a:p>
+            <a:r>
+              <a:rPr lang="en-US" altLang="ko-KR" sz="1800" b="1" dirty="0"/>
+              <a:t>.</a:t>
+            </a:r>
+          </a:p>
+          <a:p>
+            <a:r>
+              <a:rPr lang="en-US" altLang="ko-KR" sz="1800" b="1" dirty="0"/>
+              <a:t>.</a:t>
+            </a:r>
+          </a:p>
+          <a:p>
+            <a:endParaRPr lang="en-US" altLang="ko-KR" sz="1800" b="1" dirty="0"/>
+          </a:p>
+        </p:txBody>
+      </p:sp>
+    </p:spTree>
+    <p:extLst>
+      <p:ext uri="{BB962C8B-B14F-4D97-AF65-F5344CB8AC3E}">
+        <p14:creationId xmlns:p14="http://schemas.microsoft.com/office/powerpoint/2010/main" val="3653895247"/>
+      </p:ext>
+    </p:extLst>
+  </p:cSld>
+  <p:clrMapOvr>
+    <a:masterClrMapping/>
+  </p:clrMapOvr>
+</p:sld>
+</file>
+
 <file path=ppt/slides/slide2.xml><?xml version="1.0" encoding="utf-8"?>
 <p:sld xmlns:a="http://schemas.openxmlformats.org/drawingml/2006/main" xmlns:r="http://schemas.openxmlformats.org/officeDocument/2006/relationships" xmlns:p="http://schemas.openxmlformats.org/presentationml/2006/main">
   <p:cSld>
@@ -5707,7 +7276,141 @@
         </p:nvSpPr>
         <p:spPr>
           <a:xfrm>
-            <a:off x="3902460" y="3270975"/>
+            <a:off x="3890686" y="3329534"/>
+            <a:ext cx="1179054" cy="1200329"/>
+          </a:xfrm>
+          <a:prstGeom prst="rect">
+            <a:avLst/>
+          </a:prstGeom>
+          <a:noFill/>
+        </p:spPr>
+        <p:txBody>
+          <a:bodyPr wrap="square" rtlCol="0">
+            <a:spAutoFit/>
+          </a:bodyPr>
+          <a:lstStyle/>
+          <a:p>
+            <a:r>
+              <a:rPr lang="en-US" altLang="ko-KR" sz="800" dirty="0"/>
+              <a:t>Adopt(</a:t>
+            </a:r>
+            <a:r>
+              <a:rPr lang="ko-KR" altLang="en-US" sz="800" dirty="0" err="1"/>
+              <a:t>폴더명</a:t>
+            </a:r>
+            <a:r>
+              <a:rPr lang="en-US" altLang="ko-KR" sz="800" dirty="0"/>
+              <a:t>)</a:t>
+            </a:r>
+          </a:p>
+          <a:p>
+            <a:r>
+              <a:rPr lang="en-US" altLang="ko-KR" sz="800" dirty="0" err="1"/>
+              <a:t>adopt_list.jsp</a:t>
+            </a:r>
+            <a:endParaRPr lang="en-US" altLang="ko-KR" sz="800" dirty="0"/>
+          </a:p>
+          <a:p>
+            <a:r>
+              <a:rPr lang="en-US" altLang="ko-KR" sz="800" dirty="0" err="1"/>
+              <a:t>adopt_view</a:t>
+            </a:r>
+            <a:r>
+              <a:rPr lang="en-US" altLang="ko-KR" sz="800" dirty="0"/>
+              <a:t> .</a:t>
+            </a:r>
+            <a:r>
+              <a:rPr lang="en-US" altLang="ko-KR" sz="800" dirty="0" err="1"/>
+              <a:t>jsp</a:t>
+            </a:r>
+            <a:endParaRPr lang="en-US" altLang="ko-KR" sz="800" dirty="0"/>
+          </a:p>
+          <a:p>
+            <a:endParaRPr lang="en-US" altLang="ko-KR" sz="800" dirty="0"/>
+          </a:p>
+          <a:p>
+            <a:r>
+              <a:rPr lang="en-US" altLang="ko-KR" sz="800" dirty="0"/>
+              <a:t> </a:t>
+            </a:r>
+          </a:p>
+          <a:p>
+            <a:r>
+              <a:rPr lang="en-US" altLang="ko-KR" sz="800" dirty="0" err="1"/>
+              <a:t>review_list</a:t>
+            </a:r>
+            <a:r>
+              <a:rPr lang="en-US" altLang="ko-KR" sz="800" dirty="0"/>
+              <a:t> .</a:t>
+            </a:r>
+            <a:r>
+              <a:rPr lang="en-US" altLang="ko-KR" sz="800" dirty="0" err="1"/>
+              <a:t>jsp</a:t>
+            </a:r>
+            <a:endParaRPr lang="en-US" altLang="ko-KR" sz="800" dirty="0"/>
+          </a:p>
+          <a:p>
+            <a:r>
+              <a:rPr lang="en-US" altLang="ko-KR" sz="800" dirty="0" err="1"/>
+              <a:t>review_read</a:t>
+            </a:r>
+            <a:r>
+              <a:rPr lang="en-US" altLang="ko-KR" sz="800" dirty="0"/>
+              <a:t> .</a:t>
+            </a:r>
+            <a:r>
+              <a:rPr lang="en-US" altLang="ko-KR" sz="800" dirty="0" err="1"/>
+              <a:t>jsp</a:t>
+            </a:r>
+            <a:endParaRPr lang="en-US" altLang="ko-KR" sz="800" dirty="0"/>
+          </a:p>
+          <a:p>
+            <a:r>
+              <a:rPr lang="en-US" altLang="ko-KR" sz="800" dirty="0" err="1"/>
+              <a:t>review_write</a:t>
+            </a:r>
+            <a:r>
+              <a:rPr lang="en-US" altLang="ko-KR" sz="800" dirty="0"/>
+              <a:t> .</a:t>
+            </a:r>
+            <a:r>
+              <a:rPr lang="en-US" altLang="ko-KR" sz="800" dirty="0" err="1"/>
+              <a:t>jsp</a:t>
+            </a:r>
+            <a:endParaRPr lang="en-US" altLang="ko-KR" sz="800" dirty="0"/>
+          </a:p>
+          <a:p>
+            <a:r>
+              <a:rPr lang="en-US" altLang="ko-KR" sz="800" dirty="0" err="1"/>
+              <a:t>review_modify</a:t>
+            </a:r>
+            <a:r>
+              <a:rPr lang="en-US" altLang="ko-KR" sz="800" dirty="0"/>
+              <a:t> .</a:t>
+            </a:r>
+            <a:r>
+              <a:rPr lang="en-US" altLang="ko-KR" sz="800" dirty="0" err="1"/>
+              <a:t>jsp</a:t>
+            </a:r>
+            <a:endParaRPr lang="ko-KR" altLang="en-US" sz="800" dirty="0"/>
+          </a:p>
+        </p:txBody>
+      </p:sp>
+      <p:sp>
+        <p:nvSpPr>
+          <p:cNvPr id="5" name="TextBox 4">
+            <a:extLst>
+              <a:ext uri="{FF2B5EF4-FFF2-40B4-BE49-F238E27FC236}">
+                <a16:creationId xmlns:a16="http://schemas.microsoft.com/office/drawing/2014/main" id="{E58430E7-20E8-F2FB-1895-74241870E3D5}"/>
+              </a:ext>
+            </a:extLst>
+          </p:cNvPr>
+          <p:cNvSpPr txBox="1"/>
+          <p:nvPr/>
+        </p:nvSpPr>
+        <p:spPr>
+          <a:xfrm>
+            <a:off x="3347864" y="753278"/>
             <a:ext cx="1179054" cy="215444"/>
           </a:xfrm>
           <a:prstGeom prst="rect">
@@ -5721,10 +7424,12 @@
           </a:bodyPr>
           <a:lstStyle/>
           <a:p>
-            <a:r>
-              <a:rPr lang="ko-KR" altLang="en-US" sz="800" dirty="0"/>
-              <a:t>회원 작성 가능</a:t>
-            </a:r>
+            <a:pPr algn="ctr"/>
+            <a:r>
+              <a:rPr lang="en-US" altLang="ko-KR" sz="800" dirty="0" err="1"/>
+              <a:t>Index.jsp</a:t>
+            </a:r>
+            <a:endParaRPr lang="ko-KR" altLang="en-US" sz="800" dirty="0"/>
           </a:p>
         </p:txBody>
       </p:sp>
@@ -5737,6 +7442,118 @@
 </file>
 
 <file path=ppt/slides/slide3.xml><?xml version="1.0" encoding="utf-8"?>
+<p:sld xmlns:a="http://schemas.openxmlformats.org/drawingml/2006/main" xmlns:r="http://schemas.openxmlformats.org/officeDocument/2006/relationships" xmlns:p="http://schemas.openxmlformats.org/presentationml/2006/main">
+  <p:cSld>
+    <p:spTree>
+      <p:nvGrpSpPr>
+        <p:cNvPr id="1" name=""/>
+        <p:cNvGrpSpPr/>
+        <p:nvPr/>
+      </p:nvGrpSpPr>
+      <p:grpSpPr>
+        <a:xfrm>
+          <a:off x="0" y="0"/>
+          <a:ext cx="0" cy="0"/>
+          <a:chOff x="0" y="0"/>
+          <a:chExt cx="0" cy="0"/>
+        </a:xfrm>
+      </p:grpSpPr>
+      <p:sp>
+        <p:nvSpPr>
+          <p:cNvPr id="2" name="텍스트 개체 틀 1">
+            <a:extLst>
+              <a:ext uri="{FF2B5EF4-FFF2-40B4-BE49-F238E27FC236}">
+                <a16:creationId xmlns:a16="http://schemas.microsoft.com/office/drawing/2014/main" id="{077C746F-CFA3-D674-E0B2-B48FBD24DF58}"/>
+              </a:ext>
+            </a:extLst>
+          </p:cNvPr>
+          <p:cNvSpPr>
+            <a:spLocks noGrp="1"/>
+          </p:cNvSpPr>
+          <p:nvPr>
+            <p:ph type="body" sz="quarter" idx="10"/>
+          </p:nvPr>
+        </p:nvSpPr>
+        <p:spPr/>
+        <p:txBody>
+          <a:bodyPr/>
+          <a:lstStyle/>
+          <a:p>
+            <a:endParaRPr lang="ko-KR" altLang="en-US"/>
+          </a:p>
+        </p:txBody>
+      </p:sp>
+      <p:sp>
+        <p:nvSpPr>
+          <p:cNvPr id="3" name="제목 2">
+            <a:extLst>
+              <a:ext uri="{FF2B5EF4-FFF2-40B4-BE49-F238E27FC236}">
+                <a16:creationId xmlns:a16="http://schemas.microsoft.com/office/drawing/2014/main" id="{3748649E-FCCA-0F6E-FEDB-60E1151889F5}"/>
+              </a:ext>
+            </a:extLst>
+          </p:cNvPr>
+          <p:cNvSpPr>
+            <a:spLocks noGrp="1"/>
+          </p:cNvSpPr>
+          <p:nvPr>
+            <p:ph type="title"/>
+          </p:nvPr>
+        </p:nvSpPr>
+        <p:spPr/>
+        <p:txBody>
+          <a:bodyPr/>
+          <a:lstStyle/>
+          <a:p>
+            <a:r>
+              <a:rPr lang="ko-KR" altLang="en-US" dirty="0"/>
+              <a:t>메뉴 상세</a:t>
+            </a:r>
+          </a:p>
+        </p:txBody>
+      </p:sp>
+      <p:sp>
+        <p:nvSpPr>
+          <p:cNvPr id="4" name="텍스트 개체 틀 3">
+            <a:extLst>
+              <a:ext uri="{FF2B5EF4-FFF2-40B4-BE49-F238E27FC236}">
+                <a16:creationId xmlns:a16="http://schemas.microsoft.com/office/drawing/2014/main" id="{B0B32472-1222-D34F-D34E-EC4DA45B98FA}"/>
+              </a:ext>
+            </a:extLst>
+          </p:cNvPr>
+          <p:cNvSpPr>
+            <a:spLocks noGrp="1"/>
+          </p:cNvSpPr>
+          <p:nvPr>
+            <p:ph type="body" sz="quarter" idx="11"/>
+          </p:nvPr>
+        </p:nvSpPr>
+        <p:spPr/>
+        <p:txBody>
+          <a:bodyPr/>
+          <a:lstStyle/>
+          <a:p>
+            <a:r>
+              <a:rPr lang="en-US" altLang="ko-KR" dirty="0"/>
+              <a:t>1-1-1</a:t>
+            </a:r>
+            <a:endParaRPr lang="ko-KR" altLang="en-US" dirty="0"/>
+          </a:p>
+        </p:txBody>
+      </p:sp>
+    </p:spTree>
+    <p:extLst>
+      <p:ext uri="{BB962C8B-B14F-4D97-AF65-F5344CB8AC3E}">
+        <p14:creationId xmlns:p14="http://schemas.microsoft.com/office/powerpoint/2010/main" val="3170292373"/>
+      </p:ext>
+    </p:extLst>
+  </p:cSld>
+  <p:clrMapOvr>
+    <a:masterClrMapping/>
+  </p:clrMapOvr>
+</p:sld>
+</file>
+
+<file path=ppt/slides/slide4.xml><?xml version="1.0" encoding="utf-8"?>
 <p:sld xmlns:a="http://schemas.openxmlformats.org/drawingml/2006/main" xmlns:r="http://schemas.openxmlformats.org/officeDocument/2006/relationships" xmlns:p="http://schemas.openxmlformats.org/presentationml/2006/main">
   <p:cSld>
     <p:spTree>
@@ -6623,7 +8440,7 @@
 </p:sld>
 </file>
 
-<file path=ppt/slides/slide4.xml><?xml version="1.0" encoding="utf-8"?>
+<file path=ppt/slides/slide5.xml><?xml version="1.0" encoding="utf-8"?>
 <p:sld xmlns:a="http://schemas.openxmlformats.org/drawingml/2006/main" xmlns:r="http://schemas.openxmlformats.org/officeDocument/2006/relationships" xmlns:p="http://schemas.openxmlformats.org/presentationml/2006/main">
   <p:cSld>
     <p:spTree>
@@ -7511,7 +9328,7 @@
 </p:sld>
 </file>
 
-<file path=ppt/slides/slide5.xml><?xml version="1.0" encoding="utf-8"?>
+<file path=ppt/slides/slide6.xml><?xml version="1.0" encoding="utf-8"?>
 <p:sld xmlns:a="http://schemas.openxmlformats.org/drawingml/2006/main" xmlns:r="http://schemas.openxmlformats.org/officeDocument/2006/relationships" xmlns:p="http://schemas.openxmlformats.org/presentationml/2006/main">
   <p:cSld>
     <p:spTree>
@@ -8399,7 +10216,7 @@
 </p:sld>
 </file>
 
-<file path=ppt/slides/slide6.xml><?xml version="1.0" encoding="utf-8"?>
+<file path=ppt/slides/slide7.xml><?xml version="1.0" encoding="utf-8"?>
 <p:sld xmlns:a="http://schemas.openxmlformats.org/drawingml/2006/main" xmlns:r="http://schemas.openxmlformats.org/officeDocument/2006/relationships" xmlns:p="http://schemas.openxmlformats.org/presentationml/2006/main">
   <p:cSld>
     <p:spTree>
@@ -8817,7 +10634,7 @@
 </p:sld>
 </file>
 
-<file path=ppt/slides/slide7.xml><?xml version="1.0" encoding="utf-8"?>
+<file path=ppt/slides/slide8.xml><?xml version="1.0" encoding="utf-8"?>
 <p:sld xmlns:a="http://schemas.openxmlformats.org/drawingml/2006/main" xmlns:r="http://schemas.openxmlformats.org/officeDocument/2006/relationships" xmlns:p="http://schemas.openxmlformats.org/presentationml/2006/main">
   <p:cSld>
     <p:spTree>
@@ -8929,6 +10746,98 @@
               <a:rPr lang="en-US" altLang="ko-KR" dirty="0"/>
               <a:t>) </a:t>
             </a:r>
+          </a:p>
+          <a:p>
+            <a:endParaRPr lang="en-US" altLang="ko-KR" dirty="0"/>
+          </a:p>
+          <a:p>
+            <a:r>
+              <a:rPr lang="ko-KR" altLang="en-US" dirty="0"/>
+              <a:t>종류 </a:t>
+            </a:r>
+            <a:r>
+              <a:rPr lang="en-US" altLang="ko-KR" dirty="0"/>
+              <a:t>(</a:t>
+            </a:r>
+            <a:r>
+              <a:rPr lang="ko-KR" altLang="en-US" dirty="0"/>
+              <a:t>개</a:t>
+            </a:r>
+            <a:r>
+              <a:rPr lang="en-US" altLang="ko-KR" dirty="0"/>
+              <a:t>, </a:t>
+            </a:r>
+            <a:r>
+              <a:rPr lang="ko-KR" altLang="en-US" dirty="0"/>
+              <a:t>고양이</a:t>
+            </a:r>
+            <a:r>
+              <a:rPr lang="en-US" altLang="ko-KR" dirty="0"/>
+              <a:t>, </a:t>
+            </a:r>
+            <a:r>
+              <a:rPr lang="ko-KR" altLang="en-US" dirty="0" err="1"/>
+              <a:t>그외로</a:t>
+            </a:r>
+            <a:r>
+              <a:rPr lang="ko-KR" altLang="en-US" dirty="0"/>
+              <a:t> 분류</a:t>
+            </a:r>
+            <a:r>
+              <a:rPr lang="en-US" altLang="ko-KR" dirty="0"/>
+              <a:t>)</a:t>
+            </a:r>
+          </a:p>
+          <a:p>
+            <a:r>
+              <a:rPr lang="ko-KR" altLang="en-US" dirty="0"/>
+              <a:t>성별 </a:t>
+            </a:r>
+            <a:r>
+              <a:rPr lang="en-US" altLang="ko-KR" dirty="0"/>
+              <a:t>(</a:t>
+            </a:r>
+            <a:r>
+              <a:rPr lang="ko-KR" altLang="en-US" dirty="0"/>
+              <a:t>수컷</a:t>
+            </a:r>
+            <a:r>
+              <a:rPr lang="en-US" altLang="ko-KR" dirty="0"/>
+              <a:t>, </a:t>
+            </a:r>
+            <a:r>
+              <a:rPr lang="ko-KR" altLang="en-US" dirty="0"/>
+              <a:t>암컷 분류</a:t>
+            </a:r>
+            <a:r>
+              <a:rPr lang="en-US" altLang="ko-KR" dirty="0"/>
+              <a:t>)</a:t>
+            </a:r>
+          </a:p>
+          <a:p>
+            <a:r>
+              <a:rPr lang="ko-KR" altLang="en-US" dirty="0"/>
+              <a:t>보호소 이름 </a:t>
+            </a:r>
+            <a:r>
+              <a:rPr lang="en-US" altLang="ko-KR" dirty="0"/>
+              <a:t>(</a:t>
+            </a:r>
+            <a:r>
+              <a:rPr lang="ko-KR" altLang="en-US" dirty="0"/>
+              <a:t>보호소 명칭으로 검색</a:t>
+            </a:r>
+            <a:r>
+              <a:rPr lang="en-US" altLang="ko-KR" dirty="0"/>
+              <a:t>)</a:t>
+            </a:r>
+            <a:br>
+              <a:rPr lang="en-US" altLang="ko-KR" dirty="0"/>
+            </a:br>
+            <a:endParaRPr lang="en-US" altLang="ko-KR" dirty="0"/>
+          </a:p>
+          <a:p>
+            <a:endParaRPr lang="en-US" altLang="ko-KR" dirty="0"/>
           </a:p>
           <a:p>
             <a:r>
@@ -11947,7 +13856,7 @@
 </p:sld>
 </file>
 
-<file path=ppt/slides/slide8.xml><?xml version="1.0" encoding="utf-8"?>
+<file path=ppt/slides/slide9.xml><?xml version="1.0" encoding="utf-8"?>
 <p:sld xmlns:a="http://schemas.openxmlformats.org/drawingml/2006/main" xmlns:r="http://schemas.openxmlformats.org/officeDocument/2006/relationships" xmlns:p="http://schemas.openxmlformats.org/presentationml/2006/main">
   <p:cSld>
     <p:spTree>
@@ -11987,7 +13896,38 @@
           <a:p>
             <a:r>
               <a:rPr lang="ko-KR" altLang="en-US" dirty="0"/>
-              <a:t>입양의 리스트 페이지 참조 입니다</a:t>
+              <a:t>상단 메뉴</a:t>
+            </a:r>
+            <a:r>
+              <a:rPr lang="en-US" altLang="ko-KR" dirty="0"/>
+              <a:t>, </a:t>
+            </a:r>
+            <a:r>
+              <a:rPr lang="ko-KR" altLang="en-US" dirty="0"/>
+              <a:t>하단</a:t>
+            </a:r>
+            <a:r>
+              <a:rPr lang="en-US" altLang="ko-KR" dirty="0"/>
+              <a:t>(copy) </a:t>
+            </a:r>
+            <a:r>
+              <a:rPr lang="ko-KR" altLang="en-US" dirty="0"/>
+              <a:t>배제</a:t>
+            </a:r>
+            <a:endParaRPr lang="en-US" altLang="ko-KR" dirty="0"/>
+          </a:p>
+          <a:p>
+            <a:r>
+              <a:rPr lang="ko-KR" altLang="en-US" dirty="0"/>
+              <a:t>입양페이지의 </a:t>
+            </a:r>
+            <a:r>
+              <a:rPr lang="ko-KR" altLang="en-US" dirty="0" err="1"/>
+              <a:t>상셍</a:t>
+            </a:r>
+            <a:r>
+              <a:rPr lang="ko-KR" altLang="en-US" dirty="0"/>
+              <a:t> 페이지 입니다</a:t>
             </a:r>
             <a:r>
               <a:rPr lang="en-US" altLang="ko-KR" dirty="0"/>
@@ -11996,10 +13936,9 @@
           </a:p>
           <a:p>
             <a:r>
-              <a:rPr lang="ko-KR" altLang="en-US"/>
+              <a:rPr lang="ko-KR" altLang="en-US" dirty="0"/>
               <a:t>필터링 적용</a:t>
             </a:r>
-            <a:endParaRPr lang="ko-KR" altLang="en-US" dirty="0"/>
           </a:p>
         </p:txBody>
       </p:sp>
@@ -12075,8 +14014,8 @@
         </p:nvSpPr>
         <p:spPr>
           <a:xfrm>
-            <a:off x="3203849" y="627534"/>
-            <a:ext cx="3456384" cy="2160239"/>
+            <a:off x="4211960" y="588218"/>
+            <a:ext cx="1656459" cy="2160239"/>
           </a:xfrm>
           <a:prstGeom prst="rect">
             <a:avLst/>
@@ -12084,7 +14023,7 @@
         </p:spPr>
         <p:txBody>
           <a:bodyPr vert="horz" lIns="91440" tIns="45720" rIns="91440" bIns="45720" rtlCol="0">
-            <a:normAutofit fontScale="92500" lnSpcReduction="10000"/>
+            <a:normAutofit/>
           </a:bodyPr>
           <a:lstStyle>
             <a:lvl1pPr marL="0" indent="0" algn="ctr" defTabSz="914400" rtl="0" eaLnBrk="1" latinLnBrk="1" hangingPunct="1">
@@ -12283,52 +14222,6 @@
             <a:r>
               <a:rPr lang="ko-KR" altLang="en-US" sz="1200" b="1" dirty="0"/>
               <a:t>나이</a:t>
-            </a:r>
-          </a:p>
-          <a:p>
-            <a:pPr algn="l"/>
-            <a:r>
-              <a:rPr lang="ko-KR" altLang="en-US" sz="1200" b="1" dirty="0"/>
-              <a:t>상태</a:t>
-            </a:r>
-            <a:r>
-              <a:rPr lang="en-US" altLang="ko-KR" sz="1200" b="1" dirty="0"/>
-              <a:t>(</a:t>
-            </a:r>
-            <a:r>
-              <a:rPr lang="ko-KR" altLang="en-US" sz="1200" b="1" dirty="0"/>
-              <a:t>성격</a:t>
-            </a:r>
-            <a:r>
-              <a:rPr lang="en-US" altLang="ko-KR" sz="1200" b="1" dirty="0"/>
-              <a:t>, </a:t>
-            </a:r>
-            <a:r>
-              <a:rPr lang="ko-KR" altLang="en-US" sz="1200" b="1" dirty="0"/>
-              <a:t>중성화 수술 유무</a:t>
-            </a:r>
-            <a:r>
-              <a:rPr lang="en-US" altLang="ko-KR" sz="1200" b="1" dirty="0"/>
-              <a:t>, </a:t>
-            </a:r>
-            <a:r>
-              <a:rPr lang="ko-KR" altLang="en-US" sz="1200" b="1" dirty="0"/>
-              <a:t>특이사항</a:t>
-            </a:r>
-            <a:r>
-              <a:rPr lang="en-US" altLang="ko-KR" sz="1200" b="1" dirty="0"/>
-              <a:t>)</a:t>
-            </a:r>
-          </a:p>
-          <a:p>
-            <a:pPr algn="l"/>
-            <a:endParaRPr lang="en-US" altLang="ko-KR" sz="1200" b="1" dirty="0"/>
-          </a:p>
-          <a:p>
-            <a:pPr algn="l"/>
-            <a:r>
-              <a:rPr lang="ko-KR" altLang="en-US" sz="1200" b="1" dirty="0"/>
-              <a:t>보호 중인 보호소 위치</a:t>
             </a:r>
             <a:endParaRPr lang="en-US" altLang="ko-KR" sz="1200" b="1" dirty="0"/>
           </a:p>
@@ -12348,8 +14241,8 @@
         </p:nvSpPr>
         <p:spPr>
           <a:xfrm>
-            <a:off x="381050" y="555526"/>
-            <a:ext cx="2304256" cy="2664296"/>
+            <a:off x="381049" y="555526"/>
+            <a:ext cx="3542603" cy="2664296"/>
           </a:xfrm>
           <a:prstGeom prst="roundRect">
             <a:avLst>
@@ -12387,7 +14280,7 @@
           <a:p>
             <a:pPr algn="ctr"/>
             <a:r>
-              <a:rPr lang="ko-KR" altLang="en-US" sz="4000" dirty="0"/>
+              <a:rPr lang="ko-KR" altLang="en-US" sz="3200" dirty="0"/>
               <a:t>동물 사진</a:t>
             </a:r>
           </a:p>
